--- a/langchain/rag_playground.pptx
+++ b/langchain/rag_playground.pptx
@@ -5,7 +5,7 @@
     <p:sldMasterId id="2147483648" r:id="rId1"/>
   </p:sldMasterIdLst>
   <p:notesMasterIdLst>
-    <p:notesMasterId r:id="rId16"/>
+    <p:notesMasterId r:id="rId19"/>
   </p:notesMasterIdLst>
   <p:sldIdLst>
     <p:sldId id="256" r:id="rId2"/>
@@ -21,7 +21,10 @@
     <p:sldId id="272" r:id="rId12"/>
     <p:sldId id="273" r:id="rId13"/>
     <p:sldId id="274" r:id="rId14"/>
-    <p:sldId id="275" r:id="rId15"/>
+    <p:sldId id="276" r:id="rId15"/>
+    <p:sldId id="277" r:id="rId16"/>
+    <p:sldId id="278" r:id="rId17"/>
+    <p:sldId id="275" r:id="rId18"/>
   </p:sldIdLst>
   <p:sldSz cx="12192000" cy="6858000"/>
   <p:notesSz cx="6858000" cy="9144000"/>
@@ -176,11 +179,14 @@
           <a:bodyPr vert="horz" lIns="91440" tIns="45720" rIns="91440" bIns="45720" rtlCol="0"/>
           <a:lstStyle>
             <a:lvl1pPr algn="l">
-              <a:defRPr sz="1200"/>
+              <a:defRPr sz="1200" b="0" i="0">
+                <a:latin typeface="Arial Unicode MS" panose="020B0604020202020204" pitchFamily="34" charset="-128"/>
+                <a:ea typeface="Arial Unicode MS" panose="020B0604020202020204" pitchFamily="34" charset="-128"/>
+              </a:defRPr>
             </a:lvl1pPr>
           </a:lstStyle>
           <a:p>
-            <a:endParaRPr kumimoji="1" lang="ko-KR" altLang="en-US"/>
+            <a:endParaRPr kumimoji="1" lang="ko-KR" altLang="en-US" dirty="0"/>
           </a:p>
         </p:txBody>
       </p:sp>
@@ -207,15 +213,19 @@
           <a:bodyPr vert="horz" lIns="91440" tIns="45720" rIns="91440" bIns="45720" rtlCol="0"/>
           <a:lstStyle>
             <a:lvl1pPr algn="r">
-              <a:defRPr sz="1200"/>
+              <a:defRPr sz="1200" b="0" i="0">
+                <a:latin typeface="Arial Unicode MS" panose="020B0604020202020204" pitchFamily="34" charset="-128"/>
+                <a:ea typeface="Arial Unicode MS" panose="020B0604020202020204" pitchFamily="34" charset="-128"/>
+              </a:defRPr>
             </a:lvl1pPr>
           </a:lstStyle>
           <a:p>
             <a:fld id="{FDAF2CD5-C81C-F94B-98F9-5F5F72AF964F}" type="datetimeFigureOut">
               <a:rPr kumimoji="1" lang="ko-KR" altLang="en-US" smtClean="0"/>
-              <a:t>2024. 6. 27.</a:t>
+              <a:pPr/>
+              <a:t>2024. 7. 2.</a:t>
             </a:fld>
-            <a:endParaRPr kumimoji="1" lang="ko-KR" altLang="en-US"/>
+            <a:endParaRPr kumimoji="1" lang="ko-KR" altLang="en-US" dirty="0"/>
           </a:p>
         </p:txBody>
       </p:sp>
@@ -248,7 +258,7 @@
           <a:bodyPr vert="horz" lIns="91440" tIns="45720" rIns="91440" bIns="45720" rtlCol="0" anchor="ctr"/>
           <a:lstStyle/>
           <a:p>
-            <a:endParaRPr lang="ko-KR" altLang="en-US"/>
+            <a:endParaRPr lang="ko-KR" altLang="en-US" dirty="0"/>
           </a:p>
         </p:txBody>
       </p:sp>
@@ -277,35 +287,35 @@
           <a:p>
             <a:pPr lvl="0"/>
             <a:r>
-              <a:rPr kumimoji="1" lang="ko-KR" altLang="en-US"/>
+              <a:rPr kumimoji="1" lang="ko-KR" altLang="en-US" dirty="0"/>
               <a:t>마스터 텍스트 스타일을 편집하려면 클릭</a:t>
             </a:r>
           </a:p>
           <a:p>
             <a:pPr lvl="1"/>
             <a:r>
-              <a:rPr kumimoji="1" lang="ko-KR" altLang="en-US"/>
+              <a:rPr kumimoji="1" lang="ko-KR" altLang="en-US" dirty="0"/>
               <a:t>두 번째 수준</a:t>
             </a:r>
           </a:p>
           <a:p>
             <a:pPr lvl="2"/>
             <a:r>
-              <a:rPr kumimoji="1" lang="ko-KR" altLang="en-US"/>
+              <a:rPr kumimoji="1" lang="ko-KR" altLang="en-US" dirty="0"/>
               <a:t>세 번째 수준</a:t>
             </a:r>
           </a:p>
           <a:p>
             <a:pPr lvl="3"/>
             <a:r>
-              <a:rPr kumimoji="1" lang="ko-KR" altLang="en-US"/>
+              <a:rPr kumimoji="1" lang="ko-KR" altLang="en-US" dirty="0"/>
               <a:t>네 번째 수준</a:t>
             </a:r>
           </a:p>
           <a:p>
             <a:pPr lvl="4"/>
             <a:r>
-              <a:rPr kumimoji="1" lang="ko-KR" altLang="en-US"/>
+              <a:rPr kumimoji="1" lang="ko-KR" altLang="en-US" dirty="0"/>
               <a:t>다섯 번째 수준</a:t>
             </a:r>
           </a:p>
@@ -334,11 +344,14 @@
           <a:bodyPr vert="horz" lIns="91440" tIns="45720" rIns="91440" bIns="45720" rtlCol="0" anchor="b"/>
           <a:lstStyle>
             <a:lvl1pPr algn="l">
-              <a:defRPr sz="1200"/>
+              <a:defRPr sz="1200" b="0" i="0">
+                <a:latin typeface="Arial Unicode MS" panose="020B0604020202020204" pitchFamily="34" charset="-128"/>
+                <a:ea typeface="Arial Unicode MS" panose="020B0604020202020204" pitchFamily="34" charset="-128"/>
+              </a:defRPr>
             </a:lvl1pPr>
           </a:lstStyle>
           <a:p>
-            <a:endParaRPr kumimoji="1" lang="ko-KR" altLang="en-US"/>
+            <a:endParaRPr kumimoji="1" lang="ko-KR" altLang="en-US" dirty="0"/>
           </a:p>
         </p:txBody>
       </p:sp>
@@ -365,15 +378,19 @@
           <a:bodyPr vert="horz" lIns="91440" tIns="45720" rIns="91440" bIns="45720" rtlCol="0" anchor="b"/>
           <a:lstStyle>
             <a:lvl1pPr algn="r">
-              <a:defRPr sz="1200"/>
+              <a:defRPr sz="1200" b="0" i="0">
+                <a:latin typeface="Arial Unicode MS" panose="020B0604020202020204" pitchFamily="34" charset="-128"/>
+                <a:ea typeface="Arial Unicode MS" panose="020B0604020202020204" pitchFamily="34" charset="-128"/>
+              </a:defRPr>
             </a:lvl1pPr>
           </a:lstStyle>
           <a:p>
             <a:fld id="{FDCE3335-A8D6-C649-9929-7754F671F9AE}" type="slidenum">
               <a:rPr kumimoji="1" lang="ko-KR" altLang="en-US" smtClean="0"/>
+              <a:pPr/>
               <a:t>‹#›</a:t>
             </a:fld>
-            <a:endParaRPr kumimoji="1" lang="ko-KR" altLang="en-US"/>
+            <a:endParaRPr kumimoji="1" lang="ko-KR" altLang="en-US" dirty="0"/>
           </a:p>
         </p:txBody>
       </p:sp>
@@ -387,52 +404,52 @@
   <p:clrMap bg1="lt1" tx1="dk1" bg2="lt2" tx2="dk2" accent1="accent1" accent2="accent2" accent3="accent3" accent4="accent4" accent5="accent5" accent6="accent6" hlink="hlink" folHlink="folHlink"/>
   <p:notesStyle>
     <a:lvl1pPr marL="0" algn="l" defTabSz="914400" rtl="0" eaLnBrk="1" latinLnBrk="1" hangingPunct="1">
-      <a:defRPr sz="1200" kern="1200">
+      <a:defRPr sz="1200" b="0" i="0" kern="1200">
         <a:solidFill>
           <a:schemeClr val="tx1"/>
         </a:solidFill>
-        <a:latin typeface="+mn-lt"/>
-        <a:ea typeface="+mn-ea"/>
+        <a:latin typeface="Arial Unicode MS" panose="020B0604020202020204" pitchFamily="34" charset="-128"/>
+        <a:ea typeface="Arial Unicode MS" panose="020B0604020202020204" pitchFamily="34" charset="-128"/>
         <a:cs typeface="+mn-cs"/>
       </a:defRPr>
     </a:lvl1pPr>
     <a:lvl2pPr marL="457200" algn="l" defTabSz="914400" rtl="0" eaLnBrk="1" latinLnBrk="1" hangingPunct="1">
-      <a:defRPr sz="1200" kern="1200">
+      <a:defRPr sz="1200" b="0" i="0" kern="1200">
         <a:solidFill>
           <a:schemeClr val="tx1"/>
         </a:solidFill>
-        <a:latin typeface="+mn-lt"/>
-        <a:ea typeface="+mn-ea"/>
+        <a:latin typeface="Arial Unicode MS" panose="020B0604020202020204" pitchFamily="34" charset="-128"/>
+        <a:ea typeface="Arial Unicode MS" panose="020B0604020202020204" pitchFamily="34" charset="-128"/>
         <a:cs typeface="+mn-cs"/>
       </a:defRPr>
     </a:lvl2pPr>
     <a:lvl3pPr marL="914400" algn="l" defTabSz="914400" rtl="0" eaLnBrk="1" latinLnBrk="1" hangingPunct="1">
-      <a:defRPr sz="1200" kern="1200">
+      <a:defRPr sz="1200" b="0" i="0" kern="1200">
         <a:solidFill>
           <a:schemeClr val="tx1"/>
         </a:solidFill>
-        <a:latin typeface="+mn-lt"/>
-        <a:ea typeface="+mn-ea"/>
+        <a:latin typeface="Arial Unicode MS" panose="020B0604020202020204" pitchFamily="34" charset="-128"/>
+        <a:ea typeface="Arial Unicode MS" panose="020B0604020202020204" pitchFamily="34" charset="-128"/>
         <a:cs typeface="+mn-cs"/>
       </a:defRPr>
     </a:lvl3pPr>
     <a:lvl4pPr marL="1371600" algn="l" defTabSz="914400" rtl="0" eaLnBrk="1" latinLnBrk="1" hangingPunct="1">
-      <a:defRPr sz="1200" kern="1200">
+      <a:defRPr sz="1200" b="0" i="0" kern="1200">
         <a:solidFill>
           <a:schemeClr val="tx1"/>
         </a:solidFill>
-        <a:latin typeface="+mn-lt"/>
-        <a:ea typeface="+mn-ea"/>
+        <a:latin typeface="Arial Unicode MS" panose="020B0604020202020204" pitchFamily="34" charset="-128"/>
+        <a:ea typeface="Arial Unicode MS" panose="020B0604020202020204" pitchFamily="34" charset="-128"/>
         <a:cs typeface="+mn-cs"/>
       </a:defRPr>
     </a:lvl4pPr>
     <a:lvl5pPr marL="1828800" algn="l" defTabSz="914400" rtl="0" eaLnBrk="1" latinLnBrk="1" hangingPunct="1">
-      <a:defRPr sz="1200" kern="1200">
+      <a:defRPr sz="1200" b="0" i="0" kern="1200">
         <a:solidFill>
           <a:schemeClr val="tx1"/>
         </a:solidFill>
-        <a:latin typeface="+mn-lt"/>
-        <a:ea typeface="+mn-ea"/>
+        <a:latin typeface="Arial Unicode MS" panose="020B0604020202020204" pitchFamily="34" charset="-128"/>
+        <a:ea typeface="Arial Unicode MS" panose="020B0604020202020204" pitchFamily="34" charset="-128"/>
         <a:cs typeface="+mn-cs"/>
       </a:defRPr>
     </a:lvl5pPr>
@@ -1025,7 +1042,7 @@
           <a:p>
             <a:fld id="{A808637C-966E-A14C-82D0-6172230E0FD7}" type="datetimeFigureOut">
               <a:rPr kumimoji="1" lang="ko-KR" altLang="en-US" smtClean="0"/>
-              <a:t>2024. 6. 27.</a:t>
+              <a:t>2024. 7. 2.</a:t>
             </a:fld>
             <a:endParaRPr kumimoji="1" lang="ko-KR" altLang="en-US"/>
           </a:p>
@@ -1138,7 +1155,7 @@
           <a:p>
             <a:fld id="{A808637C-966E-A14C-82D0-6172230E0FD7}" type="datetimeFigureOut">
               <a:rPr kumimoji="1" lang="ko-KR" altLang="en-US" smtClean="0"/>
-              <a:t>2024. 6. 27.</a:t>
+              <a:t>2024. 7. 2.</a:t>
             </a:fld>
             <a:endParaRPr kumimoji="1" lang="ko-KR" altLang="en-US"/>
           </a:p>
@@ -1302,7 +1319,7 @@
           <a:lstStyle/>
           <a:p>
             <a:r>
-              <a:rPr kumimoji="1" lang="ko-KR" altLang="en-US"/>
+              <a:rPr kumimoji="1" lang="ko-KR" altLang="en-US" dirty="0"/>
               <a:t>마스터 제목 스타일 편집</a:t>
             </a:r>
           </a:p>
@@ -1341,35 +1358,35 @@
           <a:p>
             <a:pPr lvl="0"/>
             <a:r>
-              <a:rPr kumimoji="1" lang="ko-KR" altLang="en-US"/>
+              <a:rPr kumimoji="1" lang="ko-KR" altLang="en-US" dirty="0"/>
               <a:t>마스터 텍스트 스타일을 편집하려면 클릭</a:t>
             </a:r>
           </a:p>
           <a:p>
             <a:pPr lvl="1"/>
             <a:r>
-              <a:rPr kumimoji="1" lang="ko-KR" altLang="en-US"/>
+              <a:rPr kumimoji="1" lang="ko-KR" altLang="en-US" dirty="0"/>
               <a:t>두 번째 수준</a:t>
             </a:r>
           </a:p>
           <a:p>
             <a:pPr lvl="2"/>
             <a:r>
-              <a:rPr kumimoji="1" lang="ko-KR" altLang="en-US"/>
+              <a:rPr kumimoji="1" lang="ko-KR" altLang="en-US" dirty="0"/>
               <a:t>세 번째 수준</a:t>
             </a:r>
           </a:p>
           <a:p>
             <a:pPr lvl="3"/>
             <a:r>
-              <a:rPr kumimoji="1" lang="ko-KR" altLang="en-US"/>
+              <a:rPr kumimoji="1" lang="ko-KR" altLang="en-US" dirty="0"/>
               <a:t>네 번째 수준</a:t>
             </a:r>
           </a:p>
           <a:p>
             <a:pPr lvl="4"/>
             <a:r>
-              <a:rPr kumimoji="1" lang="ko-KR" altLang="en-US"/>
+              <a:rPr kumimoji="1" lang="ko-KR" altLang="en-US" dirty="0"/>
               <a:t>다섯 번째 수준</a:t>
             </a:r>
           </a:p>
@@ -1404,21 +1421,24 @@
           <a:bodyPr vert="horz" lIns="91440" tIns="45720" rIns="91440" bIns="45720" rtlCol="0" anchor="ctr"/>
           <a:lstStyle>
             <a:lvl1pPr algn="l">
-              <a:defRPr sz="1200">
+              <a:defRPr sz="1200" b="0" i="0">
                 <a:solidFill>
                   <a:schemeClr val="tx1">
                     <a:tint val="82000"/>
                   </a:schemeClr>
                 </a:solidFill>
+                <a:latin typeface="Arial Unicode MS" panose="020B0604020202020204" pitchFamily="34" charset="-128"/>
+                <a:ea typeface="Arial Unicode MS" panose="020B0604020202020204" pitchFamily="34" charset="-128"/>
               </a:defRPr>
             </a:lvl1pPr>
           </a:lstStyle>
           <a:p>
             <a:fld id="{A808637C-966E-A14C-82D0-6172230E0FD7}" type="datetimeFigureOut">
               <a:rPr kumimoji="1" lang="ko-KR" altLang="en-US" smtClean="0"/>
-              <a:t>2024. 6. 27.</a:t>
+              <a:pPr/>
+              <a:t>2024. 7. 2.</a:t>
             </a:fld>
-            <a:endParaRPr kumimoji="1" lang="ko-KR" altLang="en-US"/>
+            <a:endParaRPr kumimoji="1" lang="ko-KR" altLang="en-US" dirty="0"/>
           </a:p>
         </p:txBody>
       </p:sp>
@@ -1451,17 +1471,19 @@
           <a:bodyPr vert="horz" lIns="91440" tIns="45720" rIns="91440" bIns="45720" rtlCol="0" anchor="ctr"/>
           <a:lstStyle>
             <a:lvl1pPr algn="ctr">
-              <a:defRPr sz="1200">
+              <a:defRPr sz="1200" b="0" i="0">
                 <a:solidFill>
                   <a:schemeClr val="tx1">
                     <a:tint val="82000"/>
                   </a:schemeClr>
                 </a:solidFill>
+                <a:latin typeface="Arial Unicode MS" panose="020B0604020202020204" pitchFamily="34" charset="-128"/>
+                <a:ea typeface="Arial Unicode MS" panose="020B0604020202020204" pitchFamily="34" charset="-128"/>
               </a:defRPr>
             </a:lvl1pPr>
           </a:lstStyle>
           <a:p>
-            <a:endParaRPr kumimoji="1" lang="ko-KR" altLang="en-US"/>
+            <a:endParaRPr kumimoji="1" lang="ko-KR" altLang="en-US" dirty="0"/>
           </a:p>
         </p:txBody>
       </p:sp>
@@ -1494,21 +1516,24 @@
           <a:bodyPr vert="horz" lIns="91440" tIns="45720" rIns="91440" bIns="45720" rtlCol="0" anchor="ctr"/>
           <a:lstStyle>
             <a:lvl1pPr algn="r">
-              <a:defRPr sz="1200">
+              <a:defRPr sz="1200" b="0" i="0">
                 <a:solidFill>
                   <a:schemeClr val="tx1">
                     <a:tint val="82000"/>
                   </a:schemeClr>
                 </a:solidFill>
+                <a:latin typeface="Arial Unicode MS" panose="020B0604020202020204" pitchFamily="34" charset="-128"/>
+                <a:ea typeface="Arial Unicode MS" panose="020B0604020202020204" pitchFamily="34" charset="-128"/>
               </a:defRPr>
             </a:lvl1pPr>
           </a:lstStyle>
           <a:p>
             <a:fld id="{ED770D06-A408-D540-A97C-06850881F5DB}" type="slidenum">
               <a:rPr kumimoji="1" lang="ko-KR" altLang="en-US" smtClean="0"/>
+              <a:pPr/>
               <a:t>‹#›</a:t>
             </a:fld>
-            <a:endParaRPr kumimoji="1" lang="ko-KR" altLang="en-US"/>
+            <a:endParaRPr kumimoji="1" lang="ko-KR" altLang="en-US" dirty="0"/>
           </a:p>
         </p:txBody>
       </p:sp>
@@ -1534,12 +1559,12 @@
           <a:spcPct val="0"/>
         </a:spcBef>
         <a:buNone/>
-        <a:defRPr sz="4400" kern="1200">
+        <a:defRPr sz="4400" b="0" i="0" kern="1200">
           <a:solidFill>
             <a:schemeClr val="tx1"/>
           </a:solidFill>
-          <a:latin typeface="+mj-lt"/>
-          <a:ea typeface="+mj-ea"/>
+          <a:latin typeface="Arial Unicode MS" panose="020B0604020202020204" pitchFamily="34" charset="-128"/>
+          <a:ea typeface="Arial Unicode MS" panose="020B0604020202020204" pitchFamily="34" charset="-128"/>
           <a:cs typeface="+mj-cs"/>
         </a:defRPr>
       </a:lvl1pPr>
@@ -1554,12 +1579,12 @@
         </a:spcBef>
         <a:buFont typeface="Arial" panose="020B0604020202020204" pitchFamily="34" charset="0"/>
         <a:buChar char="•"/>
-        <a:defRPr sz="2800" kern="1200">
+        <a:defRPr sz="2800" b="0" i="0" kern="1200">
           <a:solidFill>
             <a:schemeClr val="tx1"/>
           </a:solidFill>
-          <a:latin typeface="+mn-lt"/>
-          <a:ea typeface="+mn-ea"/>
+          <a:latin typeface="Arial Unicode MS" panose="020B0604020202020204" pitchFamily="34" charset="-128"/>
+          <a:ea typeface="Arial Unicode MS" panose="020B0604020202020204" pitchFamily="34" charset="-128"/>
           <a:cs typeface="+mn-cs"/>
         </a:defRPr>
       </a:lvl1pPr>
@@ -1572,12 +1597,12 @@
         </a:spcBef>
         <a:buFont typeface="Arial" panose="020B0604020202020204" pitchFamily="34" charset="0"/>
         <a:buChar char="•"/>
-        <a:defRPr sz="2400" kern="1200">
+        <a:defRPr sz="2400" b="0" i="0" kern="1200">
           <a:solidFill>
             <a:schemeClr val="tx1"/>
           </a:solidFill>
-          <a:latin typeface="+mn-lt"/>
-          <a:ea typeface="+mn-ea"/>
+          <a:latin typeface="Arial Unicode MS" panose="020B0604020202020204" pitchFamily="34" charset="-128"/>
+          <a:ea typeface="Arial Unicode MS" panose="020B0604020202020204" pitchFamily="34" charset="-128"/>
           <a:cs typeface="+mn-cs"/>
         </a:defRPr>
       </a:lvl2pPr>
@@ -1590,12 +1615,12 @@
         </a:spcBef>
         <a:buFont typeface="Arial" panose="020B0604020202020204" pitchFamily="34" charset="0"/>
         <a:buChar char="•"/>
-        <a:defRPr sz="2000" kern="1200">
+        <a:defRPr sz="2000" b="0" i="0" kern="1200">
           <a:solidFill>
             <a:schemeClr val="tx1"/>
           </a:solidFill>
-          <a:latin typeface="+mn-lt"/>
-          <a:ea typeface="+mn-ea"/>
+          <a:latin typeface="Arial Unicode MS" panose="020B0604020202020204" pitchFamily="34" charset="-128"/>
+          <a:ea typeface="Arial Unicode MS" panose="020B0604020202020204" pitchFamily="34" charset="-128"/>
           <a:cs typeface="+mn-cs"/>
         </a:defRPr>
       </a:lvl3pPr>
@@ -1608,12 +1633,12 @@
         </a:spcBef>
         <a:buFont typeface="Arial" panose="020B0604020202020204" pitchFamily="34" charset="0"/>
         <a:buChar char="•"/>
-        <a:defRPr sz="1800" kern="1200">
+        <a:defRPr sz="1800" b="0" i="0" kern="1200">
           <a:solidFill>
             <a:schemeClr val="tx1"/>
           </a:solidFill>
-          <a:latin typeface="+mn-lt"/>
-          <a:ea typeface="+mn-ea"/>
+          <a:latin typeface="Arial Unicode MS" panose="020B0604020202020204" pitchFamily="34" charset="-128"/>
+          <a:ea typeface="Arial Unicode MS" panose="020B0604020202020204" pitchFamily="34" charset="-128"/>
           <a:cs typeface="+mn-cs"/>
         </a:defRPr>
       </a:lvl4pPr>
@@ -1626,12 +1651,12 @@
         </a:spcBef>
         <a:buFont typeface="Arial" panose="020B0604020202020204" pitchFamily="34" charset="0"/>
         <a:buChar char="•"/>
-        <a:defRPr sz="1800" kern="1200">
+        <a:defRPr sz="1800" b="0" i="0" kern="1200">
           <a:solidFill>
             <a:schemeClr val="tx1"/>
           </a:solidFill>
-          <a:latin typeface="+mn-lt"/>
-          <a:ea typeface="+mn-ea"/>
+          <a:latin typeface="Arial Unicode MS" panose="020B0604020202020204" pitchFamily="34" charset="-128"/>
+          <a:ea typeface="Arial Unicode MS" panose="020B0604020202020204" pitchFamily="34" charset="-128"/>
           <a:cs typeface="+mn-cs"/>
         </a:defRPr>
       </a:lvl5pPr>
@@ -1839,7 +1864,7 @@
         <p:spPr>
           <a:xfrm>
             <a:off x="2193809" y="1960945"/>
-            <a:ext cx="7804381" cy="1323439"/>
+            <a:ext cx="7883890" cy="1323439"/>
           </a:xfrm>
           <a:prstGeom prst="rect">
             <a:avLst/>
@@ -1853,7 +1878,10 @@
           <a:lstStyle/>
           <a:p>
             <a:r>
-              <a:rPr kumimoji="1" lang="en-US" altLang="ko-KR" sz="8000" dirty="0"/>
+              <a:rPr kumimoji="1" lang="en-US" altLang="ko-KR" sz="8000" dirty="0">
+                <a:latin typeface="Arial Unicode MS" panose="020B0604020202020204" pitchFamily="34" charset="-128"/>
+                <a:ea typeface="Arial Unicode MS" panose="020B0604020202020204" pitchFamily="34" charset="-128"/>
+              </a:rPr>
               <a:t>RAG Playground</a:t>
             </a:r>
           </a:p>
@@ -1888,34 +1916,58 @@
           <a:lstStyle/>
           <a:p>
             <a:r>
-              <a:rPr lang="ko-KR" altLang="en-US" sz="1000" dirty="0" err="1"/>
+              <a:rPr lang="ko-KR" altLang="en-US" sz="1000" dirty="0" err="1">
+                <a:latin typeface="Arial Unicode MS" panose="020B0604020202020204" pitchFamily="34" charset="-128"/>
+                <a:ea typeface="Arial Unicode MS" panose="020B0604020202020204" pitchFamily="34" charset="-128"/>
+              </a:rPr>
               <a:t>https</a:t>
             </a:r>
             <a:r>
-              <a:rPr lang="ko-KR" altLang="en-US" sz="1000" dirty="0"/>
+              <a:rPr lang="ko-KR" altLang="en-US" sz="1000" dirty="0">
+                <a:latin typeface="Arial Unicode MS" panose="020B0604020202020204" pitchFamily="34" charset="-128"/>
+                <a:ea typeface="Arial Unicode MS" panose="020B0604020202020204" pitchFamily="34" charset="-128"/>
+              </a:rPr>
               <a:t>://</a:t>
             </a:r>
             <a:r>
-              <a:rPr lang="ko-KR" altLang="en-US" sz="1000" dirty="0" err="1"/>
+              <a:rPr lang="ko-KR" altLang="en-US" sz="1000" dirty="0" err="1">
+                <a:latin typeface="Arial Unicode MS" panose="020B0604020202020204" pitchFamily="34" charset="-128"/>
+                <a:ea typeface="Arial Unicode MS" panose="020B0604020202020204" pitchFamily="34" charset="-128"/>
+              </a:rPr>
               <a:t>community.fullstackretrieval.com</a:t>
             </a:r>
             <a:r>
-              <a:rPr lang="ko-KR" altLang="en-US" sz="1000" dirty="0"/>
+              <a:rPr lang="ko-KR" altLang="en-US" sz="1000" dirty="0">
+                <a:latin typeface="Arial Unicode MS" panose="020B0604020202020204" pitchFamily="34" charset="-128"/>
+                <a:ea typeface="Arial Unicode MS" panose="020B0604020202020204" pitchFamily="34" charset="-128"/>
+              </a:rPr>
               <a:t>/</a:t>
             </a:r>
             <a:r>
-              <a:rPr lang="ko-KR" altLang="en-US" sz="1000" dirty="0" err="1"/>
+              <a:rPr lang="ko-KR" altLang="en-US" sz="1000" dirty="0" err="1">
+                <a:latin typeface="Arial Unicode MS" panose="020B0604020202020204" pitchFamily="34" charset="-128"/>
+                <a:ea typeface="Arial Unicode MS" panose="020B0604020202020204" pitchFamily="34" charset="-128"/>
+              </a:rPr>
               <a:t>document-loaders</a:t>
             </a:r>
             <a:r>
-              <a:rPr lang="ko-KR" altLang="en-US" sz="1000" dirty="0"/>
+              <a:rPr lang="ko-KR" altLang="en-US" sz="1000" dirty="0">
+                <a:latin typeface="Arial Unicode MS" panose="020B0604020202020204" pitchFamily="34" charset="-128"/>
+                <a:ea typeface="Arial Unicode MS" panose="020B0604020202020204" pitchFamily="34" charset="-128"/>
+              </a:rPr>
               <a:t>/</a:t>
             </a:r>
             <a:r>
-              <a:rPr lang="ko-KR" altLang="en-US" sz="1000" dirty="0" err="1"/>
+              <a:rPr lang="ko-KR" altLang="en-US" sz="1000" dirty="0" err="1">
+                <a:latin typeface="Arial Unicode MS" panose="020B0604020202020204" pitchFamily="34" charset="-128"/>
+                <a:ea typeface="Arial Unicode MS" panose="020B0604020202020204" pitchFamily="34" charset="-128"/>
+              </a:rPr>
               <a:t>text-splitting</a:t>
             </a:r>
-            <a:endParaRPr lang="ko-KR" altLang="en-US" sz="1000" dirty="0"/>
+            <a:endParaRPr lang="ko-KR" altLang="en-US" sz="1000" dirty="0">
+              <a:latin typeface="Arial Unicode MS" panose="020B0604020202020204" pitchFamily="34" charset="-128"/>
+              <a:ea typeface="Arial Unicode MS" panose="020B0604020202020204" pitchFamily="34" charset="-128"/>
+            </a:endParaRPr>
           </a:p>
         </p:txBody>
       </p:sp>
@@ -1978,27 +2030,45 @@
           <a:lstStyle/>
           <a:p>
             <a:r>
-              <a:rPr kumimoji="1" lang="en-US" altLang="ko-KR" dirty="0"/>
+              <a:rPr kumimoji="1" lang="en-US" altLang="ko-KR" dirty="0">
+                <a:latin typeface="Arial Unicode MS" panose="020B0604020202020204" pitchFamily="34" charset="-128"/>
+                <a:ea typeface="Arial Unicode MS" panose="020B0604020202020204" pitchFamily="34" charset="-128"/>
+              </a:rPr>
               <a:t>Document Loaders</a:t>
             </a:r>
             <a:r>
-              <a:rPr kumimoji="1" lang="ko-KR" altLang="en-US" dirty="0"/>
+              <a:rPr kumimoji="1" lang="ko-KR" altLang="en-US" dirty="0">
+                <a:latin typeface="Arial Unicode MS" panose="020B0604020202020204" pitchFamily="34" charset="-128"/>
+                <a:ea typeface="Arial Unicode MS" panose="020B0604020202020204" pitchFamily="34" charset="-128"/>
+              </a:rPr>
               <a:t> </a:t>
             </a:r>
             <a:r>
-              <a:rPr kumimoji="1" lang="en-US" altLang="ko-KR" dirty="0"/>
+              <a:rPr kumimoji="1" lang="en-US" altLang="ko-KR" dirty="0">
+                <a:latin typeface="Arial Unicode MS" panose="020B0604020202020204" pitchFamily="34" charset="-128"/>
+                <a:ea typeface="Arial Unicode MS" panose="020B0604020202020204" pitchFamily="34" charset="-128"/>
+              </a:rPr>
               <a:t>-</a:t>
             </a:r>
             <a:r>
-              <a:rPr kumimoji="1" lang="ko-KR" altLang="en-US" dirty="0"/>
+              <a:rPr kumimoji="1" lang="ko-KR" altLang="en-US" dirty="0">
+                <a:latin typeface="Arial Unicode MS" panose="020B0604020202020204" pitchFamily="34" charset="-128"/>
+                <a:ea typeface="Arial Unicode MS" panose="020B0604020202020204" pitchFamily="34" charset="-128"/>
+              </a:rPr>
               <a:t> </a:t>
             </a:r>
             <a:r>
-              <a:rPr kumimoji="1" lang="en-US" altLang="ko-KR" dirty="0"/>
+              <a:rPr kumimoji="1" lang="en-US" altLang="ko-KR" dirty="0">
+                <a:latin typeface="Arial Unicode MS" panose="020B0604020202020204" pitchFamily="34" charset="-128"/>
+                <a:ea typeface="Arial Unicode MS" panose="020B0604020202020204" pitchFamily="34" charset="-128"/>
+              </a:rPr>
               <a:t>Text Splitting (chunking)</a:t>
             </a:r>
             <a:r>
-              <a:rPr kumimoji="1" lang="ko-KR" altLang="en-US" dirty="0"/>
+              <a:rPr kumimoji="1" lang="ko-KR" altLang="en-US" dirty="0">
+                <a:latin typeface="Arial Unicode MS" panose="020B0604020202020204" pitchFamily="34" charset="-128"/>
+                <a:ea typeface="Arial Unicode MS" panose="020B0604020202020204" pitchFamily="34" charset="-128"/>
+              </a:rPr>
               <a:t> </a:t>
             </a:r>
           </a:p>
@@ -2038,23 +2108,29 @@
                 <a:solidFill>
                   <a:srgbClr val="00B050"/>
                 </a:solidFill>
+                <a:latin typeface="Arial Unicode MS" panose="020B0604020202020204" pitchFamily="34" charset="-128"/>
+                <a:ea typeface="Arial Unicode MS" panose="020B0604020202020204" pitchFamily="34" charset="-128"/>
               </a:rPr>
               <a:t>Levels Of Text Splitting</a:t>
             </a:r>
-            <a:endParaRPr lang="en" altLang="ko-KR" sz="1600" i="0" dirty="0">
+            <a:endParaRPr lang="en" altLang="ko-KR" sz="1600" dirty="0">
               <a:solidFill>
                 <a:srgbClr val="00B050"/>
               </a:solidFill>
               <a:effectLst/>
-            </a:endParaRPr>
-          </a:p>
-          <a:p>
-            <a:pPr algn="l"/>
-            <a:endParaRPr lang="en" altLang="ko-KR" sz="1200" i="0" dirty="0">
+              <a:latin typeface="Arial Unicode MS" panose="020B0604020202020204" pitchFamily="34" charset="-128"/>
+              <a:ea typeface="Arial Unicode MS" panose="020B0604020202020204" pitchFamily="34" charset="-128"/>
+            </a:endParaRPr>
+          </a:p>
+          <a:p>
+            <a:pPr algn="l"/>
+            <a:endParaRPr lang="en" altLang="ko-KR" sz="1200" dirty="0">
               <a:solidFill>
                 <a:srgbClr val="00B050"/>
               </a:solidFill>
               <a:effectLst/>
+              <a:latin typeface="Arial Unicode MS" panose="020B0604020202020204" pitchFamily="34" charset="-128"/>
+              <a:ea typeface="Arial Unicode MS" panose="020B0604020202020204" pitchFamily="34" charset="-128"/>
             </a:endParaRPr>
           </a:p>
           <a:p>
@@ -2063,22 +2139,15 @@
               <a:buChar char="•"/>
             </a:pPr>
             <a:r>
-              <a:rPr lang="en" altLang="ko-KR" sz="1400" b="1" i="0" dirty="0">
+              <a:rPr lang="en" altLang="ko-KR" sz="1400" dirty="0">
                 <a:solidFill>
                   <a:srgbClr val="1C1E21"/>
                 </a:solidFill>
                 <a:effectLst/>
-              </a:rPr>
-              <a:t>Level 1: Character Splitting</a:t>
-            </a:r>
-            <a:r>
-              <a:rPr lang="en" altLang="ko-KR" sz="1400" b="0" i="0" dirty="0">
-                <a:solidFill>
-                  <a:srgbClr val="1C1E21"/>
-                </a:solidFill>
-                <a:effectLst/>
-              </a:rPr>
-              <a:t> - Simple static character chunks of data</a:t>
+                <a:latin typeface="Arial Unicode MS" panose="020B0604020202020204" pitchFamily="34" charset="-128"/>
+                <a:ea typeface="Arial Unicode MS" panose="020B0604020202020204" pitchFamily="34" charset="-128"/>
+              </a:rPr>
+              <a:t>Level 1: Character Splitting - Simple static character chunks of data</a:t>
             </a:r>
           </a:p>
           <a:p>
@@ -2087,22 +2156,15 @@
               <a:buChar char="•"/>
             </a:pPr>
             <a:r>
-              <a:rPr lang="en" altLang="ko-KR" sz="1400" b="1" i="0" dirty="0">
+              <a:rPr lang="en" altLang="ko-KR" sz="1400" dirty="0">
                 <a:solidFill>
                   <a:srgbClr val="1C1E21"/>
                 </a:solidFill>
                 <a:effectLst/>
-              </a:rPr>
-              <a:t>Level 2: Recursive Character Text Splitting</a:t>
-            </a:r>
-            <a:r>
-              <a:rPr lang="en" altLang="ko-KR" sz="1400" b="0" i="0" dirty="0">
-                <a:solidFill>
-                  <a:srgbClr val="1C1E21"/>
-                </a:solidFill>
-                <a:effectLst/>
-              </a:rPr>
-              <a:t> - Recursive chunking based on a list of separators</a:t>
+                <a:latin typeface="Arial Unicode MS" panose="020B0604020202020204" pitchFamily="34" charset="-128"/>
+                <a:ea typeface="Arial Unicode MS" panose="020B0604020202020204" pitchFamily="34" charset="-128"/>
+              </a:rPr>
+              <a:t>Level 2: Recursive Character Text Splitting - Recursive chunking based on a list of separators</a:t>
             </a:r>
           </a:p>
           <a:p>
@@ -2111,22 +2173,15 @@
               <a:buChar char="•"/>
             </a:pPr>
             <a:r>
-              <a:rPr lang="en" altLang="ko-KR" sz="1400" b="1" i="0" dirty="0">
+              <a:rPr lang="en" altLang="ko-KR" sz="1400" dirty="0">
                 <a:solidFill>
                   <a:srgbClr val="1C1E21"/>
                 </a:solidFill>
                 <a:effectLst/>
-              </a:rPr>
-              <a:t>Level 3: Document Specific Splitting</a:t>
-            </a:r>
-            <a:r>
-              <a:rPr lang="en" altLang="ko-KR" sz="1400" b="0" i="0" dirty="0">
-                <a:solidFill>
-                  <a:srgbClr val="1C1E21"/>
-                </a:solidFill>
-                <a:effectLst/>
-              </a:rPr>
-              <a:t> - Various chunking methods for different document types (PDF, Python, Markdown)</a:t>
+                <a:latin typeface="Arial Unicode MS" panose="020B0604020202020204" pitchFamily="34" charset="-128"/>
+                <a:ea typeface="Arial Unicode MS" panose="020B0604020202020204" pitchFamily="34" charset="-128"/>
+              </a:rPr>
+              <a:t>Level 3: Document Specific Splitting - Various chunking methods for different document types (PDF, Python, Markdown)</a:t>
             </a:r>
           </a:p>
           <a:p>
@@ -2135,22 +2190,15 @@
               <a:buChar char="•"/>
             </a:pPr>
             <a:r>
-              <a:rPr lang="en" altLang="ko-KR" sz="1400" b="1" i="0" dirty="0">
+              <a:rPr lang="en" altLang="ko-KR" sz="1400" dirty="0">
                 <a:solidFill>
                   <a:srgbClr val="1C1E21"/>
                 </a:solidFill>
                 <a:effectLst/>
-              </a:rPr>
-              <a:t>Level 4: Semantic Splitting</a:t>
-            </a:r>
-            <a:r>
-              <a:rPr lang="en" altLang="ko-KR" sz="1400" b="0" i="0" dirty="0">
-                <a:solidFill>
-                  <a:srgbClr val="1C1E21"/>
-                </a:solidFill>
-                <a:effectLst/>
-              </a:rPr>
-              <a:t> - Embedding walk based chunking</a:t>
+                <a:latin typeface="Arial Unicode MS" panose="020B0604020202020204" pitchFamily="34" charset="-128"/>
+                <a:ea typeface="Arial Unicode MS" panose="020B0604020202020204" pitchFamily="34" charset="-128"/>
+              </a:rPr>
+              <a:t>Level 4: Semantic Splitting - Embedding walk based chunking</a:t>
             </a:r>
           </a:p>
           <a:p>
@@ -2159,31 +2207,26 @@
               <a:buChar char="•"/>
             </a:pPr>
             <a:r>
-              <a:rPr lang="en" altLang="ko-KR" sz="1400" b="1" i="0" dirty="0">
+              <a:rPr lang="en" altLang="ko-KR" sz="1400" dirty="0">
                 <a:solidFill>
                   <a:srgbClr val="1C1E21"/>
                 </a:solidFill>
                 <a:effectLst/>
-              </a:rPr>
-              <a:t>Level 5: Agentic Splitting</a:t>
-            </a:r>
-            <a:r>
-              <a:rPr lang="en" altLang="ko-KR" sz="1400" b="0" i="0" dirty="0">
-                <a:solidFill>
-                  <a:srgbClr val="1C1E21"/>
-                </a:solidFill>
-                <a:effectLst/>
-              </a:rPr>
-              <a:t> - Experimental method of splitting text with an agent-like system. Good for if you believe that token cost will trend to $0.00</a:t>
-            </a:r>
-          </a:p>
-          <a:p>
-            <a:pPr algn="l"/>
-            <a:endParaRPr lang="en" altLang="ko-KR" sz="1400" b="0" i="0" dirty="0">
+                <a:latin typeface="Arial Unicode MS" panose="020B0604020202020204" pitchFamily="34" charset="-128"/>
+                <a:ea typeface="Arial Unicode MS" panose="020B0604020202020204" pitchFamily="34" charset="-128"/>
+              </a:rPr>
+              <a:t>Level 5: Agentic Splitting - Experimental method of splitting text with an agent-like system. Good for if you believe that token cost will trend to $0.00</a:t>
+            </a:r>
+          </a:p>
+          <a:p>
+            <a:pPr algn="l"/>
+            <a:endParaRPr lang="en" altLang="ko-KR" sz="1400" dirty="0">
               <a:solidFill>
                 <a:srgbClr val="1C1E21"/>
               </a:solidFill>
               <a:effectLst/>
+              <a:latin typeface="Arial Unicode MS" panose="020B0604020202020204" pitchFamily="34" charset="-128"/>
+              <a:ea typeface="Arial Unicode MS" panose="020B0604020202020204" pitchFamily="34" charset="-128"/>
             </a:endParaRPr>
           </a:p>
           <a:p>
@@ -2192,45 +2235,22 @@
               <a:buChar char="•"/>
             </a:pPr>
             <a:r>
-              <a:rPr lang="en" altLang="ko-KR" sz="1400" b="1" i="0" dirty="0">
+              <a:rPr lang="en" altLang="ko-KR" sz="1400" dirty="0">
                 <a:solidFill>
                   <a:srgbClr val="1C1E21"/>
                 </a:solidFill>
                 <a:effectLst/>
-              </a:rPr>
-              <a:t>*Bonus Level:*</a:t>
-            </a:r>
-            <a:r>
-              <a:rPr lang="en" altLang="ko-KR" sz="1400" b="0" i="0" dirty="0">
-                <a:solidFill>
-                  <a:srgbClr val="1C1E21"/>
-                </a:solidFill>
-                <a:effectLst/>
-              </a:rPr>
-              <a:t> </a:t>
-            </a:r>
-            <a:r>
-              <a:rPr lang="en" altLang="ko-KR" sz="1400" b="1" i="0" dirty="0">
-                <a:solidFill>
-                  <a:srgbClr val="1C1E21"/>
-                </a:solidFill>
-                <a:effectLst/>
-              </a:rPr>
-              <a:t>Alternative Representation Chunking + Indexing</a:t>
-            </a:r>
-            <a:r>
-              <a:rPr lang="en" altLang="ko-KR" sz="1400" b="0" i="0" dirty="0">
-                <a:solidFill>
-                  <a:srgbClr val="1C1E21"/>
-                </a:solidFill>
-                <a:effectLst/>
-              </a:rPr>
-              <a:t> - Derivative representations of your raw text that will aid in retrieval and indexing</a:t>
+                <a:latin typeface="Arial Unicode MS" panose="020B0604020202020204" pitchFamily="34" charset="-128"/>
+                <a:ea typeface="Arial Unicode MS" panose="020B0604020202020204" pitchFamily="34" charset="-128"/>
+              </a:rPr>
+              <a:t>*Bonus Level:* Alternative Representation Chunking + Indexing - Derivative representations of your raw text that will aid in retrieval and indexing</a:t>
             </a:r>
             <a:endParaRPr lang="en" altLang="ko-KR" sz="1400" dirty="0">
               <a:solidFill>
                 <a:srgbClr val="1C1E21"/>
               </a:solidFill>
+              <a:latin typeface="Arial Unicode MS" panose="020B0604020202020204" pitchFamily="34" charset="-128"/>
+              <a:ea typeface="Arial Unicode MS" panose="020B0604020202020204" pitchFamily="34" charset="-128"/>
             </a:endParaRPr>
           </a:p>
           <a:p>
@@ -2238,6 +2258,8 @@
               <a:solidFill>
                 <a:srgbClr val="00B050"/>
               </a:solidFill>
+              <a:latin typeface="Arial Unicode MS" panose="020B0604020202020204" pitchFamily="34" charset="-128"/>
+              <a:ea typeface="Arial Unicode MS" panose="020B0604020202020204" pitchFamily="34" charset="-128"/>
             </a:endParaRPr>
           </a:p>
           <a:p>
@@ -2246,16 +2268,20 @@
                 <a:solidFill>
                   <a:srgbClr val="00B050"/>
                 </a:solidFill>
+                <a:latin typeface="Arial Unicode MS" panose="020B0604020202020204" pitchFamily="34" charset="-128"/>
+                <a:ea typeface="Arial Unicode MS" panose="020B0604020202020204" pitchFamily="34" charset="-128"/>
               </a:rPr>
               <a:t>Notebook resources</a:t>
             </a:r>
           </a:p>
           <a:p>
-            <a:endParaRPr lang="en" altLang="ko-KR" sz="1400" b="0" i="0" dirty="0">
+            <a:endParaRPr lang="en" altLang="ko-KR" sz="1400" dirty="0">
               <a:solidFill>
                 <a:srgbClr val="1C1E21"/>
               </a:solidFill>
               <a:effectLst/>
+              <a:latin typeface="Arial Unicode MS" panose="020B0604020202020204" pitchFamily="34" charset="-128"/>
+              <a:ea typeface="Arial Unicode MS" panose="020B0604020202020204" pitchFamily="34" charset="-128"/>
             </a:endParaRPr>
           </a:p>
           <a:p>
@@ -2264,18 +2290,21 @@
               <a:buChar char="•"/>
             </a:pPr>
             <a:r>
-              <a:rPr lang="en" altLang="ko-KR" sz="1400" b="0" i="0" dirty="0">
-                <a:effectLst/>
+              <a:rPr lang="en" altLang="ko-KR" sz="1400" dirty="0">
+                <a:effectLst/>
+                <a:latin typeface="Arial Unicode MS" panose="020B0604020202020204" pitchFamily="34" charset="-128"/>
+                <a:ea typeface="Arial Unicode MS" panose="020B0604020202020204" pitchFamily="34" charset="-128"/>
                 <a:hlinkClick r:id="rId3"/>
               </a:rPr>
               <a:t>Video Overview</a:t>
             </a:r>
-            <a:endParaRPr lang="en" altLang="ko-KR" sz="1400" b="0" i="0" dirty="0">
+            <a:endParaRPr lang="en" altLang="ko-KR" sz="1400" dirty="0">
               <a:solidFill>
                 <a:srgbClr val="1C1E21"/>
               </a:solidFill>
               <a:effectLst/>
               <a:latin typeface="system-ui"/>
+              <a:ea typeface="Arial Unicode MS" panose="020B0604020202020204" pitchFamily="34" charset="-128"/>
             </a:endParaRPr>
           </a:p>
           <a:p>
@@ -2289,6 +2318,7 @@
                   <a:srgbClr val="1C1E21"/>
                 </a:solidFill>
                 <a:latin typeface="system-ui"/>
+                <a:ea typeface="Arial Unicode MS" panose="020B0604020202020204" pitchFamily="34" charset="-128"/>
                 <a:hlinkClick r:id="rId4"/>
               </a:rPr>
               <a:t>ChunkViz.com</a:t>
@@ -2299,6 +2329,7 @@
                   <a:srgbClr val="1C1E21"/>
                 </a:solidFill>
                 <a:latin typeface="system-ui"/>
+                <a:ea typeface="Arial Unicode MS" panose="020B0604020202020204" pitchFamily="34" charset="-128"/>
                 <a:hlinkClick r:id="rId4"/>
               </a:rPr>
               <a:t> </a:t>
@@ -2309,16 +2340,18 @@
                   <a:srgbClr val="1C1E21"/>
                 </a:solidFill>
                 <a:latin typeface="system-ui"/>
+                <a:ea typeface="Arial Unicode MS" panose="020B0604020202020204" pitchFamily="34" charset="-128"/>
               </a:rPr>
               <a:t>– </a:t>
             </a:r>
             <a:r>
-              <a:rPr lang="en" altLang="ko-KR" sz="1400" b="0" i="0" dirty="0">
+              <a:rPr lang="en" altLang="ko-KR" sz="1400" dirty="0">
                 <a:solidFill>
                   <a:srgbClr val="1C1E21"/>
                 </a:solidFill>
                 <a:effectLst/>
                 <a:latin typeface="system-ui"/>
+                <a:ea typeface="Arial Unicode MS" panose="020B0604020202020204" pitchFamily="34" charset="-128"/>
               </a:rPr>
               <a:t>Visual representation of chunk splitting methods</a:t>
             </a:r>
@@ -2334,6 +2367,7 @@
                   <a:srgbClr val="1C1E21"/>
                 </a:solidFill>
                 <a:latin typeface="system-ui"/>
+                <a:ea typeface="Arial Unicode MS" panose="020B0604020202020204" pitchFamily="34" charset="-128"/>
                 <a:hlinkClick r:id="rId5"/>
               </a:rPr>
               <a:t>RAGAS</a:t>
@@ -2344,38 +2378,45 @@
                   <a:srgbClr val="1C1E21"/>
                 </a:solidFill>
                 <a:latin typeface="system-ui"/>
+                <a:ea typeface="Arial Unicode MS" panose="020B0604020202020204" pitchFamily="34" charset="-128"/>
               </a:rPr>
               <a:t> – Retrieval evaluation framework</a:t>
             </a:r>
           </a:p>
           <a:p>
             <a:pPr algn="l"/>
-            <a:endParaRPr lang="en" altLang="ko-KR" sz="1400" b="0" i="0" dirty="0">
+            <a:endParaRPr lang="en" altLang="ko-KR" sz="1400" dirty="0">
               <a:solidFill>
                 <a:srgbClr val="1C1E21"/>
               </a:solidFill>
               <a:effectLst/>
-            </a:endParaRPr>
-          </a:p>
-          <a:p>
-            <a:pPr algn="l"/>
-            <a:r>
-              <a:rPr lang="en" altLang="ko-KR" sz="1400" i="0" dirty="0">
+              <a:latin typeface="Arial Unicode MS" panose="020B0604020202020204" pitchFamily="34" charset="-128"/>
+              <a:ea typeface="Arial Unicode MS" panose="020B0604020202020204" pitchFamily="34" charset="-128"/>
+            </a:endParaRPr>
+          </a:p>
+          <a:p>
+            <a:pPr algn="l"/>
+            <a:r>
+              <a:rPr lang="en" altLang="ko-KR" sz="1400" dirty="0">
                 <a:solidFill>
                   <a:srgbClr val="00B050"/>
                 </a:solidFill>
                 <a:effectLst/>
+                <a:latin typeface="Arial Unicode MS" panose="020B0604020202020204" pitchFamily="34" charset="-128"/>
+                <a:ea typeface="Arial Unicode MS" panose="020B0604020202020204" pitchFamily="34" charset="-128"/>
               </a:rPr>
               <a:t>Eval Frameworks</a:t>
             </a:r>
           </a:p>
           <a:p>
             <a:pPr algn="l"/>
-            <a:endParaRPr lang="en" altLang="ko-KR" sz="1400" i="0" dirty="0">
+            <a:endParaRPr lang="en" altLang="ko-KR" sz="1400" dirty="0">
               <a:solidFill>
                 <a:srgbClr val="00B050"/>
               </a:solidFill>
               <a:effectLst/>
+              <a:latin typeface="Arial Unicode MS" panose="020B0604020202020204" pitchFamily="34" charset="-128"/>
+              <a:ea typeface="Arial Unicode MS" panose="020B0604020202020204" pitchFamily="34" charset="-128"/>
             </a:endParaRPr>
           </a:p>
           <a:p>
@@ -2384,20 +2425,24 @@
               <a:buChar char="•"/>
             </a:pPr>
             <a:r>
-              <a:rPr lang="en" altLang="ko-KR" sz="1400" b="0" i="0" dirty="0">
+              <a:rPr lang="en" altLang="ko-KR" sz="1400" dirty="0">
                 <a:solidFill>
                   <a:srgbClr val="1C1E21"/>
                 </a:solidFill>
                 <a:effectLst/>
+                <a:latin typeface="Arial Unicode MS" panose="020B0604020202020204" pitchFamily="34" charset="-128"/>
+                <a:ea typeface="Arial Unicode MS" panose="020B0604020202020204" pitchFamily="34" charset="-128"/>
                 <a:hlinkClick r:id="rId6"/>
               </a:rPr>
               <a:t>LangChain Evals</a:t>
             </a:r>
-            <a:endParaRPr lang="en" altLang="ko-KR" sz="1400" b="0" i="0" dirty="0">
+            <a:endParaRPr lang="en" altLang="ko-KR" sz="1400" dirty="0">
               <a:solidFill>
                 <a:srgbClr val="1C1E21"/>
               </a:solidFill>
               <a:effectLst/>
+              <a:latin typeface="Arial Unicode MS" panose="020B0604020202020204" pitchFamily="34" charset="-128"/>
+              <a:ea typeface="Arial Unicode MS" panose="020B0604020202020204" pitchFamily="34" charset="-128"/>
             </a:endParaRPr>
           </a:p>
           <a:p>
@@ -2406,20 +2451,24 @@
               <a:buChar char="•"/>
             </a:pPr>
             <a:r>
-              <a:rPr lang="en" altLang="ko-KR" sz="1400" b="0" i="0" dirty="0">
+              <a:rPr lang="en" altLang="ko-KR" sz="1400" dirty="0">
                 <a:solidFill>
                   <a:srgbClr val="1C1E21"/>
                 </a:solidFill>
                 <a:effectLst/>
+                <a:latin typeface="Arial Unicode MS" panose="020B0604020202020204" pitchFamily="34" charset="-128"/>
+                <a:ea typeface="Arial Unicode MS" panose="020B0604020202020204" pitchFamily="34" charset="-128"/>
                 <a:hlinkClick r:id="rId7"/>
               </a:rPr>
               <a:t>Llama Index Evals</a:t>
             </a:r>
-            <a:endParaRPr lang="en" altLang="ko-KR" sz="1400" b="0" i="0" dirty="0">
+            <a:endParaRPr lang="en" altLang="ko-KR" sz="1400" dirty="0">
               <a:solidFill>
                 <a:srgbClr val="1C1E21"/>
               </a:solidFill>
               <a:effectLst/>
+              <a:latin typeface="Arial Unicode MS" panose="020B0604020202020204" pitchFamily="34" charset="-128"/>
+              <a:ea typeface="Arial Unicode MS" panose="020B0604020202020204" pitchFamily="34" charset="-128"/>
             </a:endParaRPr>
           </a:p>
           <a:p>
@@ -2428,29 +2477,34 @@
               <a:buChar char="•"/>
             </a:pPr>
             <a:r>
-              <a:rPr lang="en" altLang="ko-KR" sz="1400" b="0" i="0" dirty="0">
+              <a:rPr lang="en" altLang="ko-KR" sz="1400" dirty="0">
                 <a:solidFill>
                   <a:srgbClr val="1C1E21"/>
                 </a:solidFill>
                 <a:effectLst/>
+                <a:latin typeface="Arial Unicode MS" panose="020B0604020202020204" pitchFamily="34" charset="-128"/>
+                <a:ea typeface="Arial Unicode MS" panose="020B0604020202020204" pitchFamily="34" charset="-128"/>
                 <a:hlinkClick r:id="rId5"/>
               </a:rPr>
               <a:t>RAGAS Evals</a:t>
             </a:r>
-            <a:endParaRPr lang="en" altLang="ko-KR" sz="1400" b="0" i="0" dirty="0">
+            <a:endParaRPr lang="en" altLang="ko-KR" sz="1400" dirty="0">
               <a:solidFill>
                 <a:srgbClr val="1C1E21"/>
               </a:solidFill>
               <a:effectLst/>
-            </a:endParaRPr>
-          </a:p>
-          <a:p>
-            <a:endParaRPr lang="en" altLang="ko-KR" sz="1400" b="0" i="0" dirty="0">
+              <a:latin typeface="Arial Unicode MS" panose="020B0604020202020204" pitchFamily="34" charset="-128"/>
+              <a:ea typeface="Arial Unicode MS" panose="020B0604020202020204" pitchFamily="34" charset="-128"/>
+            </a:endParaRPr>
+          </a:p>
+          <a:p>
+            <a:endParaRPr lang="en" altLang="ko-KR" sz="1400" dirty="0">
               <a:solidFill>
                 <a:srgbClr val="1C1E21"/>
               </a:solidFill>
               <a:effectLst/>
               <a:latin typeface="system-ui"/>
+              <a:ea typeface="Arial Unicode MS" panose="020B0604020202020204" pitchFamily="34" charset="-128"/>
             </a:endParaRPr>
           </a:p>
         </p:txBody>
@@ -2514,26 +2568,44 @@
           <a:lstStyle/>
           <a:p>
             <a:r>
-              <a:rPr kumimoji="1" lang="en-US" altLang="ko-KR" dirty="0"/>
+              <a:rPr kumimoji="1" lang="en-US" altLang="ko-KR" dirty="0">
+                <a:latin typeface="Arial Unicode MS" panose="020B0604020202020204" pitchFamily="34" charset="-128"/>
+                <a:ea typeface="Arial Unicode MS" panose="020B0604020202020204" pitchFamily="34" charset="-128"/>
+              </a:rPr>
               <a:t>Retrieval Methods</a:t>
             </a:r>
             <a:r>
-              <a:rPr kumimoji="1" lang="ko-KR" altLang="en-US" dirty="0"/>
+              <a:rPr kumimoji="1" lang="ko-KR" altLang="en-US" dirty="0">
+                <a:latin typeface="Arial Unicode MS" panose="020B0604020202020204" pitchFamily="34" charset="-128"/>
+                <a:ea typeface="Arial Unicode MS" panose="020B0604020202020204" pitchFamily="34" charset="-128"/>
+              </a:rPr>
               <a:t> </a:t>
             </a:r>
             <a:r>
-              <a:rPr kumimoji="1" lang="en-US" altLang="ko-KR" dirty="0"/>
+              <a:rPr kumimoji="1" lang="en-US" altLang="ko-KR" dirty="0">
+                <a:latin typeface="Arial Unicode MS" panose="020B0604020202020204" pitchFamily="34" charset="-128"/>
+                <a:ea typeface="Arial Unicode MS" panose="020B0604020202020204" pitchFamily="34" charset="-128"/>
+              </a:rPr>
               <a:t>-</a:t>
             </a:r>
             <a:r>
-              <a:rPr kumimoji="1" lang="ko-KR" altLang="en-US" dirty="0"/>
+              <a:rPr kumimoji="1" lang="ko-KR" altLang="en-US" dirty="0">
+                <a:latin typeface="Arial Unicode MS" panose="020B0604020202020204" pitchFamily="34" charset="-128"/>
+                <a:ea typeface="Arial Unicode MS" panose="020B0604020202020204" pitchFamily="34" charset="-128"/>
+              </a:rPr>
               <a:t> </a:t>
             </a:r>
             <a:r>
-              <a:rPr kumimoji="1" lang="en-US" altLang="ko-KR" dirty="0"/>
+              <a:rPr kumimoji="1" lang="en-US" altLang="ko-KR" dirty="0">
+                <a:latin typeface="Arial Unicode MS" panose="020B0604020202020204" pitchFamily="34" charset="-128"/>
+                <a:ea typeface="Arial Unicode MS" panose="020B0604020202020204" pitchFamily="34" charset="-128"/>
+              </a:rPr>
               <a:t>Maximum Marginal Relevance (MMR)</a:t>
             </a:r>
-            <a:endParaRPr kumimoji="1" lang="ko-KR" altLang="en-US" dirty="0"/>
+            <a:endParaRPr kumimoji="1" lang="ko-KR" altLang="en-US" dirty="0">
+              <a:latin typeface="Arial Unicode MS" panose="020B0604020202020204" pitchFamily="34" charset="-128"/>
+              <a:ea typeface="Arial Unicode MS" panose="020B0604020202020204" pitchFamily="34" charset="-128"/>
+            </a:endParaRPr>
           </a:p>
         </p:txBody>
       </p:sp>
@@ -2567,152 +2639,184 @@
           <a:p>
             <a:pPr algn="l"/>
             <a:r>
-              <a:rPr lang="en-US" altLang="ko-KR" sz="1600" i="0" dirty="0">
+              <a:rPr lang="en-US" altLang="ko-KR" sz="1600" dirty="0">
                 <a:solidFill>
                   <a:srgbClr val="00B050"/>
                 </a:solidFill>
                 <a:effectLst/>
+                <a:latin typeface="Arial Unicode MS" panose="020B0604020202020204" pitchFamily="34" charset="-128"/>
+                <a:ea typeface="Arial Unicode MS" panose="020B0604020202020204" pitchFamily="34" charset="-128"/>
               </a:rPr>
               <a:t>Overview</a:t>
             </a:r>
-            <a:endParaRPr lang="en" altLang="ko-KR" sz="1600" i="0" dirty="0">
+            <a:endParaRPr lang="en" altLang="ko-KR" sz="1600" dirty="0">
               <a:solidFill>
                 <a:srgbClr val="00B050"/>
               </a:solidFill>
               <a:effectLst/>
-            </a:endParaRPr>
-          </a:p>
-          <a:p>
-            <a:pPr algn="l"/>
-            <a:endParaRPr lang="en" altLang="ko-KR" sz="1200" i="0" dirty="0">
+              <a:latin typeface="Arial Unicode MS" panose="020B0604020202020204" pitchFamily="34" charset="-128"/>
+              <a:ea typeface="Arial Unicode MS" panose="020B0604020202020204" pitchFamily="34" charset="-128"/>
+            </a:endParaRPr>
+          </a:p>
+          <a:p>
+            <a:pPr algn="l"/>
+            <a:endParaRPr lang="en" altLang="ko-KR" sz="1200" dirty="0">
               <a:solidFill>
                 <a:srgbClr val="00B050"/>
               </a:solidFill>
               <a:effectLst/>
-            </a:endParaRPr>
-          </a:p>
-          <a:p>
-            <a:pPr algn="l"/>
-            <a:r>
-              <a:rPr lang="en" altLang="ko-KR" sz="1400" b="0" i="1" dirty="0">
+              <a:latin typeface="Arial Unicode MS" panose="020B0604020202020204" pitchFamily="34" charset="-128"/>
+              <a:ea typeface="Arial Unicode MS" panose="020B0604020202020204" pitchFamily="34" charset="-128"/>
+            </a:endParaRPr>
+          </a:p>
+          <a:p>
+            <a:pPr algn="l"/>
+            <a:r>
+              <a:rPr lang="en" altLang="ko-KR" sz="1400" dirty="0">
                 <a:solidFill>
                   <a:srgbClr val="1C1E21"/>
                 </a:solidFill>
                 <a:effectLst/>
                 <a:latin typeface="system-ui"/>
+                <a:ea typeface="Arial Unicode MS" panose="020B0604020202020204" pitchFamily="34" charset="-128"/>
               </a:rPr>
               <a:t>MMR is a search type which </a:t>
             </a:r>
             <a:r>
-              <a:rPr lang="en" altLang="ko-KR" sz="1400" b="0" i="1" dirty="0" err="1">
+              <a:rPr lang="en" altLang="ko-KR" sz="1400" dirty="0" err="1">
                 <a:solidFill>
                   <a:srgbClr val="1C1E21"/>
                 </a:solidFill>
                 <a:effectLst/>
                 <a:latin typeface="system-ui"/>
+                <a:ea typeface="Arial Unicode MS" panose="020B0604020202020204" pitchFamily="34" charset="-128"/>
               </a:rPr>
               <a:t>specificies</a:t>
             </a:r>
             <a:r>
-              <a:rPr lang="en" altLang="ko-KR" sz="1400" b="0" i="1" dirty="0">
+              <a:rPr lang="en" altLang="ko-KR" sz="1400" dirty="0">
                 <a:solidFill>
                   <a:srgbClr val="1C1E21"/>
                 </a:solidFill>
                 <a:effectLst/>
                 <a:latin typeface="system-ui"/>
+                <a:ea typeface="Arial Unicode MS" panose="020B0604020202020204" pitchFamily="34" charset="-128"/>
               </a:rPr>
               <a:t> your Retrieval Method</a:t>
             </a:r>
           </a:p>
           <a:p>
             <a:pPr algn="l"/>
-            <a:endParaRPr lang="en" altLang="ko-KR" sz="1400" b="0" i="0" dirty="0">
+            <a:endParaRPr lang="en" altLang="ko-KR" sz="1400" dirty="0">
               <a:solidFill>
                 <a:srgbClr val="1C1E21"/>
               </a:solidFill>
               <a:effectLst/>
+              <a:latin typeface="Arial Unicode MS" panose="020B0604020202020204" pitchFamily="34" charset="-128"/>
+              <a:ea typeface="Arial Unicode MS" panose="020B0604020202020204" pitchFamily="34" charset="-128"/>
             </a:endParaRPr>
           </a:p>
           <a:p>
             <a:r>
               <a:rPr lang="en" altLang="ko-KR" sz="1400" dirty="0">
                 <a:effectLst/>
+                <a:latin typeface="Arial Unicode MS" panose="020B0604020202020204" pitchFamily="34" charset="-128"/>
+                <a:ea typeface="Arial Unicode MS" panose="020B0604020202020204" pitchFamily="34" charset="-128"/>
               </a:rPr>
               <a:t>The Maximal Marginal Relevance (MMR) criterion strives to reduce redundancy while maintaining query relevance in re-ranking retrieved documents - </a:t>
             </a:r>
             <a:r>
-              <a:rPr lang="en" altLang="ko-KR" sz="1400" i="1" dirty="0">
-                <a:effectLst/>
+              <a:rPr lang="en" altLang="ko-KR" sz="1400" dirty="0">
+                <a:effectLst/>
+                <a:latin typeface="Arial Unicode MS" panose="020B0604020202020204" pitchFamily="34" charset="-128"/>
+                <a:ea typeface="Arial Unicode MS" panose="020B0604020202020204" pitchFamily="34" charset="-128"/>
                 <a:hlinkClick r:id="rId3"/>
               </a:rPr>
               <a:t>Source</a:t>
             </a:r>
             <a:endParaRPr lang="en" altLang="ko-KR" sz="1400" dirty="0">
               <a:effectLst/>
-            </a:endParaRPr>
-          </a:p>
-          <a:p>
-            <a:pPr algn="l"/>
-            <a:endParaRPr lang="en" altLang="ko-KR" sz="1400" b="0" i="0" dirty="0">
+              <a:latin typeface="Arial Unicode MS" panose="020B0604020202020204" pitchFamily="34" charset="-128"/>
+              <a:ea typeface="Arial Unicode MS" panose="020B0604020202020204" pitchFamily="34" charset="-128"/>
+            </a:endParaRPr>
+          </a:p>
+          <a:p>
+            <a:pPr algn="l"/>
+            <a:endParaRPr lang="en" altLang="ko-KR" sz="1400" dirty="0">
               <a:solidFill>
                 <a:srgbClr val="1C1E21"/>
               </a:solidFill>
               <a:effectLst/>
-            </a:endParaRPr>
-          </a:p>
-          <a:p>
-            <a:pPr algn="l"/>
-            <a:r>
-              <a:rPr lang="en" altLang="ko-KR" sz="1400" b="0" i="0" dirty="0">
+              <a:latin typeface="Arial Unicode MS" panose="020B0604020202020204" pitchFamily="34" charset="-128"/>
+              <a:ea typeface="Arial Unicode MS" panose="020B0604020202020204" pitchFamily="34" charset="-128"/>
+            </a:endParaRPr>
+          </a:p>
+          <a:p>
+            <a:pPr algn="l"/>
+            <a:r>
+              <a:rPr lang="en" altLang="ko-KR" sz="1400" dirty="0">
                 <a:solidFill>
                   <a:srgbClr val="1C1E21"/>
                 </a:solidFill>
                 <a:effectLst/>
+                <a:latin typeface="Arial Unicode MS" panose="020B0604020202020204" pitchFamily="34" charset="-128"/>
+                <a:ea typeface="Arial Unicode MS" panose="020B0604020202020204" pitchFamily="34" charset="-128"/>
               </a:rPr>
               <a:t>When it comes to retrieving documents, the majority of methods will do a similarity metric like cosine similarity, </a:t>
             </a:r>
             <a:r>
-              <a:rPr lang="en" altLang="ko-KR" sz="1400" b="0" i="0" dirty="0" err="1">
+              <a:rPr lang="en" altLang="ko-KR" sz="1400" dirty="0" err="1">
                 <a:solidFill>
                   <a:srgbClr val="1C1E21"/>
                 </a:solidFill>
                 <a:effectLst/>
+                <a:latin typeface="Arial Unicode MS" panose="020B0604020202020204" pitchFamily="34" charset="-128"/>
+                <a:ea typeface="Arial Unicode MS" panose="020B0604020202020204" pitchFamily="34" charset="-128"/>
               </a:rPr>
               <a:t>euclidean</a:t>
             </a:r>
             <a:r>
-              <a:rPr lang="en" altLang="ko-KR" sz="1400" b="0" i="0" dirty="0">
+              <a:rPr lang="en" altLang="ko-KR" sz="1400" dirty="0">
                 <a:solidFill>
                   <a:srgbClr val="1C1E21"/>
                 </a:solidFill>
                 <a:effectLst/>
+                <a:latin typeface="Arial Unicode MS" panose="020B0604020202020204" pitchFamily="34" charset="-128"/>
+                <a:ea typeface="Arial Unicode MS" panose="020B0604020202020204" pitchFamily="34" charset="-128"/>
               </a:rPr>
               <a:t> distance, or dot product. All of these will return documents that are most similar to your query/question.</a:t>
             </a:r>
           </a:p>
           <a:p>
             <a:pPr algn="l"/>
-            <a:endParaRPr lang="en" altLang="ko-KR" sz="1400" b="0" i="0" dirty="0">
+            <a:endParaRPr lang="en" altLang="ko-KR" sz="1400" dirty="0">
               <a:solidFill>
                 <a:srgbClr val="1C1E21"/>
               </a:solidFill>
               <a:effectLst/>
-            </a:endParaRPr>
-          </a:p>
-          <a:p>
-            <a:pPr algn="l"/>
-            <a:r>
-              <a:rPr lang="en" altLang="ko-KR" sz="1400" b="0" i="0" dirty="0">
+              <a:latin typeface="Arial Unicode MS" panose="020B0604020202020204" pitchFamily="34" charset="-128"/>
+              <a:ea typeface="Arial Unicode MS" panose="020B0604020202020204" pitchFamily="34" charset="-128"/>
+            </a:endParaRPr>
+          </a:p>
+          <a:p>
+            <a:pPr algn="l"/>
+            <a:r>
+              <a:rPr lang="en" altLang="ko-KR" sz="1400" dirty="0">
                 <a:solidFill>
                   <a:srgbClr val="1C1E21"/>
                 </a:solidFill>
                 <a:effectLst/>
+                <a:latin typeface="Arial Unicode MS" panose="020B0604020202020204" pitchFamily="34" charset="-128"/>
+                <a:ea typeface="Arial Unicode MS" panose="020B0604020202020204" pitchFamily="34" charset="-128"/>
               </a:rPr>
               <a:t>However, what if you want similar documents which are also diverse from each other? That is where Maximum Marginal Relevance (MMR) steps in.</a:t>
             </a:r>
           </a:p>
           <a:p>
-            <a:endParaRPr lang="en" altLang="ko-KR" sz="1400" dirty="0"/>
+            <a:endParaRPr lang="en" altLang="ko-KR" sz="1400" dirty="0">
+              <a:latin typeface="Arial Unicode MS" panose="020B0604020202020204" pitchFamily="34" charset="-128"/>
+              <a:ea typeface="Arial Unicode MS" panose="020B0604020202020204" pitchFamily="34" charset="-128"/>
+            </a:endParaRPr>
           </a:p>
           <a:p>
             <a:r>
@@ -2720,6 +2824,8 @@
                 <a:solidFill>
                   <a:srgbClr val="C00000"/>
                 </a:solidFill>
+                <a:latin typeface="Arial Unicode MS" panose="020B0604020202020204" pitchFamily="34" charset="-128"/>
+                <a:ea typeface="Arial Unicode MS" panose="020B0604020202020204" pitchFamily="34" charset="-128"/>
               </a:rPr>
               <a:t>** 목표는 반환할 문서를 결정할 때 검색된 문서가 서로 얼마나 유사한지 고려하는 것</a:t>
             </a:r>
@@ -2728,16 +2834,23 @@
                 <a:solidFill>
                   <a:srgbClr val="C00000"/>
                 </a:solidFill>
+                <a:latin typeface="Arial Unicode MS" panose="020B0604020202020204" pitchFamily="34" charset="-128"/>
+                <a:ea typeface="Arial Unicode MS" panose="020B0604020202020204" pitchFamily="34" charset="-128"/>
               </a:rPr>
               <a:t>.</a:t>
             </a:r>
             <a:br>
-              <a:rPr lang="en" altLang="ko-KR" sz="1400" dirty="0"/>
+              <a:rPr lang="en" altLang="ko-KR" sz="1400" dirty="0">
+                <a:latin typeface="Arial Unicode MS" panose="020B0604020202020204" pitchFamily="34" charset="-128"/>
+                <a:ea typeface="Arial Unicode MS" panose="020B0604020202020204" pitchFamily="34" charset="-128"/>
+              </a:rPr>
             </a:br>
             <a:endParaRPr lang="en-US" altLang="ko-KR" sz="1400" dirty="0">
               <a:solidFill>
                 <a:srgbClr val="00B050"/>
               </a:solidFill>
+              <a:latin typeface="Arial Unicode MS" panose="020B0604020202020204" pitchFamily="34" charset="-128"/>
+              <a:ea typeface="Arial Unicode MS" panose="020B0604020202020204" pitchFamily="34" charset="-128"/>
             </a:endParaRPr>
           </a:p>
           <a:p>
@@ -2746,16 +2859,20 @@
                 <a:solidFill>
                   <a:srgbClr val="00B050"/>
                 </a:solidFill>
+                <a:latin typeface="Arial Unicode MS" panose="020B0604020202020204" pitchFamily="34" charset="-128"/>
+                <a:ea typeface="Arial Unicode MS" panose="020B0604020202020204" pitchFamily="34" charset="-128"/>
               </a:rPr>
               <a:t>Why is this helpful?</a:t>
             </a:r>
           </a:p>
           <a:p>
-            <a:endParaRPr lang="en" altLang="ko-KR" sz="1200" b="0" i="0" dirty="0">
+            <a:endParaRPr lang="en" altLang="ko-KR" sz="1200" dirty="0">
               <a:solidFill>
                 <a:srgbClr val="1C1E21"/>
               </a:solidFill>
               <a:effectLst/>
+              <a:latin typeface="Arial Unicode MS" panose="020B0604020202020204" pitchFamily="34" charset="-128"/>
+              <a:ea typeface="Arial Unicode MS" panose="020B0604020202020204" pitchFamily="34" charset="-128"/>
             </a:endParaRPr>
           </a:p>
           <a:p>
@@ -2764,56 +2881,68 @@
               <a:buAutoNum type="arabicPeriod"/>
             </a:pPr>
             <a:r>
-              <a:rPr lang="ko-KR" altLang="en-US" sz="1200" b="1" i="0" dirty="0">
+              <a:rPr lang="ko-KR" altLang="en-US" sz="1200" dirty="0">
                 <a:solidFill>
                   <a:srgbClr val="1C1E21"/>
                 </a:solidFill>
                 <a:effectLst/>
+                <a:latin typeface="Arial Unicode MS" panose="020B0604020202020204" pitchFamily="34" charset="-128"/>
+                <a:ea typeface="Arial Unicode MS" panose="020B0604020202020204" pitchFamily="34" charset="-128"/>
               </a:rPr>
               <a:t> 여러 측면을 포함하는 복잡한 쿼리</a:t>
             </a:r>
             <a:r>
-              <a:rPr lang="en-US" altLang="ko-KR" sz="1200" b="1" i="0" dirty="0">
+              <a:rPr lang="en-US" altLang="ko-KR" sz="1200" dirty="0">
                 <a:solidFill>
                   <a:srgbClr val="1C1E21"/>
                 </a:solidFill>
                 <a:effectLst/>
+                <a:latin typeface="Arial Unicode MS" panose="020B0604020202020204" pitchFamily="34" charset="-128"/>
+                <a:ea typeface="Arial Unicode MS" panose="020B0604020202020204" pitchFamily="34" charset="-128"/>
               </a:rPr>
               <a:t>:</a:t>
             </a:r>
             <a:r>
-              <a:rPr lang="ko-KR" altLang="en-US" sz="1200" b="0" i="0" dirty="0">
+              <a:rPr lang="ko-KR" altLang="en-US" sz="1200" dirty="0">
                 <a:solidFill>
                   <a:srgbClr val="1C1E21"/>
                 </a:solidFill>
                 <a:effectLst/>
+                <a:latin typeface="Arial Unicode MS" panose="020B0604020202020204" pitchFamily="34" charset="-128"/>
+                <a:ea typeface="Arial Unicode MS" panose="020B0604020202020204" pitchFamily="34" charset="-128"/>
               </a:rPr>
               <a:t> 쿼리에 여러 구성 요소나 측면이 있는 경우 </a:t>
             </a:r>
             <a:r>
-              <a:rPr lang="en" altLang="ko-KR" sz="1200" b="0" i="0" dirty="0">
+              <a:rPr lang="en" altLang="ko-KR" sz="1200" dirty="0">
                 <a:solidFill>
                   <a:srgbClr val="1C1E21"/>
                 </a:solidFill>
                 <a:effectLst/>
+                <a:latin typeface="Arial Unicode MS" panose="020B0604020202020204" pitchFamily="34" charset="-128"/>
+                <a:ea typeface="Arial Unicode MS" panose="020B0604020202020204" pitchFamily="34" charset="-128"/>
               </a:rPr>
               <a:t>MMR</a:t>
             </a:r>
             <a:r>
-              <a:rPr lang="ko-KR" altLang="en-US" sz="1200" b="0" i="0" dirty="0">
+              <a:rPr lang="ko-KR" altLang="en-US" sz="1200" dirty="0">
                 <a:solidFill>
                   <a:srgbClr val="1C1E21"/>
                 </a:solidFill>
                 <a:effectLst/>
+                <a:latin typeface="Arial Unicode MS" panose="020B0604020202020204" pitchFamily="34" charset="-128"/>
+                <a:ea typeface="Arial Unicode MS" panose="020B0604020202020204" pitchFamily="34" charset="-128"/>
               </a:rPr>
               <a:t>은 하나에만 초점을 맞추는 것이 아니라 쿼리의 모든 측면을 포괄하는 문서 세트를 검색하는 데 도움이 된다</a:t>
             </a:r>
             <a:r>
-              <a:rPr lang="en-US" altLang="ko-KR" sz="1200" b="0" i="0" dirty="0">
+              <a:rPr lang="en-US" altLang="ko-KR" sz="1200" dirty="0">
                 <a:solidFill>
                   <a:srgbClr val="1C1E21"/>
                 </a:solidFill>
                 <a:effectLst/>
+                <a:latin typeface="Arial Unicode MS" panose="020B0604020202020204" pitchFamily="34" charset="-128"/>
+                <a:ea typeface="Arial Unicode MS" panose="020B0604020202020204" pitchFamily="34" charset="-128"/>
               </a:rPr>
               <a:t>.</a:t>
             </a:r>
@@ -2823,11 +2952,13 @@
               <a:buFont typeface="+mj-lt"/>
               <a:buAutoNum type="arabicPeriod"/>
             </a:pPr>
-            <a:endParaRPr lang="en-US" altLang="ko-KR" sz="1200" b="0" i="0" dirty="0">
+            <a:endParaRPr lang="en-US" altLang="ko-KR" sz="1200" dirty="0">
               <a:solidFill>
                 <a:srgbClr val="1C1E21"/>
               </a:solidFill>
               <a:effectLst/>
+              <a:latin typeface="Arial Unicode MS" panose="020B0604020202020204" pitchFamily="34" charset="-128"/>
+              <a:ea typeface="Arial Unicode MS" panose="020B0604020202020204" pitchFamily="34" charset="-128"/>
             </a:endParaRPr>
           </a:p>
           <a:p>
@@ -2836,56 +2967,68 @@
               <a:buAutoNum type="arabicPeriod"/>
             </a:pPr>
             <a:r>
-              <a:rPr lang="ko-KR" altLang="en-US" sz="1200" b="1" i="0" dirty="0">
+              <a:rPr lang="ko-KR" altLang="en-US" sz="1200" dirty="0">
                 <a:solidFill>
                   <a:srgbClr val="1C1E21"/>
                 </a:solidFill>
                 <a:effectLst/>
+                <a:latin typeface="Arial Unicode MS" panose="020B0604020202020204" pitchFamily="34" charset="-128"/>
+                <a:ea typeface="Arial Unicode MS" panose="020B0604020202020204" pitchFamily="34" charset="-128"/>
               </a:rPr>
               <a:t> 중복 정보 방지</a:t>
             </a:r>
             <a:r>
-              <a:rPr lang="en-US" altLang="ko-KR" sz="1200" b="1" i="0" dirty="0">
+              <a:rPr lang="en-US" altLang="ko-KR" sz="1200" dirty="0">
                 <a:solidFill>
                   <a:srgbClr val="1C1E21"/>
                 </a:solidFill>
                 <a:effectLst/>
+                <a:latin typeface="Arial Unicode MS" panose="020B0604020202020204" pitchFamily="34" charset="-128"/>
+                <a:ea typeface="Arial Unicode MS" panose="020B0604020202020204" pitchFamily="34" charset="-128"/>
               </a:rPr>
               <a:t>:</a:t>
             </a:r>
             <a:r>
-              <a:rPr lang="ko-KR" altLang="en-US" sz="1200" b="0" i="0" dirty="0">
+              <a:rPr lang="ko-KR" altLang="en-US" sz="1200" dirty="0">
                 <a:solidFill>
                   <a:srgbClr val="1C1E21"/>
                 </a:solidFill>
                 <a:effectLst/>
+                <a:latin typeface="Arial Unicode MS" panose="020B0604020202020204" pitchFamily="34" charset="-128"/>
+                <a:ea typeface="Arial Unicode MS" panose="020B0604020202020204" pitchFamily="34" charset="-128"/>
               </a:rPr>
               <a:t> 단순 유사성 검색으로 반환된 상위 문서가 서로 매우 유사한 경우 </a:t>
             </a:r>
             <a:r>
-              <a:rPr lang="en" altLang="ko-KR" sz="1200" b="0" i="0" dirty="0">
+              <a:rPr lang="en" altLang="ko-KR" sz="1200" dirty="0">
                 <a:solidFill>
                   <a:srgbClr val="1C1E21"/>
                 </a:solidFill>
                 <a:effectLst/>
+                <a:latin typeface="Arial Unicode MS" panose="020B0604020202020204" pitchFamily="34" charset="-128"/>
+                <a:ea typeface="Arial Unicode MS" panose="020B0604020202020204" pitchFamily="34" charset="-128"/>
               </a:rPr>
               <a:t>MMR</a:t>
             </a:r>
             <a:r>
-              <a:rPr lang="ko-KR" altLang="en-US" sz="1200" b="0" i="0" dirty="0">
+              <a:rPr lang="ko-KR" altLang="en-US" sz="1200" dirty="0">
                 <a:solidFill>
                   <a:srgbClr val="1C1E21"/>
                 </a:solidFill>
                 <a:effectLst/>
+                <a:latin typeface="Arial Unicode MS" panose="020B0604020202020204" pitchFamily="34" charset="-128"/>
+                <a:ea typeface="Arial Unicode MS" panose="020B0604020202020204" pitchFamily="34" charset="-128"/>
               </a:rPr>
               <a:t>은 중복 정보를 방지하는 데 도움이 된다</a:t>
             </a:r>
             <a:r>
-              <a:rPr lang="en-US" altLang="ko-KR" sz="1200" b="0" i="0" dirty="0">
+              <a:rPr lang="en-US" altLang="ko-KR" sz="1200" dirty="0">
                 <a:solidFill>
                   <a:srgbClr val="1C1E21"/>
                 </a:solidFill>
                 <a:effectLst/>
+                <a:latin typeface="Arial Unicode MS" panose="020B0604020202020204" pitchFamily="34" charset="-128"/>
+                <a:ea typeface="Arial Unicode MS" panose="020B0604020202020204" pitchFamily="34" charset="-128"/>
               </a:rPr>
               <a:t>.</a:t>
             </a:r>
@@ -2895,11 +3038,13 @@
               <a:buFont typeface="+mj-lt"/>
               <a:buAutoNum type="arabicPeriod"/>
             </a:pPr>
-            <a:endParaRPr lang="en-US" altLang="ko-KR" sz="1200" b="0" i="0" dirty="0">
+            <a:endParaRPr lang="en-US" altLang="ko-KR" sz="1200" dirty="0">
               <a:solidFill>
                 <a:srgbClr val="1C1E21"/>
               </a:solidFill>
               <a:effectLst/>
+              <a:latin typeface="Arial Unicode MS" panose="020B0604020202020204" pitchFamily="34" charset="-128"/>
+              <a:ea typeface="Arial Unicode MS" panose="020B0604020202020204" pitchFamily="34" charset="-128"/>
             </a:endParaRPr>
           </a:p>
           <a:p>
@@ -2908,74 +3053,90 @@
               <a:buAutoNum type="arabicPeriod"/>
             </a:pPr>
             <a:r>
-              <a:rPr lang="ko-KR" altLang="en-US" sz="1200" b="1" i="0" dirty="0">
+              <a:rPr lang="ko-KR" altLang="en-US" sz="1200" dirty="0">
                 <a:solidFill>
                   <a:srgbClr val="1C1E21"/>
                 </a:solidFill>
                 <a:effectLst/>
+                <a:latin typeface="Arial Unicode MS" panose="020B0604020202020204" pitchFamily="34" charset="-128"/>
+                <a:ea typeface="Arial Unicode MS" panose="020B0604020202020204" pitchFamily="34" charset="-128"/>
               </a:rPr>
               <a:t> 콘텐츠 요약</a:t>
             </a:r>
             <a:r>
-              <a:rPr lang="en-US" altLang="ko-KR" sz="1200" b="1" i="0" dirty="0">
+              <a:rPr lang="en-US" altLang="ko-KR" sz="1200" dirty="0">
                 <a:solidFill>
                   <a:srgbClr val="1C1E21"/>
                 </a:solidFill>
                 <a:effectLst/>
+                <a:latin typeface="Arial Unicode MS" panose="020B0604020202020204" pitchFamily="34" charset="-128"/>
+                <a:ea typeface="Arial Unicode MS" panose="020B0604020202020204" pitchFamily="34" charset="-128"/>
               </a:rPr>
               <a:t>:</a:t>
             </a:r>
             <a:r>
-              <a:rPr lang="ko-KR" altLang="en-US" sz="1200" b="0" i="0" dirty="0">
+              <a:rPr lang="ko-KR" altLang="en-US" sz="1200" dirty="0">
                 <a:solidFill>
                   <a:srgbClr val="1C1E21"/>
                 </a:solidFill>
                 <a:effectLst/>
+                <a:latin typeface="Arial Unicode MS" panose="020B0604020202020204" pitchFamily="34" charset="-128"/>
+                <a:ea typeface="Arial Unicode MS" panose="020B0604020202020204" pitchFamily="34" charset="-128"/>
               </a:rPr>
               <a:t> 대규모 문서 세트에서 요약을 작성할 때 </a:t>
             </a:r>
             <a:r>
-              <a:rPr lang="en" altLang="ko-KR" sz="1200" b="0" i="0" dirty="0">
+              <a:rPr lang="en" altLang="ko-KR" sz="1200" dirty="0">
                 <a:solidFill>
                   <a:srgbClr val="1C1E21"/>
                 </a:solidFill>
                 <a:effectLst/>
+                <a:latin typeface="Arial Unicode MS" panose="020B0604020202020204" pitchFamily="34" charset="-128"/>
+                <a:ea typeface="Arial Unicode MS" panose="020B0604020202020204" pitchFamily="34" charset="-128"/>
               </a:rPr>
               <a:t>MMR</a:t>
             </a:r>
             <a:r>
-              <a:rPr lang="ko-KR" altLang="en-US" sz="1200" b="0" i="0" dirty="0">
+              <a:rPr lang="ko-KR" altLang="en-US" sz="1200" dirty="0">
                 <a:solidFill>
                   <a:srgbClr val="1C1E21"/>
                 </a:solidFill>
                 <a:effectLst/>
+                <a:latin typeface="Arial Unicode MS" panose="020B0604020202020204" pitchFamily="34" charset="-128"/>
+                <a:ea typeface="Arial Unicode MS" panose="020B0604020202020204" pitchFamily="34" charset="-128"/>
               </a:rPr>
               <a:t>은 관련성이 있고 반복적이지 않은 핵심 정보를 식별하는 데 도움이 될 수 있으며</a:t>
             </a:r>
             <a:r>
-              <a:rPr lang="en-US" altLang="ko-KR" sz="1200" b="0" i="0" dirty="0">
+              <a:rPr lang="en-US" altLang="ko-KR" sz="1200" dirty="0">
                 <a:solidFill>
                   <a:srgbClr val="1C1E21"/>
                 </a:solidFill>
                 <a:effectLst/>
+                <a:latin typeface="Arial Unicode MS" panose="020B0604020202020204" pitchFamily="34" charset="-128"/>
+                <a:ea typeface="Arial Unicode MS" panose="020B0604020202020204" pitchFamily="34" charset="-128"/>
               </a:rPr>
               <a:t>, </a:t>
             </a:r>
             <a:r>
-              <a:rPr lang="ko-KR" altLang="en-US" sz="1200" b="0" i="0" dirty="0">
+              <a:rPr lang="ko-KR" altLang="en-US" sz="1200" dirty="0">
                 <a:solidFill>
                   <a:srgbClr val="1C1E21"/>
                 </a:solidFill>
                 <a:effectLst/>
+                <a:latin typeface="Arial Unicode MS" panose="020B0604020202020204" pitchFamily="34" charset="-128"/>
+                <a:ea typeface="Arial Unicode MS" panose="020B0604020202020204" pitchFamily="34" charset="-128"/>
               </a:rPr>
               <a:t>이는 요약 질문에 더 잘 대답하는 데 도움이 된다</a:t>
             </a:r>
             <a:r>
-              <a:rPr lang="en-US" altLang="ko-KR" sz="1200" b="0" i="0" dirty="0">
+              <a:rPr lang="en-US" altLang="ko-KR" sz="1200" dirty="0">
                 <a:solidFill>
                   <a:srgbClr val="1C1E21"/>
                 </a:solidFill>
                 <a:effectLst/>
+                <a:latin typeface="Arial Unicode MS" panose="020B0604020202020204" pitchFamily="34" charset="-128"/>
+                <a:ea typeface="Arial Unicode MS" panose="020B0604020202020204" pitchFamily="34" charset="-128"/>
               </a:rPr>
               <a:t>.</a:t>
             </a:r>
@@ -2985,11 +3146,13 @@
               <a:buFont typeface="+mj-lt"/>
               <a:buAutoNum type="arabicPeriod"/>
             </a:pPr>
-            <a:endParaRPr lang="en-US" altLang="ko-KR" sz="1200" b="0" i="0" dirty="0">
+            <a:endParaRPr lang="en-US" altLang="ko-KR" sz="1200" dirty="0">
               <a:solidFill>
                 <a:srgbClr val="1C1E21"/>
               </a:solidFill>
               <a:effectLst/>
+              <a:latin typeface="Arial Unicode MS" panose="020B0604020202020204" pitchFamily="34" charset="-128"/>
+              <a:ea typeface="Arial Unicode MS" panose="020B0604020202020204" pitchFamily="34" charset="-128"/>
             </a:endParaRPr>
           </a:p>
           <a:p>
@@ -2998,67 +3161,80 @@
               <a:buAutoNum type="arabicPeriod"/>
             </a:pPr>
             <a:r>
-              <a:rPr lang="ko-KR" altLang="en-US" sz="1200" b="1" i="0" dirty="0">
+              <a:rPr lang="ko-KR" altLang="en-US" sz="1200" dirty="0">
                 <a:solidFill>
                   <a:srgbClr val="1C1E21"/>
                 </a:solidFill>
                 <a:effectLst/>
+                <a:latin typeface="Arial Unicode MS" panose="020B0604020202020204" pitchFamily="34" charset="-128"/>
+                <a:ea typeface="Arial Unicode MS" panose="020B0604020202020204" pitchFamily="34" charset="-128"/>
               </a:rPr>
               <a:t> 쿼리 명확성</a:t>
             </a:r>
             <a:r>
-              <a:rPr lang="en-US" altLang="ko-KR" sz="1200" b="1" i="0" dirty="0">
+              <a:rPr lang="en-US" altLang="ko-KR" sz="1200" dirty="0">
                 <a:solidFill>
                   <a:srgbClr val="1C1E21"/>
                 </a:solidFill>
                 <a:effectLst/>
+                <a:latin typeface="Arial Unicode MS" panose="020B0604020202020204" pitchFamily="34" charset="-128"/>
+                <a:ea typeface="Arial Unicode MS" panose="020B0604020202020204" pitchFamily="34" charset="-128"/>
               </a:rPr>
               <a:t>:</a:t>
             </a:r>
             <a:r>
-              <a:rPr lang="ko-KR" altLang="en-US" sz="1200" b="0" i="0" dirty="0">
+              <a:rPr lang="ko-KR" altLang="en-US" sz="1200" dirty="0">
                 <a:solidFill>
                   <a:srgbClr val="1C1E21"/>
                 </a:solidFill>
                 <a:effectLst/>
+                <a:latin typeface="Arial Unicode MS" panose="020B0604020202020204" pitchFamily="34" charset="-128"/>
+                <a:ea typeface="Arial Unicode MS" panose="020B0604020202020204" pitchFamily="34" charset="-128"/>
               </a:rPr>
               <a:t> 쿼리 용어가 모호하거나 여러 의미를 갖는 경우 </a:t>
             </a:r>
             <a:r>
-              <a:rPr lang="en" altLang="ko-KR" sz="1200" b="0" i="0" dirty="0">
+              <a:rPr lang="en" altLang="ko-KR" sz="1200" dirty="0">
                 <a:solidFill>
                   <a:srgbClr val="1C1E21"/>
                 </a:solidFill>
                 <a:effectLst/>
+                <a:latin typeface="Arial Unicode MS" panose="020B0604020202020204" pitchFamily="34" charset="-128"/>
+                <a:ea typeface="Arial Unicode MS" panose="020B0604020202020204" pitchFamily="34" charset="-128"/>
               </a:rPr>
               <a:t>MMR</a:t>
             </a:r>
             <a:r>
-              <a:rPr lang="ko-KR" altLang="en-US" sz="1200" b="0" i="0" dirty="0">
+              <a:rPr lang="ko-KR" altLang="en-US" sz="1200" dirty="0">
                 <a:solidFill>
                   <a:srgbClr val="1C1E21"/>
                 </a:solidFill>
                 <a:effectLst/>
+                <a:latin typeface="Arial Unicode MS" panose="020B0604020202020204" pitchFamily="34" charset="-128"/>
+                <a:ea typeface="Arial Unicode MS" panose="020B0604020202020204" pitchFamily="34" charset="-128"/>
               </a:rPr>
               <a:t>은 용어의 다양한 의미 또는 컨텍스트를 나타내는 문서를 검색할 수 있다</a:t>
             </a:r>
             <a:r>
-              <a:rPr lang="en-US" altLang="ko-KR" sz="1200" b="0" i="0" dirty="0">
+              <a:rPr lang="en-US" altLang="ko-KR" sz="1200" dirty="0">
                 <a:solidFill>
                   <a:srgbClr val="1C1E21"/>
                 </a:solidFill>
                 <a:effectLst/>
+                <a:latin typeface="Arial Unicode MS" panose="020B0604020202020204" pitchFamily="34" charset="-128"/>
+                <a:ea typeface="Arial Unicode MS" panose="020B0604020202020204" pitchFamily="34" charset="-128"/>
               </a:rPr>
               <a:t>.</a:t>
             </a:r>
           </a:p>
           <a:p>
-            <a:endParaRPr lang="en" altLang="ko-KR" sz="1400" b="0" i="0" dirty="0">
+            <a:endParaRPr lang="en" altLang="ko-KR" sz="1400" dirty="0">
               <a:solidFill>
                 <a:srgbClr val="1C1E21"/>
               </a:solidFill>
               <a:effectLst/>
               <a:latin typeface="system-ui"/>
+              <a:ea typeface="Arial Unicode MS" panose="020B0604020202020204" pitchFamily="34" charset="-128"/>
             </a:endParaRPr>
           </a:p>
         </p:txBody>
@@ -3169,10 +3345,16 @@
           <a:lstStyle/>
           <a:p>
             <a:r>
-              <a:rPr kumimoji="1" lang="en-US" altLang="ko-KR" dirty="0"/>
+              <a:rPr kumimoji="1" lang="en-US" altLang="ko-KR" dirty="0">
+                <a:latin typeface="Arial Unicode MS" panose="020B0604020202020204" pitchFamily="34" charset="-128"/>
+                <a:ea typeface="Arial Unicode MS" panose="020B0604020202020204" pitchFamily="34" charset="-128"/>
+              </a:rPr>
               <a:t>Retrieval Methods - Top-K Similarity Search</a:t>
             </a:r>
-            <a:endParaRPr kumimoji="1" lang="ko-KR" altLang="en-US" dirty="0"/>
+            <a:endParaRPr kumimoji="1" lang="ko-KR" altLang="en-US" dirty="0">
+              <a:latin typeface="Arial Unicode MS" panose="020B0604020202020204" pitchFamily="34" charset="-128"/>
+              <a:ea typeface="Arial Unicode MS" panose="020B0604020202020204" pitchFamily="34" charset="-128"/>
+            </a:endParaRPr>
           </a:p>
         </p:txBody>
       </p:sp>
@@ -3206,100 +3388,98 @@
           <a:p>
             <a:pPr algn="l"/>
             <a:r>
-              <a:rPr lang="en-US" altLang="ko-KR" sz="1600" i="0" dirty="0">
+              <a:rPr lang="en-US" altLang="ko-KR" sz="1600" dirty="0">
                 <a:solidFill>
                   <a:srgbClr val="00B050"/>
                 </a:solidFill>
                 <a:effectLst/>
+                <a:latin typeface="Arial Unicode MS" panose="020B0604020202020204" pitchFamily="34" charset="-128"/>
+                <a:ea typeface="Arial Unicode MS" panose="020B0604020202020204" pitchFamily="34" charset="-128"/>
               </a:rPr>
               <a:t>Overview</a:t>
             </a:r>
-            <a:endParaRPr lang="en" altLang="ko-KR" sz="1600" i="0" dirty="0">
+            <a:endParaRPr lang="en" altLang="ko-KR" sz="1600" dirty="0">
               <a:solidFill>
                 <a:srgbClr val="00B050"/>
               </a:solidFill>
               <a:effectLst/>
-            </a:endParaRPr>
-          </a:p>
-          <a:p>
-            <a:pPr algn="l"/>
-            <a:endParaRPr lang="en" altLang="ko-KR" sz="1200" i="0" dirty="0">
+              <a:latin typeface="Arial Unicode MS" panose="020B0604020202020204" pitchFamily="34" charset="-128"/>
+              <a:ea typeface="Arial Unicode MS" panose="020B0604020202020204" pitchFamily="34" charset="-128"/>
+            </a:endParaRPr>
+          </a:p>
+          <a:p>
+            <a:pPr algn="l"/>
+            <a:endParaRPr lang="en" altLang="ko-KR" sz="1200" dirty="0">
               <a:solidFill>
                 <a:srgbClr val="00B050"/>
               </a:solidFill>
               <a:effectLst/>
-            </a:endParaRPr>
-          </a:p>
-          <a:p>
-            <a:pPr algn="l"/>
-            <a:r>
-              <a:rPr lang="en" altLang="ko-KR" sz="1200" b="0" i="1" dirty="0">
+              <a:latin typeface="Arial Unicode MS" panose="020B0604020202020204" pitchFamily="34" charset="-128"/>
+              <a:ea typeface="Arial Unicode MS" panose="020B0604020202020204" pitchFamily="34" charset="-128"/>
+            </a:endParaRPr>
+          </a:p>
+          <a:p>
+            <a:pPr algn="l"/>
+            <a:r>
+              <a:rPr lang="en" altLang="ko-KR" sz="1200" dirty="0">
                 <a:solidFill>
                   <a:srgbClr val="1C1E21"/>
                 </a:solidFill>
                 <a:effectLst/>
+                <a:latin typeface="Arial Unicode MS" panose="020B0604020202020204" pitchFamily="34" charset="-128"/>
+                <a:ea typeface="Arial Unicode MS" panose="020B0604020202020204" pitchFamily="34" charset="-128"/>
               </a:rPr>
               <a:t>Top-K Similarity search type which specifies how you should retrieve documents from your knowledge base. This is type of a retrieval method</a:t>
             </a:r>
           </a:p>
           <a:p>
             <a:pPr algn="l"/>
-            <a:endParaRPr lang="en" altLang="ko-KR" sz="1200" b="0" i="0" dirty="0">
+            <a:endParaRPr lang="en" altLang="ko-KR" sz="1200" dirty="0">
               <a:solidFill>
                 <a:srgbClr val="1C1E21"/>
               </a:solidFill>
               <a:effectLst/>
-            </a:endParaRPr>
-          </a:p>
-          <a:p>
-            <a:pPr algn="l"/>
-            <a:r>
-              <a:rPr lang="en" altLang="ko-KR" sz="1200" b="0" i="0" dirty="0">
+              <a:latin typeface="Arial Unicode MS" panose="020B0604020202020204" pitchFamily="34" charset="-128"/>
+              <a:ea typeface="Arial Unicode MS" panose="020B0604020202020204" pitchFamily="34" charset="-128"/>
+            </a:endParaRPr>
+          </a:p>
+          <a:p>
+            <a:pPr algn="l"/>
+            <a:r>
+              <a:rPr lang="en" altLang="ko-KR" sz="1200" dirty="0">
                 <a:solidFill>
                   <a:srgbClr val="1C1E21"/>
                 </a:solidFill>
                 <a:effectLst/>
-              </a:rPr>
-              <a:t>Top-K Similarity search is the process of pulling "K" number of documents from your knowledge base. Its aim is to get you the most </a:t>
-            </a:r>
-            <a:r>
-              <a:rPr lang="en" altLang="ko-KR" sz="1200" b="0" i="1" dirty="0">
+                <a:latin typeface="Arial Unicode MS" panose="020B0604020202020204" pitchFamily="34" charset="-128"/>
+                <a:ea typeface="Arial Unicode MS" panose="020B0604020202020204" pitchFamily="34" charset="-128"/>
+              </a:rPr>
+              <a:t>Top-K Similarity search is the process of pulling "K" number of documents from your knowledge base. Its aim is to get you the most similar documents to a query according to your similarity metric.</a:t>
+            </a:r>
+          </a:p>
+          <a:p>
+            <a:pPr algn="l"/>
+            <a:r>
+              <a:rPr lang="en" altLang="ko-KR" sz="1200" dirty="0">
                 <a:solidFill>
                   <a:srgbClr val="1C1E21"/>
                 </a:solidFill>
                 <a:effectLst/>
-              </a:rPr>
-              <a:t>similar</a:t>
-            </a:r>
-            <a:r>
-              <a:rPr lang="en" altLang="ko-KR" sz="1200" b="0" i="0" dirty="0">
-                <a:solidFill>
-                  <a:srgbClr val="1C1E21"/>
-                </a:solidFill>
-                <a:effectLst/>
-              </a:rPr>
-              <a:t> documents to a query according to your similarity metric.</a:t>
-            </a:r>
-          </a:p>
-          <a:p>
-            <a:pPr algn="l"/>
-            <a:r>
-              <a:rPr lang="en" altLang="ko-KR" sz="1200" b="0" i="0" dirty="0">
-                <a:solidFill>
-                  <a:srgbClr val="1C1E21"/>
-                </a:solidFill>
-                <a:effectLst/>
+                <a:latin typeface="Arial Unicode MS" panose="020B0604020202020204" pitchFamily="34" charset="-128"/>
+                <a:ea typeface="Arial Unicode MS" panose="020B0604020202020204" pitchFamily="34" charset="-128"/>
               </a:rPr>
               <a:t>There are two concepts which are important</a:t>
             </a:r>
           </a:p>
           <a:p>
             <a:pPr algn="l"/>
-            <a:endParaRPr lang="en" altLang="ko-KR" sz="1200" b="0" i="0" dirty="0">
+            <a:endParaRPr lang="en" altLang="ko-KR" sz="1200" dirty="0">
               <a:solidFill>
                 <a:srgbClr val="1C1E21"/>
               </a:solidFill>
               <a:effectLst/>
+              <a:latin typeface="Arial Unicode MS" panose="020B0604020202020204" pitchFamily="34" charset="-128"/>
+              <a:ea typeface="Arial Unicode MS" panose="020B0604020202020204" pitchFamily="34" charset="-128"/>
             </a:endParaRPr>
           </a:p>
           <a:p>
@@ -3308,75 +3488,80 @@
               <a:buChar char="•"/>
             </a:pPr>
             <a:r>
-              <a:rPr lang="en" altLang="ko-KR" sz="1200" b="1" i="0" dirty="0">
+              <a:rPr lang="en" altLang="ko-KR" sz="1200" dirty="0">
                 <a:solidFill>
                   <a:srgbClr val="1C1E21"/>
                 </a:solidFill>
                 <a:effectLst/>
-              </a:rPr>
-              <a:t>Similarity Metric</a:t>
-            </a:r>
-            <a:r>
-              <a:rPr lang="en" altLang="ko-KR" sz="1200" b="0" i="0" dirty="0">
+                <a:latin typeface="Arial Unicode MS" panose="020B0604020202020204" pitchFamily="34" charset="-128"/>
+                <a:ea typeface="Arial Unicode MS" panose="020B0604020202020204" pitchFamily="34" charset="-128"/>
+              </a:rPr>
+              <a:t>Similarity Metric - This is the equation or metric you'll use to compare the embedding of your query to the embeddings of your corpus of documents. The most common similarity metrics are </a:t>
+            </a:r>
+            <a:r>
+              <a:rPr lang="en" altLang="ko-KR" sz="1200" dirty="0">
                 <a:solidFill>
                   <a:srgbClr val="1C1E21"/>
                 </a:solidFill>
                 <a:effectLst/>
-              </a:rPr>
-              <a:t> - This is the equation or metric you'll use to compare the embedding of your query to the embeddings of your corpus of documents. The most common similarity metrics are </a:t>
-            </a:r>
-            <a:r>
-              <a:rPr lang="en" altLang="ko-KR" sz="1200" b="0" i="0" dirty="0">
+                <a:latin typeface="Arial Unicode MS" panose="020B0604020202020204" pitchFamily="34" charset="-128"/>
+                <a:ea typeface="Arial Unicode MS" panose="020B0604020202020204" pitchFamily="34" charset="-128"/>
+                <a:hlinkClick r:id="rId3"/>
+              </a:rPr>
+              <a:t>cosine</a:t>
+            </a:r>
+            <a:r>
+              <a:rPr lang="en" altLang="ko-KR" sz="1200" dirty="0">
                 <a:solidFill>
                   <a:srgbClr val="1C1E21"/>
                 </a:solidFill>
                 <a:effectLst/>
-                <a:hlinkClick r:id="rId3"/>
-              </a:rPr>
-              <a:t>cosine</a:t>
-            </a:r>
-            <a:r>
-              <a:rPr lang="en" altLang="ko-KR" sz="1200" b="0" i="0" dirty="0">
+                <a:latin typeface="Arial Unicode MS" panose="020B0604020202020204" pitchFamily="34" charset="-128"/>
+                <a:ea typeface="Arial Unicode MS" panose="020B0604020202020204" pitchFamily="34" charset="-128"/>
+              </a:rPr>
+              <a:t>, </a:t>
+            </a:r>
+            <a:r>
+              <a:rPr lang="en" altLang="ko-KR" sz="1200" dirty="0" err="1">
                 <a:solidFill>
                   <a:srgbClr val="1C1E21"/>
                 </a:solidFill>
                 <a:effectLst/>
-              </a:rPr>
-              <a:t>, </a:t>
-            </a:r>
-            <a:r>
-              <a:rPr lang="en" altLang="ko-KR" sz="1200" b="0" i="0" dirty="0" err="1">
+                <a:latin typeface="Arial Unicode MS" panose="020B0604020202020204" pitchFamily="34" charset="-128"/>
+                <a:ea typeface="Arial Unicode MS" panose="020B0604020202020204" pitchFamily="34" charset="-128"/>
+              </a:rPr>
+              <a:t>dotproduct</a:t>
+            </a:r>
+            <a:r>
+              <a:rPr lang="en" altLang="ko-KR" sz="1200" dirty="0">
                 <a:solidFill>
                   <a:srgbClr val="1C1E21"/>
                 </a:solidFill>
                 <a:effectLst/>
-              </a:rPr>
-              <a:t>dotproduct</a:t>
-            </a:r>
-            <a:r>
-              <a:rPr lang="en" altLang="ko-KR" sz="1200" b="0" i="0" dirty="0">
+                <a:latin typeface="Arial Unicode MS" panose="020B0604020202020204" pitchFamily="34" charset="-128"/>
+                <a:ea typeface="Arial Unicode MS" panose="020B0604020202020204" pitchFamily="34" charset="-128"/>
+              </a:rPr>
+              <a:t>, and </a:t>
+            </a:r>
+            <a:r>
+              <a:rPr lang="en" altLang="ko-KR" sz="1200" dirty="0" err="1">
                 <a:solidFill>
                   <a:srgbClr val="1C1E21"/>
                 </a:solidFill>
                 <a:effectLst/>
-              </a:rPr>
-              <a:t>, and </a:t>
-            </a:r>
-            <a:r>
-              <a:rPr lang="en" altLang="ko-KR" sz="1200" b="0" i="0" dirty="0" err="1">
+                <a:latin typeface="Arial Unicode MS" panose="020B0604020202020204" pitchFamily="34" charset="-128"/>
+                <a:ea typeface="Arial Unicode MS" panose="020B0604020202020204" pitchFamily="34" charset="-128"/>
+              </a:rPr>
+              <a:t>euclidean</a:t>
+            </a:r>
+            <a:r>
+              <a:rPr lang="en" altLang="ko-KR" sz="1200" dirty="0">
                 <a:solidFill>
                   <a:srgbClr val="1C1E21"/>
                 </a:solidFill>
                 <a:effectLst/>
-              </a:rPr>
-              <a:t>euclidean</a:t>
-            </a:r>
-            <a:r>
-              <a:rPr lang="en" altLang="ko-KR" sz="1200" b="0" i="0" dirty="0">
-                <a:solidFill>
-                  <a:srgbClr val="1C1E21"/>
-                </a:solidFill>
-                <a:effectLst/>
+                <a:latin typeface="Arial Unicode MS" panose="020B0604020202020204" pitchFamily="34" charset="-128"/>
+                <a:ea typeface="Arial Unicode MS" panose="020B0604020202020204" pitchFamily="34" charset="-128"/>
               </a:rPr>
               <a:t>. The smaller the metric, the more similar two embeddings are expected to be.</a:t>
             </a:r>
@@ -3386,11 +3571,13 @@
               <a:buFont typeface="Arial" panose="020B0604020202020204" pitchFamily="34" charset="0"/>
               <a:buChar char="•"/>
             </a:pPr>
-            <a:endParaRPr lang="en" altLang="ko-KR" sz="1200" b="1" i="0" dirty="0">
+            <a:endParaRPr lang="en" altLang="ko-KR" sz="1200" dirty="0">
               <a:solidFill>
                 <a:srgbClr val="1C1E21"/>
               </a:solidFill>
               <a:effectLst/>
+              <a:latin typeface="Arial Unicode MS" panose="020B0604020202020204" pitchFamily="34" charset="-128"/>
+              <a:ea typeface="Arial Unicode MS" panose="020B0604020202020204" pitchFamily="34" charset="-128"/>
             </a:endParaRPr>
           </a:p>
           <a:p>
@@ -3399,22 +3586,15 @@
               <a:buChar char="•"/>
             </a:pPr>
             <a:r>
-              <a:rPr lang="en" altLang="ko-KR" sz="1200" b="1" i="0" dirty="0">
+              <a:rPr lang="en" altLang="ko-KR" sz="1200" dirty="0">
                 <a:solidFill>
                   <a:srgbClr val="1C1E21"/>
                 </a:solidFill>
                 <a:effectLst/>
-              </a:rPr>
-              <a:t>Number of documents to retrieve</a:t>
-            </a:r>
-            <a:r>
-              <a:rPr lang="en" altLang="ko-KR" sz="1200" b="0" i="0" dirty="0">
-                <a:solidFill>
-                  <a:srgbClr val="1C1E21"/>
-                </a:solidFill>
-                <a:effectLst/>
-              </a:rPr>
-              <a:t> - This specifies the number of documents to retrieve. It may seem like more is better, but remember, it's important to keep the signal to noise ratio of your retrieval process high. The more documents you retrieve the more likely it is you'll overwhelm your model.</a:t>
+                <a:latin typeface="Arial Unicode MS" panose="020B0604020202020204" pitchFamily="34" charset="-128"/>
+                <a:ea typeface="Arial Unicode MS" panose="020B0604020202020204" pitchFamily="34" charset="-128"/>
+              </a:rPr>
+              <a:t>Number of documents to retrieve - This specifies the number of documents to retrieve. It may seem like more is better, but remember, it's important to keep the signal to noise ratio of your retrieval process high. The more documents you retrieve the more likely it is you'll overwhelm your model.</a:t>
             </a:r>
           </a:p>
         </p:txBody>
@@ -3478,10 +3658,16 @@
           <a:lstStyle/>
           <a:p>
             <a:r>
-              <a:rPr kumimoji="1" lang="en-US" altLang="ko-KR" dirty="0"/>
+              <a:rPr kumimoji="1" lang="en-US" altLang="ko-KR" dirty="0">
+                <a:latin typeface="Arial Unicode MS" panose="020B0604020202020204" pitchFamily="34" charset="-128"/>
+                <a:ea typeface="Arial Unicode MS" panose="020B0604020202020204" pitchFamily="34" charset="-128"/>
+              </a:rPr>
               <a:t>Document Transform - Contextual Compression</a:t>
             </a:r>
-            <a:endParaRPr kumimoji="1" lang="ko-KR" altLang="en-US" dirty="0"/>
+            <a:endParaRPr kumimoji="1" lang="ko-KR" altLang="en-US" dirty="0">
+              <a:latin typeface="Arial Unicode MS" panose="020B0604020202020204" pitchFamily="34" charset="-128"/>
+              <a:ea typeface="Arial Unicode MS" panose="020B0604020202020204" pitchFamily="34" charset="-128"/>
+            </a:endParaRPr>
           </a:p>
         </p:txBody>
       </p:sp>
@@ -3562,159 +3748,146 @@
           <a:p>
             <a:pPr algn="l"/>
             <a:r>
-              <a:rPr lang="en-US" altLang="ko-KR" sz="1600" i="0" dirty="0">
+              <a:rPr lang="en-US" altLang="ko-KR" sz="1600" dirty="0">
                 <a:solidFill>
                   <a:srgbClr val="00B050"/>
                 </a:solidFill>
                 <a:effectLst/>
+                <a:latin typeface="Arial Unicode MS" panose="020B0604020202020204" pitchFamily="34" charset="-128"/>
+                <a:ea typeface="Arial Unicode MS" panose="020B0604020202020204" pitchFamily="34" charset="-128"/>
               </a:rPr>
               <a:t>Overview</a:t>
             </a:r>
-            <a:endParaRPr lang="en" altLang="ko-KR" sz="1600" i="0" dirty="0">
+            <a:endParaRPr lang="en" altLang="ko-KR" sz="1600" dirty="0">
               <a:solidFill>
                 <a:srgbClr val="00B050"/>
               </a:solidFill>
               <a:effectLst/>
-            </a:endParaRPr>
-          </a:p>
-          <a:p>
-            <a:pPr algn="l"/>
-            <a:endParaRPr lang="en" altLang="ko-KR" sz="1200" b="0" i="1" dirty="0">
+              <a:latin typeface="Arial Unicode MS" panose="020B0604020202020204" pitchFamily="34" charset="-128"/>
+              <a:ea typeface="Arial Unicode MS" panose="020B0604020202020204" pitchFamily="34" charset="-128"/>
+            </a:endParaRPr>
+          </a:p>
+          <a:p>
+            <a:pPr algn="l"/>
+            <a:endParaRPr lang="en" altLang="ko-KR" sz="1200" dirty="0">
               <a:solidFill>
                 <a:srgbClr val="1C1E21"/>
               </a:solidFill>
               <a:effectLst/>
               <a:latin typeface="system-ui"/>
-            </a:endParaRPr>
-          </a:p>
-          <a:p>
-            <a:pPr algn="l"/>
-            <a:r>
-              <a:rPr lang="en" altLang="ko-KR" sz="1200" b="0" i="1" dirty="0">
+              <a:ea typeface="Arial Unicode MS" panose="020B0604020202020204" pitchFamily="34" charset="-128"/>
+            </a:endParaRPr>
+          </a:p>
+          <a:p>
+            <a:pPr algn="l"/>
+            <a:r>
+              <a:rPr lang="en" altLang="ko-KR" sz="1200" dirty="0">
                 <a:solidFill>
                   <a:srgbClr val="1C1E21"/>
                 </a:solidFill>
                 <a:effectLst/>
+                <a:latin typeface="Arial Unicode MS" panose="020B0604020202020204" pitchFamily="34" charset="-128"/>
+                <a:ea typeface="Arial Unicode MS" panose="020B0604020202020204" pitchFamily="34" charset="-128"/>
               </a:rPr>
               <a:t>Contextual Compression is method of the to transform your retrieved documents</a:t>
             </a:r>
           </a:p>
           <a:p>
             <a:pPr algn="l"/>
-            <a:endParaRPr lang="en" altLang="ko-KR" sz="1200" b="0" i="0" dirty="0">
+            <a:endParaRPr lang="en" altLang="ko-KR" sz="1200" dirty="0">
               <a:solidFill>
                 <a:srgbClr val="1C1E21"/>
               </a:solidFill>
               <a:effectLst/>
-            </a:endParaRPr>
-          </a:p>
-          <a:p>
-            <a:pPr algn="l"/>
-            <a:r>
-              <a:rPr lang="en" altLang="ko-KR" sz="1200" b="0" i="0" dirty="0">
+              <a:latin typeface="Arial Unicode MS" panose="020B0604020202020204" pitchFamily="34" charset="-128"/>
+              <a:ea typeface="Arial Unicode MS" panose="020B0604020202020204" pitchFamily="34" charset="-128"/>
+            </a:endParaRPr>
+          </a:p>
+          <a:p>
+            <a:pPr algn="l"/>
+            <a:r>
+              <a:rPr lang="en" altLang="ko-KR" sz="1200" dirty="0">
                 <a:solidFill>
                   <a:srgbClr val="1C1E21"/>
                 </a:solidFill>
                 <a:effectLst/>
+                <a:latin typeface="Arial Unicode MS" panose="020B0604020202020204" pitchFamily="34" charset="-128"/>
+                <a:ea typeface="Arial Unicode MS" panose="020B0604020202020204" pitchFamily="34" charset="-128"/>
               </a:rPr>
               <a:t>Contextual Compression refers to the process of extracting information from your retrieved docs that you think will be relevant to your final answer. It's all about increasing the signal-to-noise ratio.</a:t>
             </a:r>
           </a:p>
           <a:p>
             <a:pPr algn="l"/>
-            <a:endParaRPr lang="en" altLang="ko-KR" sz="1200" b="0" i="0" dirty="0">
+            <a:endParaRPr lang="en" altLang="ko-KR" sz="1200" dirty="0">
               <a:solidFill>
                 <a:srgbClr val="1C1E21"/>
               </a:solidFill>
               <a:effectLst/>
-            </a:endParaRPr>
-          </a:p>
-          <a:p>
-            <a:pPr algn="l"/>
-            <a:r>
-              <a:rPr lang="en" altLang="ko-KR" sz="1200" b="0" i="0" dirty="0">
+              <a:latin typeface="Arial Unicode MS" panose="020B0604020202020204" pitchFamily="34" charset="-128"/>
+              <a:ea typeface="Arial Unicode MS" panose="020B0604020202020204" pitchFamily="34" charset="-128"/>
+            </a:endParaRPr>
+          </a:p>
+          <a:p>
+            <a:pPr algn="l"/>
+            <a:r>
+              <a:rPr lang="en" altLang="ko-KR" sz="1200" dirty="0">
                 <a:solidFill>
                   <a:srgbClr val="1C1E21"/>
                 </a:solidFill>
                 <a:effectLst/>
+                <a:latin typeface="Arial Unicode MS" panose="020B0604020202020204" pitchFamily="34" charset="-128"/>
+                <a:ea typeface="Arial Unicode MS" panose="020B0604020202020204" pitchFamily="34" charset="-128"/>
               </a:rPr>
               <a:t>Contextual compression works by iterating over your retrieved documents, then passing them through a LLM which will extract information according to context you specify in a prompt.</a:t>
             </a:r>
           </a:p>
           <a:p>
             <a:pPr algn="l"/>
-            <a:endParaRPr lang="en" altLang="ko-KR" sz="1200" b="0" i="0" dirty="0">
+            <a:endParaRPr lang="en" altLang="ko-KR" sz="1200" dirty="0">
               <a:solidFill>
                 <a:srgbClr val="1C1E21"/>
               </a:solidFill>
               <a:effectLst/>
-            </a:endParaRPr>
-          </a:p>
-          <a:p>
-            <a:pPr algn="l"/>
-            <a:r>
-              <a:rPr lang="en" altLang="ko-KR" sz="1200" b="0" i="0" dirty="0">
+              <a:latin typeface="Arial Unicode MS" panose="020B0604020202020204" pitchFamily="34" charset="-128"/>
+              <a:ea typeface="Arial Unicode MS" panose="020B0604020202020204" pitchFamily="34" charset="-128"/>
+            </a:endParaRPr>
+          </a:p>
+          <a:p>
+            <a:pPr algn="l"/>
+            <a:r>
+              <a:rPr lang="en" altLang="ko-KR" sz="1200" dirty="0">
                 <a:solidFill>
                   <a:srgbClr val="1C1E21"/>
                 </a:solidFill>
                 <a:effectLst/>
-              </a:rPr>
-              <a:t>You're </a:t>
-            </a:r>
-            <a:r>
-              <a:rPr lang="en" altLang="ko-KR" sz="1200" b="0" i="1" dirty="0">
+                <a:latin typeface="Arial Unicode MS" panose="020B0604020202020204" pitchFamily="34" charset="-128"/>
+                <a:ea typeface="Arial Unicode MS" panose="020B0604020202020204" pitchFamily="34" charset="-128"/>
+              </a:rPr>
+              <a:t>You're compressing your final docs based on context you give it, "contextual compression" get it? The key component here is the "compressor" which will do our extraction/compressing for us.</a:t>
+            </a:r>
+          </a:p>
+          <a:p>
+            <a:pPr algn="l"/>
+            <a:endParaRPr lang="en" altLang="ko-KR" sz="1200" dirty="0">
+              <a:solidFill>
+                <a:srgbClr val="1C1E21"/>
+              </a:solidFill>
+              <a:effectLst/>
+              <a:latin typeface="Arial Unicode MS" panose="020B0604020202020204" pitchFamily="34" charset="-128"/>
+              <a:ea typeface="Arial Unicode MS" panose="020B0604020202020204" pitchFamily="34" charset="-128"/>
+            </a:endParaRPr>
+          </a:p>
+          <a:p>
+            <a:pPr algn="l"/>
+            <a:r>
+              <a:rPr lang="en" altLang="ko-KR" sz="1200" dirty="0">
                 <a:solidFill>
                   <a:srgbClr val="1C1E21"/>
                 </a:solidFill>
                 <a:effectLst/>
-              </a:rPr>
-              <a:t>compressing</a:t>
-            </a:r>
-            <a:r>
-              <a:rPr lang="en" altLang="ko-KR" sz="1200" b="0" i="0" dirty="0">
-                <a:solidFill>
-                  <a:srgbClr val="1C1E21"/>
-                </a:solidFill>
-                <a:effectLst/>
-              </a:rPr>
-              <a:t> your final docs based on </a:t>
-            </a:r>
-            <a:r>
-              <a:rPr lang="en" altLang="ko-KR" sz="1200" b="0" i="1" dirty="0">
-                <a:solidFill>
-                  <a:srgbClr val="1C1E21"/>
-                </a:solidFill>
-                <a:effectLst/>
-              </a:rPr>
-              <a:t>context</a:t>
-            </a:r>
-            <a:r>
-              <a:rPr lang="en" altLang="ko-KR" sz="1200" b="0" i="0" dirty="0">
-                <a:solidFill>
-                  <a:srgbClr val="1C1E21"/>
-                </a:solidFill>
-                <a:effectLst/>
-              </a:rPr>
-              <a:t> you give it, "contextual compression" get it? The key component here is the "compressor" which will do our extraction/compressing for us.</a:t>
-            </a:r>
-          </a:p>
-          <a:p>
-            <a:pPr algn="l"/>
-            <a:endParaRPr lang="en" altLang="ko-KR" sz="1200" b="0" i="0" dirty="0">
-              <a:solidFill>
-                <a:srgbClr val="1C1E21"/>
-              </a:solidFill>
-              <a:effectLst/>
-            </a:endParaRPr>
-          </a:p>
-          <a:p>
-            <a:pPr algn="l"/>
-            <a:r>
-              <a:rPr lang="en" altLang="ko-KR" sz="1200" b="0" i="0" dirty="0">
-                <a:solidFill>
-                  <a:srgbClr val="1C1E21"/>
-                </a:solidFill>
-                <a:effectLst/>
+                <a:latin typeface="Arial Unicode MS" panose="020B0604020202020204" pitchFamily="34" charset="-128"/>
+                <a:ea typeface="Arial Unicode MS" panose="020B0604020202020204" pitchFamily="34" charset="-128"/>
               </a:rPr>
               <a:t>Say you wanted to know everything about bananas, but you retrieved document talks about apples, oranges, and bananas. The compressor will pull out everything about bananas and then pass it on to your final prompt for a response.</a:t>
             </a:r>
@@ -3766,7 +3939,7 @@
         <p:spPr>
           <a:xfrm>
             <a:off x="77274" y="45076"/>
-            <a:ext cx="1206741" cy="369332"/>
+            <a:ext cx="3721147" cy="369332"/>
           </a:xfrm>
           <a:prstGeom prst="rect">
             <a:avLst/>
@@ -3780,10 +3953,1594 @@
           <a:lstStyle/>
           <a:p>
             <a:r>
-              <a:rPr kumimoji="1" lang="en-US" altLang="ko-KR" dirty="0"/>
+              <a:rPr kumimoji="1" lang="en-US" altLang="ko-KR" dirty="0" err="1">
+                <a:latin typeface="Arial Unicode MS" panose="020B0604020202020204" pitchFamily="34" charset="-128"/>
+                <a:ea typeface="Arial Unicode MS" panose="020B0604020202020204" pitchFamily="34" charset="-128"/>
+              </a:rPr>
+              <a:t>LangGraph</a:t>
+            </a:r>
+            <a:r>
+              <a:rPr kumimoji="1" lang="en-US" altLang="ko-KR" dirty="0">
+                <a:latin typeface="Arial Unicode MS" panose="020B0604020202020204" pitchFamily="34" charset="-128"/>
+                <a:ea typeface="Arial Unicode MS" panose="020B0604020202020204" pitchFamily="34" charset="-128"/>
+              </a:rPr>
+              <a:t> – It’s best with Agent </a:t>
+            </a:r>
+            <a:endParaRPr kumimoji="1" lang="ko-KR" altLang="en-US" dirty="0">
+              <a:latin typeface="Arial Unicode MS" panose="020B0604020202020204" pitchFamily="34" charset="-128"/>
+              <a:ea typeface="Arial Unicode MS" panose="020B0604020202020204" pitchFamily="34" charset="-128"/>
+            </a:endParaRPr>
+          </a:p>
+        </p:txBody>
+      </p:sp>
+      <p:sp>
+        <p:nvSpPr>
+          <p:cNvPr id="3" name="TextBox 2">
+            <a:extLst>
+              <a:ext uri="{FF2B5EF4-FFF2-40B4-BE49-F238E27FC236}">
+                <a16:creationId xmlns:a16="http://schemas.microsoft.com/office/drawing/2014/main" id="{47D9808A-D8D5-41F2-FDB1-155DF68B62D2}"/>
+              </a:ext>
+            </a:extLst>
+          </p:cNvPr>
+          <p:cNvSpPr txBox="1"/>
+          <p:nvPr/>
+        </p:nvSpPr>
+        <p:spPr>
+          <a:xfrm>
+            <a:off x="169071" y="2817711"/>
+            <a:ext cx="11501643" cy="3985706"/>
+          </a:xfrm>
+          <a:prstGeom prst="rect">
+            <a:avLst/>
+          </a:prstGeom>
+          <a:noFill/>
+        </p:spPr>
+        <p:txBody>
+          <a:bodyPr wrap="square" rtlCol="0">
+            <a:spAutoFit/>
+          </a:bodyPr>
+          <a:lstStyle/>
+          <a:p>
+            <a:pPr algn="l"/>
+            <a:r>
+              <a:rPr lang="en-US" altLang="ko-KR" sz="1300" dirty="0">
+                <a:solidFill>
+                  <a:srgbClr val="00B050"/>
+                </a:solidFill>
+                <a:effectLst/>
+                <a:latin typeface="Arial Unicode MS" panose="020B0604020202020204" pitchFamily="34" charset="-128"/>
+                <a:ea typeface="Arial Unicode MS" panose="020B0604020202020204" pitchFamily="34" charset="-128"/>
+              </a:rPr>
+              <a:t>What is </a:t>
+            </a:r>
+            <a:r>
+              <a:rPr lang="en-US" altLang="ko-KR" sz="1300" dirty="0" err="1">
+                <a:solidFill>
+                  <a:srgbClr val="00B050"/>
+                </a:solidFill>
+                <a:effectLst/>
+                <a:latin typeface="Arial Unicode MS" panose="020B0604020202020204" pitchFamily="34" charset="-128"/>
+                <a:ea typeface="Arial Unicode MS" panose="020B0604020202020204" pitchFamily="34" charset="-128"/>
+              </a:rPr>
+              <a:t>LangGraph</a:t>
+            </a:r>
+            <a:r>
+              <a:rPr lang="en-US" altLang="ko-KR" sz="1300" dirty="0">
+                <a:solidFill>
+                  <a:srgbClr val="00B050"/>
+                </a:solidFill>
+                <a:effectLst/>
+                <a:latin typeface="Arial Unicode MS" panose="020B0604020202020204" pitchFamily="34" charset="-128"/>
+                <a:ea typeface="Arial Unicode MS" panose="020B0604020202020204" pitchFamily="34" charset="-128"/>
+              </a:rPr>
+              <a:t>?</a:t>
+            </a:r>
+            <a:endParaRPr lang="en" altLang="ko-KR" sz="1300" dirty="0">
+              <a:solidFill>
+                <a:srgbClr val="00B050"/>
+              </a:solidFill>
+              <a:effectLst/>
+              <a:latin typeface="Arial Unicode MS" panose="020B0604020202020204" pitchFamily="34" charset="-128"/>
+              <a:ea typeface="Arial Unicode MS" panose="020B0604020202020204" pitchFamily="34" charset="-128"/>
+            </a:endParaRPr>
+          </a:p>
+          <a:p>
+            <a:pPr algn="l"/>
+            <a:endParaRPr lang="en" altLang="ko-KR" sz="1200" dirty="0">
+              <a:solidFill>
+                <a:srgbClr val="05192D"/>
+              </a:solidFill>
+              <a:effectLst/>
+              <a:highlight>
+                <a:srgbClr val="FFFFFF"/>
+              </a:highlight>
+              <a:latin typeface="Arial Unicode MS" panose="020B0604020202020204" pitchFamily="34" charset="-128"/>
+              <a:ea typeface="Arial Unicode MS" panose="020B0604020202020204" pitchFamily="34" charset="-128"/>
+            </a:endParaRPr>
+          </a:p>
+          <a:p>
+            <a:pPr algn="l"/>
+            <a:r>
+              <a:rPr lang="en" altLang="ko-KR" sz="1200" dirty="0" err="1">
+                <a:solidFill>
+                  <a:srgbClr val="05192D"/>
+                </a:solidFill>
+                <a:effectLst/>
+                <a:highlight>
+                  <a:srgbClr val="FFFFFF"/>
+                </a:highlight>
+                <a:latin typeface="Arial Unicode MS" panose="020B0604020202020204" pitchFamily="34" charset="-128"/>
+                <a:ea typeface="Arial Unicode MS" panose="020B0604020202020204" pitchFamily="34" charset="-128"/>
+              </a:rPr>
+              <a:t>LangGraph</a:t>
+            </a:r>
+            <a:r>
+              <a:rPr lang="en" altLang="ko-KR" sz="1200" dirty="0">
+                <a:solidFill>
+                  <a:srgbClr val="05192D"/>
+                </a:solidFill>
+                <a:effectLst/>
+                <a:highlight>
+                  <a:srgbClr val="FFFFFF"/>
+                </a:highlight>
+                <a:latin typeface="Arial Unicode MS" panose="020B0604020202020204" pitchFamily="34" charset="-128"/>
+                <a:ea typeface="Arial Unicode MS" panose="020B0604020202020204" pitchFamily="34" charset="-128"/>
+              </a:rPr>
+              <a:t> enables us to create stateful, multi-actor applications utilizing LLMs as easily as possible. It extends the capabilities of </a:t>
+            </a:r>
+            <a:r>
+              <a:rPr lang="en" altLang="ko-KR" sz="1200" dirty="0" err="1">
+                <a:solidFill>
+                  <a:srgbClr val="05192D"/>
+                </a:solidFill>
+                <a:effectLst/>
+                <a:highlight>
+                  <a:srgbClr val="FFFFFF"/>
+                </a:highlight>
+                <a:latin typeface="Arial Unicode MS" panose="020B0604020202020204" pitchFamily="34" charset="-128"/>
+                <a:ea typeface="Arial Unicode MS" panose="020B0604020202020204" pitchFamily="34" charset="-128"/>
+              </a:rPr>
+              <a:t>LangChain</a:t>
+            </a:r>
+            <a:r>
+              <a:rPr lang="en" altLang="ko-KR" sz="1200" dirty="0">
+                <a:solidFill>
+                  <a:srgbClr val="05192D"/>
+                </a:solidFill>
+                <a:effectLst/>
+                <a:highlight>
+                  <a:srgbClr val="FFFFFF"/>
+                </a:highlight>
+                <a:latin typeface="Arial Unicode MS" panose="020B0604020202020204" pitchFamily="34" charset="-128"/>
+                <a:ea typeface="Arial Unicode MS" panose="020B0604020202020204" pitchFamily="34" charset="-128"/>
+              </a:rPr>
+              <a:t>, introducing the ability to create and manage cyclical graphs, which are pivotal for developing sophisticated agent runtimes. The core concepts of </a:t>
+            </a:r>
+            <a:r>
+              <a:rPr lang="en" altLang="ko-KR" sz="1200" dirty="0" err="1">
+                <a:solidFill>
+                  <a:srgbClr val="05192D"/>
+                </a:solidFill>
+                <a:effectLst/>
+                <a:highlight>
+                  <a:srgbClr val="FFFFFF"/>
+                </a:highlight>
+                <a:latin typeface="Arial Unicode MS" panose="020B0604020202020204" pitchFamily="34" charset="-128"/>
+                <a:ea typeface="Arial Unicode MS" panose="020B0604020202020204" pitchFamily="34" charset="-128"/>
+              </a:rPr>
+              <a:t>LangGraph</a:t>
+            </a:r>
+            <a:r>
+              <a:rPr lang="en" altLang="ko-KR" sz="1200" dirty="0">
+                <a:solidFill>
+                  <a:srgbClr val="05192D"/>
+                </a:solidFill>
+                <a:effectLst/>
+                <a:highlight>
+                  <a:srgbClr val="FFFFFF"/>
+                </a:highlight>
+                <a:latin typeface="Arial Unicode MS" panose="020B0604020202020204" pitchFamily="34" charset="-128"/>
+                <a:ea typeface="Arial Unicode MS" panose="020B0604020202020204" pitchFamily="34" charset="-128"/>
+              </a:rPr>
+              <a:t> include: graph structure, state management, and coordination.</a:t>
+            </a:r>
+          </a:p>
+          <a:p>
+            <a:pPr algn="l"/>
+            <a:endParaRPr lang="en" altLang="ko-KR" sz="1200" dirty="0">
+              <a:solidFill>
+                <a:srgbClr val="05192D"/>
+              </a:solidFill>
+              <a:highlight>
+                <a:srgbClr val="FFFFFF"/>
+              </a:highlight>
+              <a:latin typeface="Arial Unicode MS" panose="020B0604020202020204" pitchFamily="34" charset="-128"/>
+              <a:ea typeface="Arial Unicode MS" panose="020B0604020202020204" pitchFamily="34" charset="-128"/>
+            </a:endParaRPr>
+          </a:p>
+          <a:p>
+            <a:r>
+              <a:rPr lang="en-US" altLang="ko-KR" sz="1200" dirty="0">
+                <a:solidFill>
+                  <a:srgbClr val="00B050"/>
+                </a:solidFill>
+                <a:effectLst/>
+                <a:latin typeface="Arial Unicode MS" panose="020B0604020202020204" pitchFamily="34" charset="-128"/>
+                <a:ea typeface="Arial Unicode MS" panose="020B0604020202020204" pitchFamily="34" charset="-128"/>
+              </a:rPr>
+              <a:t>Graph structure</a:t>
+            </a:r>
+            <a:endParaRPr lang="en" altLang="ko-KR" sz="1200" dirty="0">
+              <a:solidFill>
+                <a:srgbClr val="00B050"/>
+              </a:solidFill>
+              <a:effectLst/>
+              <a:latin typeface="Arial Unicode MS" panose="020B0604020202020204" pitchFamily="34" charset="-128"/>
+              <a:ea typeface="Arial Unicode MS" panose="020B0604020202020204" pitchFamily="34" charset="-128"/>
+            </a:endParaRPr>
+          </a:p>
+          <a:p>
+            <a:pPr algn="l"/>
+            <a:endParaRPr lang="en" altLang="ko-KR" sz="1200" dirty="0">
+              <a:solidFill>
+                <a:srgbClr val="05192D"/>
+              </a:solidFill>
+              <a:effectLst/>
+              <a:highlight>
+                <a:srgbClr val="FFFFFF"/>
+              </a:highlight>
+              <a:latin typeface="Arial Unicode MS" panose="020B0604020202020204" pitchFamily="34" charset="-128"/>
+              <a:ea typeface="Arial Unicode MS" panose="020B0604020202020204" pitchFamily="34" charset="-128"/>
+            </a:endParaRPr>
+          </a:p>
+          <a:p>
+            <a:pPr algn="l"/>
+            <a:r>
+              <a:rPr lang="en" altLang="ko-KR" sz="1200" dirty="0">
+                <a:solidFill>
+                  <a:srgbClr val="05192D"/>
+                </a:solidFill>
+                <a:effectLst/>
+                <a:highlight>
+                  <a:srgbClr val="FFFFFF"/>
+                </a:highlight>
+                <a:latin typeface="Arial Unicode MS" panose="020B0604020202020204" pitchFamily="34" charset="-128"/>
+                <a:ea typeface="Arial Unicode MS" panose="020B0604020202020204" pitchFamily="34" charset="-128"/>
+              </a:rPr>
+              <a:t>Imagine your application as a directed graph. In </a:t>
+            </a:r>
+            <a:r>
+              <a:rPr lang="en" altLang="ko-KR" sz="1200" dirty="0" err="1">
+                <a:solidFill>
+                  <a:srgbClr val="05192D"/>
+                </a:solidFill>
+                <a:effectLst/>
+                <a:highlight>
+                  <a:srgbClr val="FFFFFF"/>
+                </a:highlight>
+                <a:latin typeface="Arial Unicode MS" panose="020B0604020202020204" pitchFamily="34" charset="-128"/>
+                <a:ea typeface="Arial Unicode MS" panose="020B0604020202020204" pitchFamily="34" charset="-128"/>
+              </a:rPr>
+              <a:t>LangGraph</a:t>
+            </a:r>
+            <a:r>
+              <a:rPr lang="en" altLang="ko-KR" sz="1200" dirty="0">
+                <a:solidFill>
+                  <a:srgbClr val="05192D"/>
+                </a:solidFill>
+                <a:effectLst/>
+                <a:highlight>
+                  <a:srgbClr val="FFFFFF"/>
+                </a:highlight>
+                <a:latin typeface="Arial Unicode MS" panose="020B0604020202020204" pitchFamily="34" charset="-128"/>
+                <a:ea typeface="Arial Unicode MS" panose="020B0604020202020204" pitchFamily="34" charset="-128"/>
+              </a:rPr>
+              <a:t>, each node represents an LLM agent, and the edges are the communication channels between these agents. This structure allows for clear and manageable workflows, where each agent performs specific tasks and passes information to other agents as needed.</a:t>
+            </a:r>
+          </a:p>
+          <a:p>
+            <a:pPr algn="l"/>
+            <a:endParaRPr lang="en" altLang="ko-KR" sz="1200" dirty="0">
+              <a:solidFill>
+                <a:srgbClr val="05192D"/>
+              </a:solidFill>
+              <a:highlight>
+                <a:srgbClr val="FFFFFF"/>
+              </a:highlight>
+              <a:latin typeface="Arial Unicode MS" panose="020B0604020202020204" pitchFamily="34" charset="-128"/>
+              <a:ea typeface="Arial Unicode MS" panose="020B0604020202020204" pitchFamily="34" charset="-128"/>
+            </a:endParaRPr>
+          </a:p>
+          <a:p>
+            <a:r>
+              <a:rPr lang="en-US" altLang="ko-KR" sz="1200" dirty="0">
+                <a:solidFill>
+                  <a:srgbClr val="00B050"/>
+                </a:solidFill>
+                <a:latin typeface="Arial Unicode MS" panose="020B0604020202020204" pitchFamily="34" charset="-128"/>
+                <a:ea typeface="Arial Unicode MS" panose="020B0604020202020204" pitchFamily="34" charset="-128"/>
+              </a:rPr>
+              <a:t>State management</a:t>
+            </a:r>
+            <a:endParaRPr lang="en" altLang="ko-KR" sz="1200" dirty="0">
+              <a:solidFill>
+                <a:srgbClr val="00B050"/>
+              </a:solidFill>
+              <a:effectLst/>
+              <a:latin typeface="Arial Unicode MS" panose="020B0604020202020204" pitchFamily="34" charset="-128"/>
+              <a:ea typeface="Arial Unicode MS" panose="020B0604020202020204" pitchFamily="34" charset="-128"/>
+            </a:endParaRPr>
+          </a:p>
+          <a:p>
+            <a:pPr algn="l"/>
+            <a:endParaRPr lang="en" altLang="ko-KR" sz="1200" dirty="0">
+              <a:solidFill>
+                <a:srgbClr val="05192D"/>
+              </a:solidFill>
+              <a:effectLst/>
+              <a:highlight>
+                <a:srgbClr val="FFFFFF"/>
+              </a:highlight>
+              <a:latin typeface="Arial Unicode MS" panose="020B0604020202020204" pitchFamily="34" charset="-128"/>
+              <a:ea typeface="Arial Unicode MS" panose="020B0604020202020204" pitchFamily="34" charset="-128"/>
+            </a:endParaRPr>
+          </a:p>
+          <a:p>
+            <a:pPr algn="l"/>
+            <a:r>
+              <a:rPr lang="en" altLang="ko-KR" sz="1200" b="0" i="0" dirty="0">
+                <a:solidFill>
+                  <a:srgbClr val="05192D"/>
+                </a:solidFill>
+                <a:effectLst/>
+                <a:highlight>
+                  <a:srgbClr val="FFFFFF"/>
+                </a:highlight>
+                <a:latin typeface="Arial Unicode MS" panose="020B0604020202020204" pitchFamily="34" charset="-128"/>
+                <a:ea typeface="Arial Unicode MS" panose="020B0604020202020204" pitchFamily="34" charset="-128"/>
+                <a:cs typeface="Arial Unicode MS" panose="020B0604020202020204" pitchFamily="34" charset="-128"/>
+              </a:rPr>
+              <a:t>One of </a:t>
+            </a:r>
+            <a:r>
+              <a:rPr lang="en" altLang="ko-KR" sz="1200" b="0" i="0" dirty="0" err="1">
+                <a:solidFill>
+                  <a:srgbClr val="05192D"/>
+                </a:solidFill>
+                <a:effectLst/>
+                <a:highlight>
+                  <a:srgbClr val="FFFFFF"/>
+                </a:highlight>
+                <a:latin typeface="Arial Unicode MS" panose="020B0604020202020204" pitchFamily="34" charset="-128"/>
+                <a:ea typeface="Arial Unicode MS" panose="020B0604020202020204" pitchFamily="34" charset="-128"/>
+                <a:cs typeface="Arial Unicode MS" panose="020B0604020202020204" pitchFamily="34" charset="-128"/>
+              </a:rPr>
+              <a:t>LangGraph's</a:t>
+            </a:r>
+            <a:r>
+              <a:rPr lang="en" altLang="ko-KR" sz="1200" b="0" i="0" dirty="0">
+                <a:solidFill>
+                  <a:srgbClr val="05192D"/>
+                </a:solidFill>
+                <a:effectLst/>
+                <a:highlight>
+                  <a:srgbClr val="FFFFFF"/>
+                </a:highlight>
+                <a:latin typeface="Arial Unicode MS" panose="020B0604020202020204" pitchFamily="34" charset="-128"/>
+                <a:ea typeface="Arial Unicode MS" panose="020B0604020202020204" pitchFamily="34" charset="-128"/>
+                <a:cs typeface="Arial Unicode MS" panose="020B0604020202020204" pitchFamily="34" charset="-128"/>
+              </a:rPr>
+              <a:t> standout features is its automatic state management. This feature enables us to track and persist information across multiple interactions. As agents perform their tasks, the state is dynamically updated, ensuring the system maintains context and responds appropriately to new inputs.</a:t>
+            </a:r>
+          </a:p>
+          <a:p>
+            <a:pPr algn="l"/>
+            <a:endParaRPr lang="en" altLang="ko-KR" sz="1200" dirty="0">
+              <a:solidFill>
+                <a:srgbClr val="05192D"/>
+              </a:solidFill>
+              <a:highlight>
+                <a:srgbClr val="FFFFFF"/>
+              </a:highlight>
+              <a:latin typeface="Arial Unicode MS" panose="020B0604020202020204" pitchFamily="34" charset="-128"/>
+              <a:ea typeface="Arial Unicode MS" panose="020B0604020202020204" pitchFamily="34" charset="-128"/>
+              <a:cs typeface="Arial Unicode MS" panose="020B0604020202020204" pitchFamily="34" charset="-128"/>
+            </a:endParaRPr>
+          </a:p>
+          <a:p>
+            <a:r>
+              <a:rPr lang="en-US" altLang="ko-KR" sz="1200" dirty="0">
+                <a:solidFill>
+                  <a:srgbClr val="00B050"/>
+                </a:solidFill>
+                <a:latin typeface="Arial Unicode MS" panose="020B0604020202020204" pitchFamily="34" charset="-128"/>
+                <a:ea typeface="Arial Unicode MS" panose="020B0604020202020204" pitchFamily="34" charset="-128"/>
+              </a:rPr>
+              <a:t>Coordination</a:t>
+            </a:r>
+            <a:endParaRPr lang="en" altLang="ko-KR" sz="1200" b="0" i="0" dirty="0">
+              <a:solidFill>
+                <a:srgbClr val="05192D"/>
+              </a:solidFill>
+              <a:effectLst/>
+              <a:highlight>
+                <a:srgbClr val="FFFFFF"/>
+              </a:highlight>
+              <a:latin typeface="Arial Unicode MS" panose="020B0604020202020204" pitchFamily="34" charset="-128"/>
+              <a:ea typeface="Arial Unicode MS" panose="020B0604020202020204" pitchFamily="34" charset="-128"/>
+              <a:cs typeface="Arial Unicode MS" panose="020B0604020202020204" pitchFamily="34" charset="-128"/>
+            </a:endParaRPr>
+          </a:p>
+          <a:p>
+            <a:pPr algn="l"/>
+            <a:endParaRPr lang="en" altLang="ko-KR" sz="1200" dirty="0">
+              <a:solidFill>
+                <a:srgbClr val="05192D"/>
+              </a:solidFill>
+              <a:highlight>
+                <a:srgbClr val="FFFFFF"/>
+              </a:highlight>
+              <a:latin typeface="Arial Unicode MS" panose="020B0604020202020204" pitchFamily="34" charset="-128"/>
+              <a:ea typeface="Arial Unicode MS" panose="020B0604020202020204" pitchFamily="34" charset="-128"/>
+              <a:cs typeface="Arial Unicode MS" panose="020B0604020202020204" pitchFamily="34" charset="-128"/>
+            </a:endParaRPr>
+          </a:p>
+          <a:p>
+            <a:pPr algn="l"/>
+            <a:r>
+              <a:rPr lang="en" altLang="ko-KR" sz="1200" b="0" i="0" dirty="0" err="1">
+                <a:solidFill>
+                  <a:srgbClr val="05192D"/>
+                </a:solidFill>
+                <a:effectLst/>
+                <a:highlight>
+                  <a:srgbClr val="FFFFFF"/>
+                </a:highlight>
+                <a:latin typeface="Studio-Feixen-Sans"/>
+              </a:rPr>
+              <a:t>LangGraph</a:t>
+            </a:r>
+            <a:r>
+              <a:rPr lang="en" altLang="ko-KR" sz="1200" b="0" i="0" dirty="0">
+                <a:solidFill>
+                  <a:srgbClr val="05192D"/>
+                </a:solidFill>
+                <a:effectLst/>
+                <a:highlight>
+                  <a:srgbClr val="FFFFFF"/>
+                </a:highlight>
+                <a:latin typeface="Studio-Feixen-Sans"/>
+              </a:rPr>
+              <a:t> ensures agents execute in the correct order and that necessary information is exchanged seamlessly. This coordination is vital for complex applications where multiple agents need to work together to achieve a common goal. By managing the flow of data and the sequence of operations, </a:t>
+            </a:r>
+            <a:r>
+              <a:rPr lang="en" altLang="ko-KR" sz="1200" b="0" i="0" dirty="0" err="1">
+                <a:solidFill>
+                  <a:srgbClr val="05192D"/>
+                </a:solidFill>
+                <a:effectLst/>
+                <a:highlight>
+                  <a:srgbClr val="FFFFFF"/>
+                </a:highlight>
+                <a:latin typeface="Studio-Feixen-Sans"/>
+              </a:rPr>
+              <a:t>LangGraph</a:t>
+            </a:r>
+            <a:r>
+              <a:rPr lang="en" altLang="ko-KR" sz="1200" b="0" i="0" dirty="0">
+                <a:solidFill>
+                  <a:srgbClr val="05192D"/>
+                </a:solidFill>
+                <a:effectLst/>
+                <a:highlight>
+                  <a:srgbClr val="FFFFFF"/>
+                </a:highlight>
+                <a:latin typeface="Studio-Feixen-Sans"/>
+              </a:rPr>
+              <a:t> allows developers to focus on the high-level logic of their applications rather than the intricacies of agent coordination</a:t>
+            </a:r>
+            <a:endParaRPr lang="en" altLang="ko-KR" sz="1200" dirty="0">
+              <a:solidFill>
+                <a:srgbClr val="05192D"/>
+              </a:solidFill>
+              <a:effectLst/>
+              <a:highlight>
+                <a:srgbClr val="FFFFFF"/>
+              </a:highlight>
+              <a:latin typeface="Arial Unicode MS" panose="020B0604020202020204" pitchFamily="34" charset="-128"/>
+              <a:ea typeface="Arial Unicode MS" panose="020B0604020202020204" pitchFamily="34" charset="-128"/>
+              <a:cs typeface="Arial Unicode MS" panose="020B0604020202020204" pitchFamily="34" charset="-128"/>
+            </a:endParaRPr>
+          </a:p>
+        </p:txBody>
+      </p:sp>
+      <p:pic>
+        <p:nvPicPr>
+          <p:cNvPr id="4" name="그림 3">
+            <a:extLst>
+              <a:ext uri="{FF2B5EF4-FFF2-40B4-BE49-F238E27FC236}">
+                <a16:creationId xmlns:a16="http://schemas.microsoft.com/office/drawing/2014/main" id="{EB839B3F-5D02-3C1C-05EB-1122B5CFB91A}"/>
+              </a:ext>
+            </a:extLst>
+          </p:cNvPr>
+          <p:cNvPicPr>
+            <a:picLocks noChangeAspect="1"/>
+          </p:cNvPicPr>
+          <p:nvPr/>
+        </p:nvPicPr>
+        <p:blipFill>
+          <a:blip r:embed="rId2"/>
+          <a:stretch>
+            <a:fillRect/>
+          </a:stretch>
+        </p:blipFill>
+        <p:spPr>
+          <a:xfrm>
+            <a:off x="2770293" y="512733"/>
+            <a:ext cx="2709333" cy="2393178"/>
+          </a:xfrm>
+          <a:prstGeom prst="rect">
+            <a:avLst/>
+          </a:prstGeom>
+        </p:spPr>
+      </p:pic>
+      <p:pic>
+        <p:nvPicPr>
+          <p:cNvPr id="5" name="그림 4">
+            <a:extLst>
+              <a:ext uri="{FF2B5EF4-FFF2-40B4-BE49-F238E27FC236}">
+                <a16:creationId xmlns:a16="http://schemas.microsoft.com/office/drawing/2014/main" id="{F0469AB2-EE43-D35D-DF7A-ED259618C24F}"/>
+              </a:ext>
+            </a:extLst>
+          </p:cNvPr>
+          <p:cNvPicPr>
+            <a:picLocks noChangeAspect="1"/>
+          </p:cNvPicPr>
+          <p:nvPr/>
+        </p:nvPicPr>
+        <p:blipFill>
+          <a:blip r:embed="rId3"/>
+          <a:stretch>
+            <a:fillRect/>
+          </a:stretch>
+        </p:blipFill>
+        <p:spPr>
+          <a:xfrm>
+            <a:off x="5581227" y="512732"/>
+            <a:ext cx="3448116" cy="2393029"/>
+          </a:xfrm>
+          <a:prstGeom prst="rect">
+            <a:avLst/>
+          </a:prstGeom>
+        </p:spPr>
+      </p:pic>
+    </p:spTree>
+    <p:extLst>
+      <p:ext uri="{BB962C8B-B14F-4D97-AF65-F5344CB8AC3E}">
+        <p14:creationId xmlns:p14="http://schemas.microsoft.com/office/powerpoint/2010/main" val="728463736"/>
+      </p:ext>
+    </p:extLst>
+  </p:cSld>
+  <p:clrMapOvr>
+    <a:masterClrMapping/>
+  </p:clrMapOvr>
+</p:sld>
+</file>
+
+<file path=ppt/slides/slide15.xml><?xml version="1.0" encoding="utf-8"?>
+<p:sld xmlns:a="http://schemas.openxmlformats.org/drawingml/2006/main" xmlns:r="http://schemas.openxmlformats.org/officeDocument/2006/relationships" xmlns:p="http://schemas.openxmlformats.org/presentationml/2006/main">
+  <p:cSld>
+    <p:spTree>
+      <p:nvGrpSpPr>
+        <p:cNvPr id="1" name=""/>
+        <p:cNvGrpSpPr/>
+        <p:nvPr/>
+      </p:nvGrpSpPr>
+      <p:grpSpPr>
+        <a:xfrm>
+          <a:off x="0" y="0"/>
+          <a:ext cx="0" cy="0"/>
+          <a:chOff x="0" y="0"/>
+          <a:chExt cx="0" cy="0"/>
+        </a:xfrm>
+      </p:grpSpPr>
+      <p:sp>
+        <p:nvSpPr>
+          <p:cNvPr id="2" name="TextBox 1">
+            <a:extLst>
+              <a:ext uri="{FF2B5EF4-FFF2-40B4-BE49-F238E27FC236}">
+                <a16:creationId xmlns:a16="http://schemas.microsoft.com/office/drawing/2014/main" id="{9F22DA87-8F0D-2AD1-A03B-1581126C7FAF}"/>
+              </a:ext>
+            </a:extLst>
+          </p:cNvPr>
+          <p:cNvSpPr txBox="1"/>
+          <p:nvPr/>
+        </p:nvSpPr>
+        <p:spPr>
+          <a:xfrm>
+            <a:off x="77274" y="45076"/>
+            <a:ext cx="3721147" cy="369332"/>
+          </a:xfrm>
+          <a:prstGeom prst="rect">
+            <a:avLst/>
+          </a:prstGeom>
+          <a:noFill/>
+        </p:spPr>
+        <p:txBody>
+          <a:bodyPr wrap="none" rtlCol="0">
+            <a:spAutoFit/>
+          </a:bodyPr>
+          <a:lstStyle/>
+          <a:p>
+            <a:r>
+              <a:rPr kumimoji="1" lang="en-US" altLang="ko-KR" dirty="0" err="1">
+                <a:latin typeface="Arial Unicode MS" panose="020B0604020202020204" pitchFamily="34" charset="-128"/>
+                <a:ea typeface="Arial Unicode MS" panose="020B0604020202020204" pitchFamily="34" charset="-128"/>
+              </a:rPr>
+              <a:t>LangGraph</a:t>
+            </a:r>
+            <a:r>
+              <a:rPr kumimoji="1" lang="en-US" altLang="ko-KR" dirty="0">
+                <a:latin typeface="Arial Unicode MS" panose="020B0604020202020204" pitchFamily="34" charset="-128"/>
+                <a:ea typeface="Arial Unicode MS" panose="020B0604020202020204" pitchFamily="34" charset="-128"/>
+              </a:rPr>
+              <a:t> – It’s best with Agent </a:t>
+            </a:r>
+            <a:endParaRPr kumimoji="1" lang="ko-KR" altLang="en-US" dirty="0">
+              <a:latin typeface="Arial Unicode MS" panose="020B0604020202020204" pitchFamily="34" charset="-128"/>
+              <a:ea typeface="Arial Unicode MS" panose="020B0604020202020204" pitchFamily="34" charset="-128"/>
+            </a:endParaRPr>
+          </a:p>
+        </p:txBody>
+      </p:sp>
+      <p:sp>
+        <p:nvSpPr>
+          <p:cNvPr id="3" name="TextBox 2">
+            <a:extLst>
+              <a:ext uri="{FF2B5EF4-FFF2-40B4-BE49-F238E27FC236}">
+                <a16:creationId xmlns:a16="http://schemas.microsoft.com/office/drawing/2014/main" id="{47D9808A-D8D5-41F2-FDB1-155DF68B62D2}"/>
+              </a:ext>
+            </a:extLst>
+          </p:cNvPr>
+          <p:cNvSpPr txBox="1"/>
+          <p:nvPr/>
+        </p:nvSpPr>
+        <p:spPr>
+          <a:xfrm>
+            <a:off x="189391" y="636697"/>
+            <a:ext cx="11501643" cy="5447645"/>
+          </a:xfrm>
+          <a:prstGeom prst="rect">
+            <a:avLst/>
+          </a:prstGeom>
+          <a:noFill/>
+        </p:spPr>
+        <p:txBody>
+          <a:bodyPr wrap="square" rtlCol="0">
+            <a:spAutoFit/>
+          </a:bodyPr>
+          <a:lstStyle/>
+          <a:p>
+            <a:pPr algn="l"/>
+            <a:r>
+              <a:rPr lang="en-US" altLang="ko-KR" sz="1600" dirty="0">
+                <a:solidFill>
+                  <a:srgbClr val="00B050"/>
+                </a:solidFill>
+                <a:latin typeface="Arial Unicode MS" panose="020B0604020202020204" pitchFamily="34" charset="-128"/>
+                <a:ea typeface="Arial Unicode MS" panose="020B0604020202020204" pitchFamily="34" charset="-128"/>
+              </a:rPr>
+              <a:t>Why </a:t>
+            </a:r>
+            <a:r>
+              <a:rPr lang="en-US" altLang="ko-KR" sz="1600" dirty="0" err="1">
+                <a:solidFill>
+                  <a:srgbClr val="00B050"/>
+                </a:solidFill>
+                <a:latin typeface="Arial Unicode MS" panose="020B0604020202020204" pitchFamily="34" charset="-128"/>
+                <a:ea typeface="Arial Unicode MS" panose="020B0604020202020204" pitchFamily="34" charset="-128"/>
+              </a:rPr>
+              <a:t>LangGraph</a:t>
+            </a:r>
+            <a:r>
+              <a:rPr lang="en-US" altLang="ko-KR" sz="1600" dirty="0">
+                <a:solidFill>
+                  <a:srgbClr val="00B050"/>
+                </a:solidFill>
+                <a:effectLst/>
+                <a:latin typeface="Arial Unicode MS" panose="020B0604020202020204" pitchFamily="34" charset="-128"/>
+                <a:ea typeface="Arial Unicode MS" panose="020B0604020202020204" pitchFamily="34" charset="-128"/>
+              </a:rPr>
+              <a:t>?</a:t>
+            </a:r>
+            <a:endParaRPr lang="en" altLang="ko-KR" sz="1600" dirty="0">
+              <a:solidFill>
+                <a:srgbClr val="00B050"/>
+              </a:solidFill>
+              <a:effectLst/>
+              <a:latin typeface="Arial Unicode MS" panose="020B0604020202020204" pitchFamily="34" charset="-128"/>
+              <a:ea typeface="Arial Unicode MS" panose="020B0604020202020204" pitchFamily="34" charset="-128"/>
+            </a:endParaRPr>
+          </a:p>
+          <a:p>
+            <a:pPr algn="l"/>
+            <a:endParaRPr lang="en" altLang="ko-KR" sz="1200" dirty="0">
+              <a:solidFill>
+                <a:srgbClr val="05192D"/>
+              </a:solidFill>
+              <a:effectLst/>
+              <a:highlight>
+                <a:srgbClr val="FFFFFF"/>
+              </a:highlight>
+              <a:latin typeface="Arial Unicode MS" panose="020B0604020202020204" pitchFamily="34" charset="-128"/>
+              <a:ea typeface="Arial Unicode MS" panose="020B0604020202020204" pitchFamily="34" charset="-128"/>
+              <a:cs typeface="Arial Unicode MS" panose="020B0604020202020204" pitchFamily="34" charset="-128"/>
+            </a:endParaRPr>
+          </a:p>
+          <a:p>
+            <a:pPr algn="l"/>
+            <a:r>
+              <a:rPr lang="en" altLang="ko-KR" sz="1200" b="0" i="0" dirty="0" err="1">
+                <a:solidFill>
+                  <a:srgbClr val="05192D"/>
+                </a:solidFill>
+                <a:effectLst/>
+                <a:highlight>
+                  <a:srgbClr val="FFFFFF"/>
+                </a:highlight>
+                <a:latin typeface="Arial Unicode MS" panose="020B0604020202020204" pitchFamily="34" charset="-128"/>
+                <a:ea typeface="Arial Unicode MS" panose="020B0604020202020204" pitchFamily="34" charset="-128"/>
+                <a:cs typeface="Arial Unicode MS" panose="020B0604020202020204" pitchFamily="34" charset="-128"/>
+              </a:rPr>
+              <a:t>LangGraph</a:t>
+            </a:r>
+            <a:r>
+              <a:rPr lang="en" altLang="ko-KR" sz="1200" b="0" i="0" dirty="0">
+                <a:solidFill>
+                  <a:srgbClr val="05192D"/>
+                </a:solidFill>
+                <a:effectLst/>
+                <a:highlight>
+                  <a:srgbClr val="FFFFFF"/>
+                </a:highlight>
+                <a:latin typeface="Arial Unicode MS" panose="020B0604020202020204" pitchFamily="34" charset="-128"/>
+                <a:ea typeface="Arial Unicode MS" panose="020B0604020202020204" pitchFamily="34" charset="-128"/>
+                <a:cs typeface="Arial Unicode MS" panose="020B0604020202020204" pitchFamily="34" charset="-128"/>
+              </a:rPr>
+              <a:t> offers several significant advantages for developers working with complex LLM applications. Here are some of the real-world benefits </a:t>
+            </a:r>
+            <a:r>
+              <a:rPr lang="en" altLang="ko-KR" sz="1200" b="0" i="0" dirty="0" err="1">
+                <a:solidFill>
+                  <a:srgbClr val="05192D"/>
+                </a:solidFill>
+                <a:effectLst/>
+                <a:highlight>
+                  <a:srgbClr val="FFFFFF"/>
+                </a:highlight>
+                <a:latin typeface="Arial Unicode MS" panose="020B0604020202020204" pitchFamily="34" charset="-128"/>
+                <a:ea typeface="Arial Unicode MS" panose="020B0604020202020204" pitchFamily="34" charset="-128"/>
+                <a:cs typeface="Arial Unicode MS" panose="020B0604020202020204" pitchFamily="34" charset="-128"/>
+              </a:rPr>
+              <a:t>LangGraph</a:t>
+            </a:r>
+            <a:r>
+              <a:rPr lang="en" altLang="ko-KR" sz="1200" b="0" i="0" dirty="0">
+                <a:solidFill>
+                  <a:srgbClr val="05192D"/>
+                </a:solidFill>
+                <a:effectLst/>
+                <a:highlight>
+                  <a:srgbClr val="FFFFFF"/>
+                </a:highlight>
+                <a:latin typeface="Arial Unicode MS" panose="020B0604020202020204" pitchFamily="34" charset="-128"/>
+                <a:ea typeface="Arial Unicode MS" panose="020B0604020202020204" pitchFamily="34" charset="-128"/>
+                <a:cs typeface="Arial Unicode MS" panose="020B0604020202020204" pitchFamily="34" charset="-128"/>
+              </a:rPr>
+              <a:t> offers.</a:t>
+            </a:r>
+          </a:p>
+          <a:p>
+            <a:pPr algn="l"/>
+            <a:endParaRPr lang="en" altLang="ko-KR" sz="1200" dirty="0">
+              <a:solidFill>
+                <a:srgbClr val="05192D"/>
+              </a:solidFill>
+              <a:highlight>
+                <a:srgbClr val="FFFFFF"/>
+              </a:highlight>
+              <a:latin typeface="Arial Unicode MS" panose="020B0604020202020204" pitchFamily="34" charset="-128"/>
+              <a:ea typeface="Arial Unicode MS" panose="020B0604020202020204" pitchFamily="34" charset="-128"/>
+            </a:endParaRPr>
+          </a:p>
+          <a:p>
+            <a:r>
+              <a:rPr lang="en-US" altLang="ko-KR" sz="1600" dirty="0">
+                <a:solidFill>
+                  <a:srgbClr val="00B050"/>
+                </a:solidFill>
+                <a:effectLst/>
+                <a:latin typeface="Arial Unicode MS" panose="020B0604020202020204" pitchFamily="34" charset="-128"/>
+                <a:ea typeface="Arial Unicode MS" panose="020B0604020202020204" pitchFamily="34" charset="-128"/>
+              </a:rPr>
+              <a:t>Simplified deve</a:t>
+            </a:r>
+            <a:r>
+              <a:rPr lang="en-US" altLang="ko-KR" sz="1600" dirty="0">
+                <a:solidFill>
+                  <a:srgbClr val="00B050"/>
+                </a:solidFill>
+                <a:latin typeface="Arial Unicode MS" panose="020B0604020202020204" pitchFamily="34" charset="-128"/>
+                <a:ea typeface="Arial Unicode MS" panose="020B0604020202020204" pitchFamily="34" charset="-128"/>
+              </a:rPr>
+              <a:t>lopment</a:t>
+            </a:r>
+            <a:endParaRPr lang="en" altLang="ko-KR" sz="1600" dirty="0">
+              <a:solidFill>
+                <a:srgbClr val="00B050"/>
+              </a:solidFill>
+              <a:effectLst/>
+              <a:latin typeface="Arial Unicode MS" panose="020B0604020202020204" pitchFamily="34" charset="-128"/>
+              <a:ea typeface="Arial Unicode MS" panose="020B0604020202020204" pitchFamily="34" charset="-128"/>
+            </a:endParaRPr>
+          </a:p>
+          <a:p>
+            <a:pPr algn="l"/>
+            <a:endParaRPr lang="en" altLang="ko-KR" sz="1200" dirty="0">
+              <a:solidFill>
+                <a:srgbClr val="05192D"/>
+              </a:solidFill>
+              <a:effectLst/>
+              <a:highlight>
+                <a:srgbClr val="FFFFFF"/>
+              </a:highlight>
+              <a:latin typeface="Arial Unicode MS" panose="020B0604020202020204" pitchFamily="34" charset="-128"/>
+              <a:ea typeface="Arial Unicode MS" panose="020B0604020202020204" pitchFamily="34" charset="-128"/>
+            </a:endParaRPr>
+          </a:p>
+          <a:p>
+            <a:pPr algn="l"/>
+            <a:r>
+              <a:rPr lang="en" altLang="ko-KR" sz="1200" b="0" i="0" dirty="0" err="1">
+                <a:solidFill>
+                  <a:srgbClr val="05192D"/>
+                </a:solidFill>
+                <a:effectLst/>
+                <a:highlight>
+                  <a:srgbClr val="FFFFFF"/>
+                </a:highlight>
+                <a:latin typeface="Arial Unicode MS" panose="020B0604020202020204" pitchFamily="34" charset="-128"/>
+                <a:ea typeface="Arial Unicode MS" panose="020B0604020202020204" pitchFamily="34" charset="-128"/>
+                <a:cs typeface="Arial Unicode MS" panose="020B0604020202020204" pitchFamily="34" charset="-128"/>
+              </a:rPr>
+              <a:t>LangGraph</a:t>
+            </a:r>
+            <a:r>
+              <a:rPr lang="en" altLang="ko-KR" sz="1200" b="0" i="0" dirty="0">
+                <a:solidFill>
+                  <a:srgbClr val="05192D"/>
+                </a:solidFill>
+                <a:effectLst/>
+                <a:highlight>
+                  <a:srgbClr val="FFFFFF"/>
+                </a:highlight>
+                <a:latin typeface="Arial Unicode MS" panose="020B0604020202020204" pitchFamily="34" charset="-128"/>
+                <a:ea typeface="Arial Unicode MS" panose="020B0604020202020204" pitchFamily="34" charset="-128"/>
+                <a:cs typeface="Arial Unicode MS" panose="020B0604020202020204" pitchFamily="34" charset="-128"/>
+              </a:rPr>
+              <a:t> abstracts away the complexities associated with state management and agent coordination. This means developers can define their workflows and logic without worrying about the underlying mechanisms that ensure data consistency and proper execution order. This simplification accelerates the development process and reduces the likelihood of errors. It’s a game-changer!</a:t>
+            </a:r>
+            <a:endParaRPr lang="en" altLang="ko-KR" sz="1200" dirty="0">
+              <a:solidFill>
+                <a:srgbClr val="05192D"/>
+              </a:solidFill>
+              <a:effectLst/>
+              <a:highlight>
+                <a:srgbClr val="FFFFFF"/>
+              </a:highlight>
+              <a:latin typeface="Arial Unicode MS" panose="020B0604020202020204" pitchFamily="34" charset="-128"/>
+              <a:ea typeface="Arial Unicode MS" panose="020B0604020202020204" pitchFamily="34" charset="-128"/>
+              <a:cs typeface="Arial Unicode MS" panose="020B0604020202020204" pitchFamily="34" charset="-128"/>
+            </a:endParaRPr>
+          </a:p>
+          <a:p>
+            <a:pPr algn="l"/>
+            <a:endParaRPr lang="en" altLang="ko-KR" sz="1200" dirty="0">
+              <a:solidFill>
+                <a:srgbClr val="05192D"/>
+              </a:solidFill>
+              <a:highlight>
+                <a:srgbClr val="FFFFFF"/>
+              </a:highlight>
+              <a:latin typeface="Arial Unicode MS" panose="020B0604020202020204" pitchFamily="34" charset="-128"/>
+              <a:ea typeface="Arial Unicode MS" panose="020B0604020202020204" pitchFamily="34" charset="-128"/>
+            </a:endParaRPr>
+          </a:p>
+          <a:p>
+            <a:r>
+              <a:rPr lang="en-US" altLang="ko-KR" sz="1600" dirty="0">
+                <a:solidFill>
+                  <a:srgbClr val="00B050"/>
+                </a:solidFill>
+                <a:latin typeface="Arial Unicode MS" panose="020B0604020202020204" pitchFamily="34" charset="-128"/>
+                <a:ea typeface="Arial Unicode MS" panose="020B0604020202020204" pitchFamily="34" charset="-128"/>
+              </a:rPr>
+              <a:t>Flexibility</a:t>
+            </a:r>
+            <a:endParaRPr lang="en" altLang="ko-KR" sz="1600" dirty="0">
+              <a:solidFill>
+                <a:srgbClr val="00B050"/>
+              </a:solidFill>
+              <a:effectLst/>
+              <a:latin typeface="Arial Unicode MS" panose="020B0604020202020204" pitchFamily="34" charset="-128"/>
+              <a:ea typeface="Arial Unicode MS" panose="020B0604020202020204" pitchFamily="34" charset="-128"/>
+            </a:endParaRPr>
+          </a:p>
+          <a:p>
+            <a:pPr algn="l"/>
+            <a:endParaRPr lang="en" altLang="ko-KR" sz="1200" dirty="0">
+              <a:solidFill>
+                <a:srgbClr val="05192D"/>
+              </a:solidFill>
+              <a:effectLst/>
+              <a:highlight>
+                <a:srgbClr val="FFFFFF"/>
+              </a:highlight>
+              <a:latin typeface="Arial Unicode MS" panose="020B0604020202020204" pitchFamily="34" charset="-128"/>
+              <a:ea typeface="Arial Unicode MS" panose="020B0604020202020204" pitchFamily="34" charset="-128"/>
+            </a:endParaRPr>
+          </a:p>
+          <a:p>
+            <a:pPr algn="l"/>
+            <a:r>
+              <a:rPr lang="en" altLang="ko-KR" sz="1200" b="0" i="0" dirty="0">
+                <a:solidFill>
+                  <a:srgbClr val="05192D"/>
+                </a:solidFill>
+                <a:effectLst/>
+                <a:highlight>
+                  <a:srgbClr val="FFFFFF"/>
+                </a:highlight>
+                <a:latin typeface="Arial Unicode MS" panose="020B0604020202020204" pitchFamily="34" charset="-128"/>
+                <a:ea typeface="Arial Unicode MS" panose="020B0604020202020204" pitchFamily="34" charset="-128"/>
+                <a:cs typeface="Arial Unicode MS" panose="020B0604020202020204" pitchFamily="34" charset="-128"/>
+              </a:rPr>
+              <a:t>With </a:t>
+            </a:r>
+            <a:r>
+              <a:rPr lang="en" altLang="ko-KR" sz="1200" b="0" i="0" dirty="0" err="1">
+                <a:solidFill>
+                  <a:srgbClr val="05192D"/>
+                </a:solidFill>
+                <a:effectLst/>
+                <a:highlight>
+                  <a:srgbClr val="FFFFFF"/>
+                </a:highlight>
+                <a:latin typeface="Arial Unicode MS" panose="020B0604020202020204" pitchFamily="34" charset="-128"/>
+                <a:ea typeface="Arial Unicode MS" panose="020B0604020202020204" pitchFamily="34" charset="-128"/>
+                <a:cs typeface="Arial Unicode MS" panose="020B0604020202020204" pitchFamily="34" charset="-128"/>
+              </a:rPr>
+              <a:t>LangGraph</a:t>
+            </a:r>
+            <a:r>
+              <a:rPr lang="en" altLang="ko-KR" sz="1200" b="0" i="0" dirty="0">
+                <a:solidFill>
+                  <a:srgbClr val="05192D"/>
+                </a:solidFill>
+                <a:effectLst/>
+                <a:highlight>
+                  <a:srgbClr val="FFFFFF"/>
+                </a:highlight>
+                <a:latin typeface="Arial Unicode MS" panose="020B0604020202020204" pitchFamily="34" charset="-128"/>
+                <a:ea typeface="Arial Unicode MS" panose="020B0604020202020204" pitchFamily="34" charset="-128"/>
+                <a:cs typeface="Arial Unicode MS" panose="020B0604020202020204" pitchFamily="34" charset="-128"/>
+              </a:rPr>
+              <a:t>, developers have the flexibility to define their own agent logic and communication protocols. This allows for highly customized applications tailored to specific use cases. Whether you need a chatbot that can handle various types of user requests or a multi-agent system that performs complex tasks, </a:t>
+            </a:r>
+            <a:r>
+              <a:rPr lang="en" altLang="ko-KR" sz="1200" b="0" i="0" dirty="0" err="1">
+                <a:solidFill>
+                  <a:srgbClr val="05192D"/>
+                </a:solidFill>
+                <a:effectLst/>
+                <a:highlight>
+                  <a:srgbClr val="FFFFFF"/>
+                </a:highlight>
+                <a:latin typeface="Arial Unicode MS" panose="020B0604020202020204" pitchFamily="34" charset="-128"/>
+                <a:ea typeface="Arial Unicode MS" panose="020B0604020202020204" pitchFamily="34" charset="-128"/>
+                <a:cs typeface="Arial Unicode MS" panose="020B0604020202020204" pitchFamily="34" charset="-128"/>
+              </a:rPr>
+              <a:t>LangGraph</a:t>
+            </a:r>
+            <a:r>
+              <a:rPr lang="en" altLang="ko-KR" sz="1200" b="0" i="0" dirty="0">
+                <a:solidFill>
+                  <a:srgbClr val="05192D"/>
+                </a:solidFill>
+                <a:effectLst/>
+                <a:highlight>
+                  <a:srgbClr val="FFFFFF"/>
+                </a:highlight>
+                <a:latin typeface="Arial Unicode MS" panose="020B0604020202020204" pitchFamily="34" charset="-128"/>
+                <a:ea typeface="Arial Unicode MS" panose="020B0604020202020204" pitchFamily="34" charset="-128"/>
+                <a:cs typeface="Arial Unicode MS" panose="020B0604020202020204" pitchFamily="34" charset="-128"/>
+              </a:rPr>
+              <a:t> provides the tools to build exactly what you need. It’s all about giving you the power to create.</a:t>
+            </a:r>
+          </a:p>
+          <a:p>
+            <a:pPr algn="l"/>
+            <a:endParaRPr lang="en" altLang="ko-KR" sz="1200" dirty="0">
+              <a:solidFill>
+                <a:srgbClr val="05192D"/>
+              </a:solidFill>
+              <a:highlight>
+                <a:srgbClr val="FFFFFF"/>
+              </a:highlight>
+              <a:latin typeface="Arial Unicode MS" panose="020B0604020202020204" pitchFamily="34" charset="-128"/>
+              <a:ea typeface="Arial Unicode MS" panose="020B0604020202020204" pitchFamily="34" charset="-128"/>
+              <a:cs typeface="Arial Unicode MS" panose="020B0604020202020204" pitchFamily="34" charset="-128"/>
+            </a:endParaRPr>
+          </a:p>
+          <a:p>
+            <a:r>
+              <a:rPr lang="en-US" altLang="ko-KR" sz="1600" dirty="0">
+                <a:solidFill>
+                  <a:srgbClr val="00B050"/>
+                </a:solidFill>
+                <a:latin typeface="Arial Unicode MS" panose="020B0604020202020204" pitchFamily="34" charset="-128"/>
+                <a:ea typeface="Arial Unicode MS" panose="020B0604020202020204" pitchFamily="34" charset="-128"/>
+              </a:rPr>
+              <a:t>Scalability</a:t>
+            </a:r>
+            <a:endParaRPr lang="en" altLang="ko-KR" sz="1600" b="0" i="0" dirty="0">
+              <a:solidFill>
+                <a:srgbClr val="05192D"/>
+              </a:solidFill>
+              <a:effectLst/>
+              <a:highlight>
+                <a:srgbClr val="FFFFFF"/>
+              </a:highlight>
+              <a:latin typeface="Arial Unicode MS" panose="020B0604020202020204" pitchFamily="34" charset="-128"/>
+              <a:ea typeface="Arial Unicode MS" panose="020B0604020202020204" pitchFamily="34" charset="-128"/>
+              <a:cs typeface="Arial Unicode MS" panose="020B0604020202020204" pitchFamily="34" charset="-128"/>
+            </a:endParaRPr>
+          </a:p>
+          <a:p>
+            <a:pPr algn="l"/>
+            <a:endParaRPr lang="en" altLang="ko-KR" sz="1200" dirty="0">
+              <a:solidFill>
+                <a:srgbClr val="05192D"/>
+              </a:solidFill>
+              <a:highlight>
+                <a:srgbClr val="FFFFFF"/>
+              </a:highlight>
+              <a:latin typeface="Arial Unicode MS" panose="020B0604020202020204" pitchFamily="34" charset="-128"/>
+              <a:ea typeface="Arial Unicode MS" panose="020B0604020202020204" pitchFamily="34" charset="-128"/>
+              <a:cs typeface="Arial Unicode MS" panose="020B0604020202020204" pitchFamily="34" charset="-128"/>
+            </a:endParaRPr>
+          </a:p>
+          <a:p>
+            <a:pPr algn="l"/>
+            <a:r>
+              <a:rPr lang="en" altLang="ko-KR" sz="1200" b="0" i="0" dirty="0" err="1">
+                <a:solidFill>
+                  <a:srgbClr val="05192D"/>
+                </a:solidFill>
+                <a:effectLst/>
+                <a:highlight>
+                  <a:srgbClr val="FFFFFF"/>
+                </a:highlight>
+                <a:latin typeface="Arial Unicode MS" panose="020B0604020202020204" pitchFamily="34" charset="-128"/>
+                <a:ea typeface="Arial Unicode MS" panose="020B0604020202020204" pitchFamily="34" charset="-128"/>
+                <a:cs typeface="Arial Unicode MS" panose="020B0604020202020204" pitchFamily="34" charset="-128"/>
+              </a:rPr>
+              <a:t>LangGraph</a:t>
+            </a:r>
+            <a:r>
+              <a:rPr lang="en" altLang="ko-KR" sz="1200" b="0" i="0" dirty="0">
+                <a:solidFill>
+                  <a:srgbClr val="05192D"/>
+                </a:solidFill>
+                <a:effectLst/>
+                <a:highlight>
+                  <a:srgbClr val="FFFFFF"/>
+                </a:highlight>
+                <a:latin typeface="Arial Unicode MS" panose="020B0604020202020204" pitchFamily="34" charset="-128"/>
+                <a:ea typeface="Arial Unicode MS" panose="020B0604020202020204" pitchFamily="34" charset="-128"/>
+                <a:cs typeface="Arial Unicode MS" panose="020B0604020202020204" pitchFamily="34" charset="-128"/>
+              </a:rPr>
+              <a:t> is built to support the execution of large-scale multi-agent applications. Its robust architecture can handle a high volume of interactions and complex workflows, enabling the development of scalable systems that can grow with your needs. This makes it suitable for enterprise-level applications and scenarios where performance and reliability are critical.</a:t>
+            </a:r>
+          </a:p>
+          <a:p>
+            <a:pPr algn="l"/>
+            <a:endParaRPr lang="en" altLang="ko-KR" sz="1200" dirty="0">
+              <a:solidFill>
+                <a:srgbClr val="05192D"/>
+              </a:solidFill>
+              <a:highlight>
+                <a:srgbClr val="FFFFFF"/>
+              </a:highlight>
+              <a:latin typeface="Arial Unicode MS" panose="020B0604020202020204" pitchFamily="34" charset="-128"/>
+              <a:ea typeface="Arial Unicode MS" panose="020B0604020202020204" pitchFamily="34" charset="-128"/>
+              <a:cs typeface="Arial Unicode MS" panose="020B0604020202020204" pitchFamily="34" charset="-128"/>
+            </a:endParaRPr>
+          </a:p>
+          <a:p>
+            <a:r>
+              <a:rPr lang="en-US" altLang="ko-KR" sz="1600" dirty="0">
+                <a:solidFill>
+                  <a:srgbClr val="00B050"/>
+                </a:solidFill>
+                <a:latin typeface="Arial Unicode MS" panose="020B0604020202020204" pitchFamily="34" charset="-128"/>
+                <a:ea typeface="Arial Unicode MS" panose="020B0604020202020204" pitchFamily="34" charset="-128"/>
+              </a:rPr>
+              <a:t>Fault tolerance</a:t>
+            </a:r>
+          </a:p>
+          <a:p>
+            <a:endParaRPr lang="en-US" altLang="ko-KR" sz="1600" dirty="0">
+              <a:solidFill>
+                <a:srgbClr val="00B050"/>
+              </a:solidFill>
+              <a:effectLst/>
+              <a:highlight>
+                <a:srgbClr val="FFFFFF"/>
+              </a:highlight>
+              <a:latin typeface="Arial Unicode MS" panose="020B0604020202020204" pitchFamily="34" charset="-128"/>
+              <a:ea typeface="Arial Unicode MS" panose="020B0604020202020204" pitchFamily="34" charset="-128"/>
+              <a:cs typeface="Arial Unicode MS" panose="020B0604020202020204" pitchFamily="34" charset="-128"/>
+            </a:endParaRPr>
+          </a:p>
+          <a:p>
+            <a:r>
+              <a:rPr lang="en" altLang="ko-KR" sz="1200" b="0" i="0" dirty="0">
+                <a:solidFill>
+                  <a:srgbClr val="05192D"/>
+                </a:solidFill>
+                <a:effectLst/>
+                <a:highlight>
+                  <a:srgbClr val="FFFFFF"/>
+                </a:highlight>
+                <a:latin typeface="Arial Unicode MS" panose="020B0604020202020204" pitchFamily="34" charset="-128"/>
+                <a:ea typeface="Arial Unicode MS" panose="020B0604020202020204" pitchFamily="34" charset="-128"/>
+                <a:cs typeface="Arial Unicode MS" panose="020B0604020202020204" pitchFamily="34" charset="-128"/>
+              </a:rPr>
+              <a:t>Reliability is a core consideration in the design of </a:t>
+            </a:r>
+            <a:r>
+              <a:rPr lang="en" altLang="ko-KR" sz="1200" b="0" i="0" dirty="0" err="1">
+                <a:solidFill>
+                  <a:srgbClr val="05192D"/>
+                </a:solidFill>
+                <a:effectLst/>
+                <a:highlight>
+                  <a:srgbClr val="FFFFFF"/>
+                </a:highlight>
+                <a:latin typeface="Arial Unicode MS" panose="020B0604020202020204" pitchFamily="34" charset="-128"/>
+                <a:ea typeface="Arial Unicode MS" panose="020B0604020202020204" pitchFamily="34" charset="-128"/>
+                <a:cs typeface="Arial Unicode MS" panose="020B0604020202020204" pitchFamily="34" charset="-128"/>
+              </a:rPr>
+              <a:t>LangGraph</a:t>
+            </a:r>
+            <a:r>
+              <a:rPr lang="en" altLang="ko-KR" sz="1200" b="0" i="0" dirty="0">
+                <a:solidFill>
+                  <a:srgbClr val="05192D"/>
+                </a:solidFill>
+                <a:effectLst/>
+                <a:highlight>
+                  <a:srgbClr val="FFFFFF"/>
+                </a:highlight>
+                <a:latin typeface="Arial Unicode MS" panose="020B0604020202020204" pitchFamily="34" charset="-128"/>
+                <a:ea typeface="Arial Unicode MS" panose="020B0604020202020204" pitchFamily="34" charset="-128"/>
+                <a:cs typeface="Arial Unicode MS" panose="020B0604020202020204" pitchFamily="34" charset="-128"/>
+              </a:rPr>
+              <a:t>. The library includes mechanisms for gracefully handling errors, ensuring that your application can continue to operate even when individual agents encounter issues. This fault tolerance is essential for maintaining the stability and robustness of complex multi-agent systems. Peace of mind is just a feature away.</a:t>
+            </a:r>
+            <a:endParaRPr lang="en" altLang="ko-KR" sz="1200" dirty="0">
+              <a:solidFill>
+                <a:srgbClr val="05192D"/>
+              </a:solidFill>
+              <a:effectLst/>
+              <a:highlight>
+                <a:srgbClr val="FFFFFF"/>
+              </a:highlight>
+              <a:latin typeface="Arial Unicode MS" panose="020B0604020202020204" pitchFamily="34" charset="-128"/>
+              <a:ea typeface="Arial Unicode MS" panose="020B0604020202020204" pitchFamily="34" charset="-128"/>
+              <a:cs typeface="Arial Unicode MS" panose="020B0604020202020204" pitchFamily="34" charset="-128"/>
+            </a:endParaRPr>
+          </a:p>
+        </p:txBody>
+      </p:sp>
+    </p:spTree>
+    <p:extLst>
+      <p:ext uri="{BB962C8B-B14F-4D97-AF65-F5344CB8AC3E}">
+        <p14:creationId xmlns:p14="http://schemas.microsoft.com/office/powerpoint/2010/main" val="587824799"/>
+      </p:ext>
+    </p:extLst>
+  </p:cSld>
+  <p:clrMapOvr>
+    <a:masterClrMapping/>
+  </p:clrMapOvr>
+</p:sld>
+</file>
+
+<file path=ppt/slides/slide16.xml><?xml version="1.0" encoding="utf-8"?>
+<p:sld xmlns:a="http://schemas.openxmlformats.org/drawingml/2006/main" xmlns:r="http://schemas.openxmlformats.org/officeDocument/2006/relationships" xmlns:p="http://schemas.openxmlformats.org/presentationml/2006/main">
+  <p:cSld>
+    <p:spTree>
+      <p:nvGrpSpPr>
+        <p:cNvPr id="1" name=""/>
+        <p:cNvGrpSpPr/>
+        <p:nvPr/>
+      </p:nvGrpSpPr>
+      <p:grpSpPr>
+        <a:xfrm>
+          <a:off x="0" y="0"/>
+          <a:ext cx="0" cy="0"/>
+          <a:chOff x="0" y="0"/>
+          <a:chExt cx="0" cy="0"/>
+        </a:xfrm>
+      </p:grpSpPr>
+      <p:sp>
+        <p:nvSpPr>
+          <p:cNvPr id="2" name="TextBox 1">
+            <a:extLst>
+              <a:ext uri="{FF2B5EF4-FFF2-40B4-BE49-F238E27FC236}">
+                <a16:creationId xmlns:a16="http://schemas.microsoft.com/office/drawing/2014/main" id="{9F22DA87-8F0D-2AD1-A03B-1581126C7FAF}"/>
+              </a:ext>
+            </a:extLst>
+          </p:cNvPr>
+          <p:cNvSpPr txBox="1"/>
+          <p:nvPr/>
+        </p:nvSpPr>
+        <p:spPr>
+          <a:xfrm>
+            <a:off x="77274" y="45076"/>
+            <a:ext cx="966931" cy="369332"/>
+          </a:xfrm>
+          <a:prstGeom prst="rect">
+            <a:avLst/>
+          </a:prstGeom>
+          <a:noFill/>
+        </p:spPr>
+        <p:txBody>
+          <a:bodyPr wrap="none" rtlCol="0">
+            <a:spAutoFit/>
+          </a:bodyPr>
+          <a:lstStyle/>
+          <a:p>
+            <a:r>
+              <a:rPr kumimoji="1" lang="en-US" altLang="ko-KR" dirty="0">
+                <a:latin typeface="Arial Unicode MS" panose="020B0604020202020204" pitchFamily="34" charset="-128"/>
+                <a:ea typeface="Arial Unicode MS" panose="020B0604020202020204" pitchFamily="34" charset="-128"/>
+              </a:rPr>
+              <a:t>Agents </a:t>
+            </a:r>
+            <a:endParaRPr kumimoji="1" lang="ko-KR" altLang="en-US" dirty="0">
+              <a:latin typeface="Arial Unicode MS" panose="020B0604020202020204" pitchFamily="34" charset="-128"/>
+              <a:ea typeface="Arial Unicode MS" panose="020B0604020202020204" pitchFamily="34" charset="-128"/>
+            </a:endParaRPr>
+          </a:p>
+        </p:txBody>
+      </p:sp>
+      <p:sp>
+        <p:nvSpPr>
+          <p:cNvPr id="3" name="TextBox 2">
+            <a:extLst>
+              <a:ext uri="{FF2B5EF4-FFF2-40B4-BE49-F238E27FC236}">
+                <a16:creationId xmlns:a16="http://schemas.microsoft.com/office/drawing/2014/main" id="{47D9808A-D8D5-41F2-FDB1-155DF68B62D2}"/>
+              </a:ext>
+            </a:extLst>
+          </p:cNvPr>
+          <p:cNvSpPr txBox="1"/>
+          <p:nvPr/>
+        </p:nvSpPr>
+        <p:spPr>
+          <a:xfrm>
+            <a:off x="189391" y="636697"/>
+            <a:ext cx="11501643" cy="2985433"/>
+          </a:xfrm>
+          <a:prstGeom prst="rect">
+            <a:avLst/>
+          </a:prstGeom>
+          <a:noFill/>
+        </p:spPr>
+        <p:txBody>
+          <a:bodyPr wrap="square" rtlCol="0">
+            <a:spAutoFit/>
+          </a:bodyPr>
+          <a:lstStyle/>
+          <a:p>
+            <a:pPr algn="l"/>
+            <a:r>
+              <a:rPr lang="en-US" altLang="ko-KR" sz="1600" dirty="0">
+                <a:solidFill>
+                  <a:srgbClr val="00B050"/>
+                </a:solidFill>
+                <a:effectLst/>
+                <a:latin typeface="Arial Unicode MS" panose="020B0604020202020204" pitchFamily="34" charset="-128"/>
+                <a:ea typeface="Arial Unicode MS" panose="020B0604020202020204" pitchFamily="34" charset="-128"/>
+                <a:cs typeface="Arial Unicode MS" panose="020B0604020202020204" pitchFamily="34" charset="-128"/>
+              </a:rPr>
+              <a:t>Agents</a:t>
+            </a:r>
+          </a:p>
+          <a:p>
+            <a:pPr algn="l"/>
+            <a:endParaRPr lang="en" altLang="ko-KR" sz="1600" dirty="0">
+              <a:solidFill>
+                <a:srgbClr val="00B050"/>
+              </a:solidFill>
+              <a:effectLst/>
+              <a:latin typeface="Arial Unicode MS" panose="020B0604020202020204" pitchFamily="34" charset="-128"/>
+              <a:ea typeface="Arial Unicode MS" panose="020B0604020202020204" pitchFamily="34" charset="-128"/>
+              <a:cs typeface="Arial Unicode MS" panose="020B0604020202020204" pitchFamily="34" charset="-128"/>
+            </a:endParaRPr>
+          </a:p>
+          <a:p>
+            <a:pPr algn="l"/>
+            <a:r>
+              <a:rPr lang="en" altLang="ko-KR" sz="1200" b="0" i="0" dirty="0">
+                <a:solidFill>
+                  <a:srgbClr val="1C1E21"/>
+                </a:solidFill>
+                <a:effectLst/>
+                <a:latin typeface="Arial Unicode MS" panose="020B0604020202020204" pitchFamily="34" charset="-128"/>
+                <a:ea typeface="Arial Unicode MS" panose="020B0604020202020204" pitchFamily="34" charset="-128"/>
+                <a:cs typeface="Arial Unicode MS" panose="020B0604020202020204" pitchFamily="34" charset="-128"/>
+              </a:rPr>
+              <a:t>The core idea of agents is to use a language model to choose a sequence of actions to take. In chains, a sequence of actions is hardcoded (in code). In agents, a language model is used as a reasoning engine to determine which actions to take and in which order.</a:t>
+            </a:r>
+          </a:p>
+          <a:p>
+            <a:pPr algn="l"/>
+            <a:endParaRPr lang="en" altLang="ko-KR" sz="1200" dirty="0">
+              <a:solidFill>
+                <a:srgbClr val="1C1E21"/>
+              </a:solidFill>
+              <a:highlight>
+                <a:srgbClr val="FFFFFF"/>
+              </a:highlight>
+              <a:latin typeface="Arial Unicode MS" panose="020B0604020202020204" pitchFamily="34" charset="-128"/>
+              <a:ea typeface="Arial Unicode MS" panose="020B0604020202020204" pitchFamily="34" charset="-128"/>
+              <a:cs typeface="Arial Unicode MS" panose="020B0604020202020204" pitchFamily="34" charset="-128"/>
+            </a:endParaRPr>
+          </a:p>
+          <a:p>
+            <a:pPr algn="l"/>
+            <a:r>
+              <a:rPr lang="en" altLang="ko-KR" sz="1200" b="0" i="0" dirty="0">
+                <a:solidFill>
+                  <a:srgbClr val="0A0A0A"/>
+                </a:solidFill>
+                <a:effectLst/>
+                <a:highlight>
+                  <a:srgbClr val="FFFFFF"/>
+                </a:highlight>
+                <a:latin typeface="Lato" panose="020F0502020204030203" pitchFamily="34" charset="0"/>
+              </a:rPr>
+              <a:t>For example, you may have an agent integrated with Google Search, Wikipedia and OpenAI LLM. With given agent tools, they can search for results in Google, then use retrieved context in Wikipedia tool to find detailed information and expand the context.</a:t>
+            </a:r>
+          </a:p>
+          <a:p>
+            <a:pPr algn="l"/>
+            <a:endParaRPr lang="en" altLang="ko-KR" sz="1200" dirty="0">
+              <a:solidFill>
+                <a:srgbClr val="0A0A0A"/>
+              </a:solidFill>
+              <a:highlight>
+                <a:srgbClr val="FFFFFF"/>
+              </a:highlight>
+              <a:latin typeface="Lato" panose="020F0502020204030203" pitchFamily="34" charset="0"/>
+              <a:ea typeface="Arial Unicode MS" panose="020B0604020202020204" pitchFamily="34" charset="-128"/>
+              <a:cs typeface="Arial Unicode MS" panose="020B0604020202020204" pitchFamily="34" charset="-128"/>
+            </a:endParaRPr>
+          </a:p>
+          <a:p>
+            <a:pPr algn="l"/>
+            <a:r>
+              <a:rPr lang="en" altLang="ko-KR" sz="1200" b="0" i="0" dirty="0">
+                <a:solidFill>
+                  <a:srgbClr val="0A0A0A"/>
+                </a:solidFill>
+                <a:effectLst/>
+                <a:highlight>
+                  <a:srgbClr val="FFFFFF"/>
+                </a:highlight>
+                <a:latin typeface="Lato" panose="020F0502020204030203" pitchFamily="34" charset="0"/>
+              </a:rPr>
+              <a:t>Bear in mind that </a:t>
+            </a:r>
+            <a:r>
+              <a:rPr lang="en" altLang="ko-KR" sz="1200" b="1" i="0" dirty="0">
+                <a:solidFill>
+                  <a:srgbClr val="0A0A0A"/>
+                </a:solidFill>
+                <a:effectLst/>
+                <a:highlight>
+                  <a:srgbClr val="FFFFFF"/>
+                </a:highlight>
+                <a:latin typeface="Lato" panose="020F0502020204030203" pitchFamily="34" charset="0"/>
+              </a:rPr>
+              <a:t>you have to put clearly defined instructions to make sure that the agent will invoke tools in a proper order</a:t>
+            </a:r>
+          </a:p>
+          <a:p>
+            <a:pPr algn="l"/>
+            <a:endParaRPr lang="en" altLang="ko-KR" sz="1200" b="1" dirty="0">
+              <a:solidFill>
+                <a:srgbClr val="0A0A0A"/>
+              </a:solidFill>
+              <a:highlight>
+                <a:srgbClr val="FFFFFF"/>
+              </a:highlight>
+              <a:latin typeface="Lato" panose="020F0502020204030203" pitchFamily="34" charset="0"/>
+              <a:ea typeface="Arial Unicode MS" panose="020B0604020202020204" pitchFamily="34" charset="-128"/>
+              <a:cs typeface="Arial Unicode MS" panose="020B0604020202020204" pitchFamily="34" charset="-128"/>
+            </a:endParaRPr>
+          </a:p>
+          <a:p>
+            <a:pPr algn="l"/>
+            <a:r>
+              <a:rPr lang="ko-KR" altLang="en-US" sz="1200" b="1" i="0" dirty="0" err="1">
+                <a:solidFill>
+                  <a:srgbClr val="0A0A0A"/>
+                </a:solidFill>
+                <a:effectLst/>
+                <a:highlight>
+                  <a:srgbClr val="FFFFFF"/>
+                </a:highlight>
+                <a:latin typeface="Lato" panose="020F0502020204030203" pitchFamily="34" charset="0"/>
+                <a:ea typeface="Arial Unicode MS" panose="020B0604020202020204" pitchFamily="34" charset="-128"/>
+                <a:cs typeface="Arial Unicode MS" panose="020B0604020202020204" pitchFamily="34" charset="-128"/>
+              </a:rPr>
+              <a:t>작성중</a:t>
+            </a:r>
+            <a:endParaRPr lang="en" altLang="ko-KR" sz="1200" b="1" i="0" dirty="0">
+              <a:solidFill>
+                <a:srgbClr val="0A0A0A"/>
+              </a:solidFill>
+              <a:effectLst/>
+              <a:highlight>
+                <a:srgbClr val="FFFFFF"/>
+              </a:highlight>
+              <a:latin typeface="Lato" panose="020F0502020204030203" pitchFamily="34" charset="0"/>
+              <a:ea typeface="Arial Unicode MS" panose="020B0604020202020204" pitchFamily="34" charset="-128"/>
+              <a:cs typeface="Arial Unicode MS" panose="020B0604020202020204" pitchFamily="34" charset="-128"/>
+            </a:endParaRPr>
+          </a:p>
+          <a:p>
+            <a:pPr algn="l"/>
+            <a:endParaRPr lang="en" altLang="ko-KR" sz="1200" b="1" dirty="0">
+              <a:solidFill>
+                <a:srgbClr val="0A0A0A"/>
+              </a:solidFill>
+              <a:highlight>
+                <a:srgbClr val="FFFFFF"/>
+              </a:highlight>
+              <a:latin typeface="Lato" panose="020F0502020204030203" pitchFamily="34" charset="0"/>
+              <a:ea typeface="Arial Unicode MS" panose="020B0604020202020204" pitchFamily="34" charset="-128"/>
+              <a:cs typeface="Arial Unicode MS" panose="020B0604020202020204" pitchFamily="34" charset="-128"/>
+            </a:endParaRPr>
+          </a:p>
+          <a:p>
+            <a:pPr algn="l"/>
+            <a:endParaRPr lang="en" altLang="ko-KR" sz="1200" b="0" i="0" dirty="0">
+              <a:solidFill>
+                <a:srgbClr val="1C1E21"/>
+              </a:solidFill>
+              <a:effectLst/>
+              <a:highlight>
+                <a:srgbClr val="FFFFFF"/>
+              </a:highlight>
+              <a:latin typeface="Arial Unicode MS" panose="020B0604020202020204" pitchFamily="34" charset="-128"/>
+              <a:ea typeface="Arial Unicode MS" panose="020B0604020202020204" pitchFamily="34" charset="-128"/>
+              <a:cs typeface="Arial Unicode MS" panose="020B0604020202020204" pitchFamily="34" charset="-128"/>
+            </a:endParaRPr>
+          </a:p>
+          <a:p>
+            <a:pPr algn="l"/>
+            <a:endParaRPr lang="en" altLang="ko-KR" sz="1200" dirty="0">
+              <a:solidFill>
+                <a:srgbClr val="1C1E21"/>
+              </a:solidFill>
+              <a:highlight>
+                <a:srgbClr val="FFFFFF"/>
+              </a:highlight>
+              <a:latin typeface="Arial Unicode MS" panose="020B0604020202020204" pitchFamily="34" charset="-128"/>
+              <a:ea typeface="Arial Unicode MS" panose="020B0604020202020204" pitchFamily="34" charset="-128"/>
+              <a:cs typeface="Arial Unicode MS" panose="020B0604020202020204" pitchFamily="34" charset="-128"/>
+            </a:endParaRPr>
+          </a:p>
+          <a:p>
+            <a:pPr algn="l"/>
+            <a:endParaRPr lang="en" altLang="ko-KR" sz="1200" dirty="0">
+              <a:solidFill>
+                <a:srgbClr val="05192D"/>
+              </a:solidFill>
+              <a:effectLst/>
+              <a:highlight>
+                <a:srgbClr val="FFFFFF"/>
+              </a:highlight>
+              <a:latin typeface="Arial Unicode MS" panose="020B0604020202020204" pitchFamily="34" charset="-128"/>
+              <a:ea typeface="Arial Unicode MS" panose="020B0604020202020204" pitchFamily="34" charset="-128"/>
+              <a:cs typeface="Arial Unicode MS" panose="020B0604020202020204" pitchFamily="34" charset="-128"/>
+            </a:endParaRPr>
+          </a:p>
+        </p:txBody>
+      </p:sp>
+    </p:spTree>
+    <p:extLst>
+      <p:ext uri="{BB962C8B-B14F-4D97-AF65-F5344CB8AC3E}">
+        <p14:creationId xmlns:p14="http://schemas.microsoft.com/office/powerpoint/2010/main" val="2110372049"/>
+      </p:ext>
+    </p:extLst>
+  </p:cSld>
+  <p:clrMapOvr>
+    <a:masterClrMapping/>
+  </p:clrMapOvr>
+</p:sld>
+</file>
+
+<file path=ppt/slides/slide17.xml><?xml version="1.0" encoding="utf-8"?>
+<p:sld xmlns:a="http://schemas.openxmlformats.org/drawingml/2006/main" xmlns:r="http://schemas.openxmlformats.org/officeDocument/2006/relationships" xmlns:p="http://schemas.openxmlformats.org/presentationml/2006/main">
+  <p:cSld>
+    <p:spTree>
+      <p:nvGrpSpPr>
+        <p:cNvPr id="1" name=""/>
+        <p:cNvGrpSpPr/>
+        <p:nvPr/>
+      </p:nvGrpSpPr>
+      <p:grpSpPr>
+        <a:xfrm>
+          <a:off x="0" y="0"/>
+          <a:ext cx="0" cy="0"/>
+          <a:chOff x="0" y="0"/>
+          <a:chExt cx="0" cy="0"/>
+        </a:xfrm>
+      </p:grpSpPr>
+      <p:sp>
+        <p:nvSpPr>
+          <p:cNvPr id="2" name="TextBox 1">
+            <a:extLst>
+              <a:ext uri="{FF2B5EF4-FFF2-40B4-BE49-F238E27FC236}">
+                <a16:creationId xmlns:a16="http://schemas.microsoft.com/office/drawing/2014/main" id="{9F22DA87-8F0D-2AD1-A03B-1581126C7FAF}"/>
+              </a:ext>
+            </a:extLst>
+          </p:cNvPr>
+          <p:cNvSpPr txBox="1"/>
+          <p:nvPr/>
+        </p:nvSpPr>
+        <p:spPr>
+          <a:xfrm>
+            <a:off x="77274" y="45076"/>
+            <a:ext cx="1249060" cy="369332"/>
+          </a:xfrm>
+          <a:prstGeom prst="rect">
+            <a:avLst/>
+          </a:prstGeom>
+          <a:noFill/>
+        </p:spPr>
+        <p:txBody>
+          <a:bodyPr wrap="none" rtlCol="0">
+            <a:spAutoFit/>
+          </a:bodyPr>
+          <a:lstStyle/>
+          <a:p>
+            <a:r>
+              <a:rPr kumimoji="1" lang="en-US" altLang="ko-KR" dirty="0">
+                <a:latin typeface="Arial Unicode MS" panose="020B0604020202020204" pitchFamily="34" charset="-128"/>
+                <a:ea typeface="Arial Unicode MS" panose="020B0604020202020204" pitchFamily="34" charset="-128"/>
+              </a:rPr>
               <a:t>Reference</a:t>
             </a:r>
-            <a:endParaRPr kumimoji="1" lang="ko-KR" altLang="en-US" dirty="0"/>
+            <a:endParaRPr kumimoji="1" lang="ko-KR" altLang="en-US" dirty="0">
+              <a:latin typeface="Arial Unicode MS" panose="020B0604020202020204" pitchFamily="34" charset="-128"/>
+              <a:ea typeface="Arial Unicode MS" panose="020B0604020202020204" pitchFamily="34" charset="-128"/>
+            </a:endParaRPr>
           </a:p>
         </p:txBody>
       </p:sp>
@@ -3846,10 +5603,16 @@
           <a:lstStyle/>
           <a:p>
             <a:r>
-              <a:rPr kumimoji="1" lang="en-US" altLang="ko-KR" dirty="0"/>
+              <a:rPr kumimoji="1" lang="en-US" altLang="ko-KR" dirty="0">
+                <a:latin typeface="Arial Unicode MS" panose="020B0604020202020204" pitchFamily="34" charset="-128"/>
+                <a:ea typeface="Arial Unicode MS" panose="020B0604020202020204" pitchFamily="34" charset="-128"/>
+              </a:rPr>
               <a:t>Retrieval Overview</a:t>
             </a:r>
-            <a:endParaRPr kumimoji="1" lang="ko-KR" altLang="en-US" dirty="0"/>
+            <a:endParaRPr kumimoji="1" lang="ko-KR" altLang="en-US" dirty="0">
+              <a:latin typeface="Arial Unicode MS" panose="020B0604020202020204" pitchFamily="34" charset="-128"/>
+              <a:ea typeface="Arial Unicode MS" panose="020B0604020202020204" pitchFamily="34" charset="-128"/>
+            </a:endParaRPr>
           </a:p>
         </p:txBody>
       </p:sp>
@@ -3912,10 +5675,16 @@
           <a:lstStyle/>
           <a:p>
             <a:r>
-              <a:rPr kumimoji="1" lang="en-US" altLang="ko-KR" dirty="0"/>
+              <a:rPr kumimoji="1" lang="en-US" altLang="ko-KR" dirty="0">
+                <a:latin typeface="Arial Unicode MS" panose="020B0604020202020204" pitchFamily="34" charset="-128"/>
+                <a:ea typeface="Arial Unicode MS" panose="020B0604020202020204" pitchFamily="34" charset="-128"/>
+              </a:rPr>
               <a:t>Retrieval Components</a:t>
             </a:r>
-            <a:endParaRPr kumimoji="1" lang="ko-KR" altLang="en-US" dirty="0"/>
+            <a:endParaRPr kumimoji="1" lang="ko-KR" altLang="en-US" dirty="0">
+              <a:latin typeface="Arial Unicode MS" panose="020B0604020202020204" pitchFamily="34" charset="-128"/>
+              <a:ea typeface="Arial Unicode MS" panose="020B0604020202020204" pitchFamily="34" charset="-128"/>
+            </a:endParaRPr>
           </a:p>
         </p:txBody>
       </p:sp>
@@ -3952,11 +5721,16 @@
                 <a:solidFill>
                   <a:srgbClr val="FF0000"/>
                 </a:solidFill>
+                <a:latin typeface="Arial Unicode MS" panose="020B0604020202020204" pitchFamily="34" charset="-128"/>
+                <a:ea typeface="Arial Unicode MS" panose="020B0604020202020204" pitchFamily="34" charset="-128"/>
               </a:rPr>
               <a:t>Question </a:t>
             </a:r>
             <a:r>
-              <a:rPr kumimoji="1" lang="en-US" altLang="ko-KR" sz="1200" dirty="0"/>
+              <a:rPr kumimoji="1" lang="en-US" altLang="ko-KR" sz="1200" dirty="0">
+                <a:latin typeface="Arial Unicode MS" panose="020B0604020202020204" pitchFamily="34" charset="-128"/>
+                <a:ea typeface="Arial Unicode MS" panose="020B0604020202020204" pitchFamily="34" charset="-128"/>
+              </a:rPr>
               <a:t>– This will be the piece of text that you’d like the language model to help reason about or answer</a:t>
             </a:r>
             <a:r>
@@ -3964,6 +5738,8 @@
                 <a:solidFill>
                   <a:srgbClr val="FF0000"/>
                 </a:solidFill>
+                <a:latin typeface="Arial Unicode MS" panose="020B0604020202020204" pitchFamily="34" charset="-128"/>
+                <a:ea typeface="Arial Unicode MS" panose="020B0604020202020204" pitchFamily="34" charset="-128"/>
               </a:rPr>
               <a:t> </a:t>
             </a:r>
@@ -3971,6 +5747,8 @@
               <a:solidFill>
                 <a:srgbClr val="FF0000"/>
               </a:solidFill>
+              <a:latin typeface="Arial Unicode MS" panose="020B0604020202020204" pitchFamily="34" charset="-128"/>
+              <a:ea typeface="Arial Unicode MS" panose="020B0604020202020204" pitchFamily="34" charset="-128"/>
             </a:endParaRPr>
           </a:p>
         </p:txBody>
@@ -4008,17 +5786,24 @@
                 <a:solidFill>
                   <a:srgbClr val="FF0000"/>
                 </a:solidFill>
+                <a:latin typeface="Arial Unicode MS" panose="020B0604020202020204" pitchFamily="34" charset="-128"/>
+                <a:ea typeface="Arial Unicode MS" panose="020B0604020202020204" pitchFamily="34" charset="-128"/>
               </a:rPr>
               <a:t>Raw Data Source </a:t>
             </a:r>
             <a:r>
-              <a:rPr kumimoji="1" lang="en-US" altLang="ko-KR" sz="1200" dirty="0"/>
+              <a:rPr kumimoji="1" lang="en-US" altLang="ko-KR" sz="1200" dirty="0">
+                <a:latin typeface="Arial Unicode MS" panose="020B0604020202020204" pitchFamily="34" charset="-128"/>
+                <a:ea typeface="Arial Unicode MS" panose="020B0604020202020204" pitchFamily="34" charset="-128"/>
+              </a:rPr>
               <a:t>– This will be the entire collection of raw text</a:t>
             </a:r>
             <a:endParaRPr kumimoji="1" lang="ko-KR" altLang="en-US" sz="1200" dirty="0">
               <a:solidFill>
                 <a:srgbClr val="FF0000"/>
               </a:solidFill>
+              <a:latin typeface="Arial Unicode MS" panose="020B0604020202020204" pitchFamily="34" charset="-128"/>
+              <a:ea typeface="Arial Unicode MS" panose="020B0604020202020204" pitchFamily="34" charset="-128"/>
             </a:endParaRPr>
           </a:p>
         </p:txBody>
@@ -4056,17 +5841,24 @@
                 <a:solidFill>
                   <a:srgbClr val="FF0000"/>
                 </a:solidFill>
+                <a:latin typeface="Arial Unicode MS" panose="020B0604020202020204" pitchFamily="34" charset="-128"/>
+                <a:ea typeface="Arial Unicode MS" panose="020B0604020202020204" pitchFamily="34" charset="-128"/>
               </a:rPr>
               <a:t>Knowledge Base </a:t>
             </a:r>
             <a:r>
-              <a:rPr kumimoji="1" lang="en-US" altLang="ko-KR" sz="1200" dirty="0"/>
+              <a:rPr kumimoji="1" lang="en-US" altLang="ko-KR" sz="1200" dirty="0">
+                <a:latin typeface="Arial Unicode MS" panose="020B0604020202020204" pitchFamily="34" charset="-128"/>
+                <a:ea typeface="Arial Unicode MS" panose="020B0604020202020204" pitchFamily="34" charset="-128"/>
+              </a:rPr>
               <a:t>– This is where the raw data will be prepped and ready to be processed by our retrieval application</a:t>
             </a:r>
             <a:endParaRPr kumimoji="1" lang="ko-KR" altLang="en-US" sz="1200" dirty="0">
               <a:solidFill>
                 <a:srgbClr val="FF0000"/>
               </a:solidFill>
+              <a:latin typeface="Arial Unicode MS" panose="020B0604020202020204" pitchFamily="34" charset="-128"/>
+              <a:ea typeface="Arial Unicode MS" panose="020B0604020202020204" pitchFamily="34" charset="-128"/>
             </a:endParaRPr>
           </a:p>
         </p:txBody>
@@ -4104,17 +5896,24 @@
                 <a:solidFill>
                   <a:srgbClr val="FF0000"/>
                 </a:solidFill>
+                <a:latin typeface="Arial Unicode MS" panose="020B0604020202020204" pitchFamily="34" charset="-128"/>
+                <a:ea typeface="Arial Unicode MS" panose="020B0604020202020204" pitchFamily="34" charset="-128"/>
               </a:rPr>
               <a:t>Relevant Docs </a:t>
             </a:r>
             <a:r>
-              <a:rPr kumimoji="1" lang="en-US" altLang="ko-KR" sz="1200" dirty="0"/>
+              <a:rPr kumimoji="1" lang="en-US" altLang="ko-KR" sz="1200" dirty="0">
+                <a:latin typeface="Arial Unicode MS" panose="020B0604020202020204" pitchFamily="34" charset="-128"/>
+                <a:ea typeface="Arial Unicode MS" panose="020B0604020202020204" pitchFamily="34" charset="-128"/>
+              </a:rPr>
               <a:t>– These are the subset of the documents in your full knowledge base that your retrieval application deems helpful to answer your question                         </a:t>
             </a:r>
             <a:endParaRPr kumimoji="1" lang="ko-KR" altLang="en-US" sz="1200" dirty="0">
               <a:solidFill>
                 <a:srgbClr val="FF0000"/>
               </a:solidFill>
+              <a:latin typeface="Arial Unicode MS" panose="020B0604020202020204" pitchFamily="34" charset="-128"/>
+              <a:ea typeface="Arial Unicode MS" panose="020B0604020202020204" pitchFamily="34" charset="-128"/>
             </a:endParaRPr>
           </a:p>
         </p:txBody>
@@ -4178,10 +5977,16 @@
           <a:lstStyle/>
           <a:p>
             <a:r>
-              <a:rPr kumimoji="1" lang="en-US" altLang="ko-KR" dirty="0"/>
+              <a:rPr kumimoji="1" lang="en-US" altLang="ko-KR" dirty="0">
+                <a:latin typeface="Arial Unicode MS" panose="020B0604020202020204" pitchFamily="34" charset="-128"/>
+                <a:ea typeface="Arial Unicode MS" panose="020B0604020202020204" pitchFamily="34" charset="-128"/>
+              </a:rPr>
               <a:t>Retrieval Overview</a:t>
             </a:r>
-            <a:endParaRPr kumimoji="1" lang="ko-KR" altLang="en-US" dirty="0"/>
+            <a:endParaRPr kumimoji="1" lang="ko-KR" altLang="en-US" dirty="0">
+              <a:latin typeface="Arial Unicode MS" panose="020B0604020202020204" pitchFamily="34" charset="-128"/>
+              <a:ea typeface="Arial Unicode MS" panose="020B0604020202020204" pitchFamily="34" charset="-128"/>
+            </a:endParaRPr>
           </a:p>
         </p:txBody>
       </p:sp>
@@ -4214,10 +6019,16 @@
           <a:lstStyle/>
           <a:p>
             <a:r>
-              <a:rPr kumimoji="1" lang="en-US" altLang="ko-KR" dirty="0"/>
+              <a:rPr kumimoji="1" lang="en-US" altLang="ko-KR" dirty="0">
+                <a:latin typeface="Arial Unicode MS" panose="020B0604020202020204" pitchFamily="34" charset="-128"/>
+                <a:ea typeface="Arial Unicode MS" panose="020B0604020202020204" pitchFamily="34" charset="-128"/>
+              </a:rPr>
               <a:t>Though this architecture may work for introductory applications, there are number of situations that could make things more complicated</a:t>
             </a:r>
-            <a:endParaRPr kumimoji="1" lang="ko-KR" altLang="en-US" dirty="0"/>
+            <a:endParaRPr kumimoji="1" lang="ko-KR" altLang="en-US" dirty="0">
+              <a:latin typeface="Arial Unicode MS" panose="020B0604020202020204" pitchFamily="34" charset="-128"/>
+              <a:ea typeface="Arial Unicode MS" panose="020B0604020202020204" pitchFamily="34" charset="-128"/>
+            </a:endParaRPr>
           </a:p>
         </p:txBody>
       </p:sp>
@@ -4250,17 +6061,25 @@
           <a:lstStyle/>
           <a:p>
             <a:r>
-              <a:rPr kumimoji="1" lang="ko-KR" altLang="en-US" sz="1200" dirty="0"/>
+              <a:rPr kumimoji="1" lang="ko-KR" altLang="en-US" sz="1200" dirty="0">
+                <a:latin typeface="Arial Unicode MS" panose="020B0604020202020204" pitchFamily="34" charset="-128"/>
+                <a:ea typeface="Arial Unicode MS" panose="020B0604020202020204" pitchFamily="34" charset="-128"/>
+              </a:rPr>
               <a:t>사용자가 잘못된 질문을 한다면 </a:t>
             </a:r>
             <a:r>
-              <a:rPr kumimoji="1" lang="en-US" altLang="ko-KR" sz="1200" dirty="0"/>
+              <a:rPr kumimoji="1" lang="en-US" altLang="ko-KR" sz="1200" dirty="0">
+                <a:latin typeface="Arial Unicode MS" panose="020B0604020202020204" pitchFamily="34" charset="-128"/>
+                <a:ea typeface="Arial Unicode MS" panose="020B0604020202020204" pitchFamily="34" charset="-128"/>
+              </a:rPr>
               <a:t>?</a:t>
             </a:r>
             <a:endParaRPr kumimoji="1" lang="ko-KR" altLang="en-US" sz="1200" dirty="0">
               <a:solidFill>
                 <a:srgbClr val="FF0000"/>
               </a:solidFill>
+              <a:latin typeface="Arial Unicode MS" panose="020B0604020202020204" pitchFamily="34" charset="-128"/>
+              <a:ea typeface="Arial Unicode MS" panose="020B0604020202020204" pitchFamily="34" charset="-128"/>
             </a:endParaRPr>
           </a:p>
         </p:txBody>
@@ -4294,17 +6113,25 @@
           <a:lstStyle/>
           <a:p>
             <a:r>
-              <a:rPr kumimoji="1" lang="ko-KR" altLang="en-US" sz="1200" dirty="0"/>
+              <a:rPr kumimoji="1" lang="ko-KR" altLang="en-US" sz="1200" dirty="0">
+                <a:latin typeface="Arial Unicode MS" panose="020B0604020202020204" pitchFamily="34" charset="-128"/>
+                <a:ea typeface="Arial Unicode MS" panose="020B0604020202020204" pitchFamily="34" charset="-128"/>
+              </a:rPr>
               <a:t>처리할 이미지가 있다면</a:t>
             </a:r>
             <a:r>
-              <a:rPr kumimoji="1" lang="en-US" altLang="ko-KR" sz="1200" dirty="0"/>
+              <a:rPr kumimoji="1" lang="en-US" altLang="ko-KR" sz="1200" dirty="0">
+                <a:latin typeface="Arial Unicode MS" panose="020B0604020202020204" pitchFamily="34" charset="-128"/>
+                <a:ea typeface="Arial Unicode MS" panose="020B0604020202020204" pitchFamily="34" charset="-128"/>
+              </a:rPr>
               <a:t>?</a:t>
             </a:r>
             <a:endParaRPr kumimoji="1" lang="ko-KR" altLang="en-US" sz="1200" dirty="0">
               <a:solidFill>
                 <a:srgbClr val="FF0000"/>
               </a:solidFill>
+              <a:latin typeface="Arial Unicode MS" panose="020B0604020202020204" pitchFamily="34" charset="-128"/>
+              <a:ea typeface="Arial Unicode MS" panose="020B0604020202020204" pitchFamily="34" charset="-128"/>
             </a:endParaRPr>
           </a:p>
         </p:txBody>
@@ -4338,29 +6165,46 @@
           <a:lstStyle/>
           <a:p>
             <a:r>
-              <a:rPr kumimoji="1" lang="en-US" altLang="ko-KR" sz="1200" dirty="0"/>
+              <a:rPr kumimoji="1" lang="en-US" altLang="ko-KR" sz="1200" dirty="0">
+                <a:latin typeface="Arial Unicode MS" panose="020B0604020202020204" pitchFamily="34" charset="-128"/>
+                <a:ea typeface="Arial Unicode MS" panose="020B0604020202020204" pitchFamily="34" charset="-128"/>
+              </a:rPr>
               <a:t>PDF</a:t>
             </a:r>
             <a:r>
-              <a:rPr kumimoji="1" lang="ko-KR" altLang="en-US" sz="1200" dirty="0"/>
+              <a:rPr kumimoji="1" lang="ko-KR" altLang="en-US" sz="1200" dirty="0">
+                <a:latin typeface="Arial Unicode MS" panose="020B0604020202020204" pitchFamily="34" charset="-128"/>
+                <a:ea typeface="Arial Unicode MS" panose="020B0604020202020204" pitchFamily="34" charset="-128"/>
+              </a:rPr>
               <a:t> </a:t>
             </a:r>
             <a:r>
-              <a:rPr kumimoji="1" lang="ko-KR" altLang="en-US" sz="1200" dirty="0" err="1"/>
+              <a:rPr kumimoji="1" lang="ko-KR" altLang="en-US" sz="1200" dirty="0" err="1">
+                <a:latin typeface="Arial Unicode MS" panose="020B0604020202020204" pitchFamily="34" charset="-128"/>
+                <a:ea typeface="Arial Unicode MS" panose="020B0604020202020204" pitchFamily="34" charset="-128"/>
+              </a:rPr>
               <a:t>에</a:t>
             </a:r>
             <a:r>
-              <a:rPr kumimoji="1" lang="ko-KR" altLang="en-US" sz="1200" dirty="0"/>
+              <a:rPr kumimoji="1" lang="ko-KR" altLang="en-US" sz="1200" dirty="0">
+                <a:latin typeface="Arial Unicode MS" panose="020B0604020202020204" pitchFamily="34" charset="-128"/>
+                <a:ea typeface="Arial Unicode MS" panose="020B0604020202020204" pitchFamily="34" charset="-128"/>
+              </a:rPr>
               <a:t> 구문 분석과 분석이 필요한 테이블이 있다면</a:t>
             </a:r>
             <a:r>
-              <a:rPr kumimoji="1" lang="en-US" altLang="ko-KR" sz="1200" dirty="0"/>
+              <a:rPr kumimoji="1" lang="en-US" altLang="ko-KR" sz="1200" dirty="0">
+                <a:latin typeface="Arial Unicode MS" panose="020B0604020202020204" pitchFamily="34" charset="-128"/>
+                <a:ea typeface="Arial Unicode MS" panose="020B0604020202020204" pitchFamily="34" charset="-128"/>
+              </a:rPr>
               <a:t>?</a:t>
             </a:r>
             <a:endParaRPr kumimoji="1" lang="ko-KR" altLang="en-US" sz="1200" dirty="0">
               <a:solidFill>
                 <a:srgbClr val="FF0000"/>
               </a:solidFill>
+              <a:latin typeface="Arial Unicode MS" panose="020B0604020202020204" pitchFamily="34" charset="-128"/>
+              <a:ea typeface="Arial Unicode MS" panose="020B0604020202020204" pitchFamily="34" charset="-128"/>
             </a:endParaRPr>
           </a:p>
         </p:txBody>
@@ -4394,29 +6238,46 @@
           <a:lstStyle/>
           <a:p>
             <a:r>
-              <a:rPr kumimoji="1" lang="ko-KR" altLang="en-US" sz="1200" dirty="0"/>
+              <a:rPr kumimoji="1" lang="ko-KR" altLang="en-US" sz="1200" dirty="0">
+                <a:latin typeface="Arial Unicode MS" panose="020B0604020202020204" pitchFamily="34" charset="-128"/>
+                <a:ea typeface="Arial Unicode MS" panose="020B0604020202020204" pitchFamily="34" charset="-128"/>
+              </a:rPr>
               <a:t>원시 문서</a:t>
             </a:r>
             <a:r>
-              <a:rPr kumimoji="1" lang="en-US" altLang="ko-KR" sz="1200" dirty="0"/>
+              <a:rPr kumimoji="1" lang="en-US" altLang="ko-KR" sz="1200" dirty="0">
+                <a:latin typeface="Arial Unicode MS" panose="020B0604020202020204" pitchFamily="34" charset="-128"/>
+                <a:ea typeface="Arial Unicode MS" panose="020B0604020202020204" pitchFamily="34" charset="-128"/>
+              </a:rPr>
               <a:t>(raw document)</a:t>
             </a:r>
             <a:r>
-              <a:rPr kumimoji="1" lang="ko-KR" altLang="en-US" sz="1200" dirty="0" err="1"/>
+              <a:rPr kumimoji="1" lang="ko-KR" altLang="en-US" sz="1200" dirty="0" err="1">
+                <a:latin typeface="Arial Unicode MS" panose="020B0604020202020204" pitchFamily="34" charset="-128"/>
+                <a:ea typeface="Arial Unicode MS" panose="020B0604020202020204" pitchFamily="34" charset="-128"/>
+              </a:rPr>
               <a:t>에</a:t>
             </a:r>
             <a:r>
-              <a:rPr kumimoji="1" lang="ko-KR" altLang="en-US" sz="1200" dirty="0"/>
+              <a:rPr kumimoji="1" lang="ko-KR" altLang="en-US" sz="1200" dirty="0">
+                <a:latin typeface="Arial Unicode MS" panose="020B0604020202020204" pitchFamily="34" charset="-128"/>
+                <a:ea typeface="Arial Unicode MS" panose="020B0604020202020204" pitchFamily="34" charset="-128"/>
+              </a:rPr>
               <a:t> 유사성 점수를 매기는 것이 작동하지 않는다면</a:t>
             </a:r>
             <a:r>
-              <a:rPr kumimoji="1" lang="en-US" altLang="ko-KR" sz="1200" dirty="0"/>
+              <a:rPr kumimoji="1" lang="en-US" altLang="ko-KR" sz="1200" dirty="0">
+                <a:latin typeface="Arial Unicode MS" panose="020B0604020202020204" pitchFamily="34" charset="-128"/>
+                <a:ea typeface="Arial Unicode MS" panose="020B0604020202020204" pitchFamily="34" charset="-128"/>
+              </a:rPr>
               <a:t>? </a:t>
             </a:r>
             <a:endParaRPr kumimoji="1" lang="ko-KR" altLang="en-US" sz="1200" dirty="0">
               <a:solidFill>
                 <a:srgbClr val="FF0000"/>
               </a:solidFill>
+              <a:latin typeface="Arial Unicode MS" panose="020B0604020202020204" pitchFamily="34" charset="-128"/>
+              <a:ea typeface="Arial Unicode MS" panose="020B0604020202020204" pitchFamily="34" charset="-128"/>
             </a:endParaRPr>
           </a:p>
         </p:txBody>
@@ -4510,10 +6371,16 @@
           <a:lstStyle/>
           <a:p>
             <a:r>
-              <a:rPr kumimoji="1" lang="en-US" altLang="ko-KR" dirty="0"/>
+              <a:rPr kumimoji="1" lang="en-US" altLang="ko-KR" dirty="0">
+                <a:latin typeface="Arial Unicode MS" panose="020B0604020202020204" pitchFamily="34" charset="-128"/>
+                <a:ea typeface="Arial Unicode MS" panose="020B0604020202020204" pitchFamily="34" charset="-128"/>
+              </a:rPr>
               <a:t>Retrieval Overview</a:t>
             </a:r>
-            <a:endParaRPr kumimoji="1" lang="ko-KR" altLang="en-US" dirty="0"/>
+            <a:endParaRPr kumimoji="1" lang="ko-KR" altLang="en-US" dirty="0">
+              <a:latin typeface="Arial Unicode MS" panose="020B0604020202020204" pitchFamily="34" charset="-128"/>
+              <a:ea typeface="Arial Unicode MS" panose="020B0604020202020204" pitchFamily="34" charset="-128"/>
+            </a:endParaRPr>
           </a:p>
         </p:txBody>
       </p:sp>
@@ -4550,17 +6417,24 @@
                 <a:solidFill>
                   <a:srgbClr val="FF0000"/>
                 </a:solidFill>
+                <a:latin typeface="Arial Unicode MS" panose="020B0604020202020204" pitchFamily="34" charset="-128"/>
+                <a:ea typeface="Arial Unicode MS" panose="020B0604020202020204" pitchFamily="34" charset="-128"/>
               </a:rPr>
               <a:t>Query </a:t>
             </a:r>
             <a:r>
-              <a:rPr kumimoji="1" lang="en-US" altLang="ko-KR" sz="1200" dirty="0"/>
+              <a:rPr kumimoji="1" lang="en-US" altLang="ko-KR" sz="1200" dirty="0">
+                <a:latin typeface="Arial Unicode MS" panose="020B0604020202020204" pitchFamily="34" charset="-128"/>
+                <a:ea typeface="Arial Unicode MS" panose="020B0604020202020204" pitchFamily="34" charset="-128"/>
+              </a:rPr>
               <a:t>– The initial piece of data that will guide the retrieval process (e.g. user question, chat history, image, audio, prompt, table, or other various data)  </a:t>
             </a:r>
             <a:endParaRPr kumimoji="1" lang="ko-KR" altLang="en-US" sz="1200" dirty="0">
               <a:solidFill>
                 <a:srgbClr val="FF0000"/>
               </a:solidFill>
+              <a:latin typeface="Arial Unicode MS" panose="020B0604020202020204" pitchFamily="34" charset="-128"/>
+              <a:ea typeface="Arial Unicode MS" panose="020B0604020202020204" pitchFamily="34" charset="-128"/>
             </a:endParaRPr>
           </a:p>
         </p:txBody>
@@ -4598,17 +6472,24 @@
                 <a:solidFill>
                   <a:srgbClr val="C00000"/>
                 </a:solidFill>
+                <a:latin typeface="Arial Unicode MS" panose="020B0604020202020204" pitchFamily="34" charset="-128"/>
+                <a:ea typeface="Arial Unicode MS" panose="020B0604020202020204" pitchFamily="34" charset="-128"/>
               </a:rPr>
               <a:t>Query Transformation </a:t>
             </a:r>
             <a:r>
-              <a:rPr kumimoji="1" lang="en-US" altLang="ko-KR" sz="1200" dirty="0"/>
+              <a:rPr kumimoji="1" lang="en-US" altLang="ko-KR" sz="1200" dirty="0">
+                <a:latin typeface="Arial Unicode MS" panose="020B0604020202020204" pitchFamily="34" charset="-128"/>
+                <a:ea typeface="Arial Unicode MS" panose="020B0604020202020204" pitchFamily="34" charset="-128"/>
+              </a:rPr>
               <a:t>– The process of modifying or reformatting the original query to make it more suitable for retrieval </a:t>
             </a:r>
             <a:endParaRPr kumimoji="1" lang="ko-KR" altLang="en-US" sz="1200" dirty="0">
               <a:solidFill>
                 <a:srgbClr val="FF0000"/>
               </a:solidFill>
+              <a:latin typeface="Arial Unicode MS" panose="020B0604020202020204" pitchFamily="34" charset="-128"/>
+              <a:ea typeface="Arial Unicode MS" panose="020B0604020202020204" pitchFamily="34" charset="-128"/>
             </a:endParaRPr>
           </a:p>
         </p:txBody>
@@ -4646,17 +6527,24 @@
                 <a:solidFill>
                   <a:srgbClr val="C00000"/>
                 </a:solidFill>
+                <a:latin typeface="Arial Unicode MS" panose="020B0604020202020204" pitchFamily="34" charset="-128"/>
+                <a:ea typeface="Arial Unicode MS" panose="020B0604020202020204" pitchFamily="34" charset="-128"/>
               </a:rPr>
               <a:t>Raw Data Source </a:t>
             </a:r>
             <a:r>
-              <a:rPr kumimoji="1" lang="en-US" altLang="ko-KR" sz="1200" dirty="0"/>
+              <a:rPr kumimoji="1" lang="en-US" altLang="ko-KR" sz="1200" dirty="0">
+                <a:latin typeface="Arial Unicode MS" panose="020B0604020202020204" pitchFamily="34" charset="-128"/>
+                <a:ea typeface="Arial Unicode MS" panose="020B0604020202020204" pitchFamily="34" charset="-128"/>
+              </a:rPr>
               <a:t>– Original collection of information. Unprocessed unstructured from which you’ll extract. (e.g. website, images, picture, other application)</a:t>
             </a:r>
             <a:endParaRPr kumimoji="1" lang="ko-KR" altLang="en-US" sz="1200" dirty="0">
               <a:solidFill>
                 <a:srgbClr val="FF0000"/>
               </a:solidFill>
+              <a:latin typeface="Arial Unicode MS" panose="020B0604020202020204" pitchFamily="34" charset="-128"/>
+              <a:ea typeface="Arial Unicode MS" panose="020B0604020202020204" pitchFamily="34" charset="-128"/>
             </a:endParaRPr>
           </a:p>
         </p:txBody>
@@ -4694,17 +6582,24 @@
                 <a:solidFill>
                   <a:srgbClr val="C00000"/>
                 </a:solidFill>
+                <a:latin typeface="Arial Unicode MS" panose="020B0604020202020204" pitchFamily="34" charset="-128"/>
+                <a:ea typeface="Arial Unicode MS" panose="020B0604020202020204" pitchFamily="34" charset="-128"/>
               </a:rPr>
               <a:t>Document Loaders </a:t>
             </a:r>
             <a:r>
-              <a:rPr kumimoji="1" lang="en-US" altLang="ko-KR" sz="1200" dirty="0"/>
+              <a:rPr kumimoji="1" lang="en-US" altLang="ko-KR" sz="1200" dirty="0">
+                <a:latin typeface="Arial Unicode MS" panose="020B0604020202020204" pitchFamily="34" charset="-128"/>
+                <a:ea typeface="Arial Unicode MS" panose="020B0604020202020204" pitchFamily="34" charset="-128"/>
+              </a:rPr>
               <a:t>– Tools or functions that extract data from a raw source </a:t>
             </a:r>
             <a:endParaRPr kumimoji="1" lang="ko-KR" altLang="en-US" sz="1200" dirty="0">
               <a:solidFill>
                 <a:srgbClr val="FF0000"/>
               </a:solidFill>
+              <a:latin typeface="Arial Unicode MS" panose="020B0604020202020204" pitchFamily="34" charset="-128"/>
+              <a:ea typeface="Arial Unicode MS" panose="020B0604020202020204" pitchFamily="34" charset="-128"/>
             </a:endParaRPr>
           </a:p>
         </p:txBody>
@@ -4742,17 +6637,24 @@
                 <a:solidFill>
                   <a:srgbClr val="C00000"/>
                 </a:solidFill>
+                <a:latin typeface="Arial Unicode MS" panose="020B0604020202020204" pitchFamily="34" charset="-128"/>
+                <a:ea typeface="Arial Unicode MS" panose="020B0604020202020204" pitchFamily="34" charset="-128"/>
               </a:rPr>
               <a:t>Documents </a:t>
             </a:r>
             <a:r>
-              <a:rPr kumimoji="1" lang="en-US" altLang="ko-KR" sz="1200" dirty="0"/>
+              <a:rPr kumimoji="1" lang="en-US" altLang="ko-KR" sz="1200" dirty="0">
+                <a:latin typeface="Arial Unicode MS" panose="020B0604020202020204" pitchFamily="34" charset="-128"/>
+                <a:ea typeface="Arial Unicode MS" panose="020B0604020202020204" pitchFamily="34" charset="-128"/>
+              </a:rPr>
               <a:t>– Individual units of data or information that have been extracted and are ready for indexing. (e.g. individual pieces of texts, single customer records)</a:t>
             </a:r>
             <a:endParaRPr kumimoji="1" lang="ko-KR" altLang="en-US" sz="1200" dirty="0">
               <a:solidFill>
                 <a:srgbClr val="FF0000"/>
               </a:solidFill>
+              <a:latin typeface="Arial Unicode MS" panose="020B0604020202020204" pitchFamily="34" charset="-128"/>
+              <a:ea typeface="Arial Unicode MS" panose="020B0604020202020204" pitchFamily="34" charset="-128"/>
             </a:endParaRPr>
           </a:p>
         </p:txBody>
@@ -4790,17 +6692,24 @@
                 <a:solidFill>
                   <a:srgbClr val="C00000"/>
                 </a:solidFill>
+                <a:latin typeface="Arial Unicode MS" panose="020B0604020202020204" pitchFamily="34" charset="-128"/>
+                <a:ea typeface="Arial Unicode MS" panose="020B0604020202020204" pitchFamily="34" charset="-128"/>
               </a:rPr>
               <a:t>Index </a:t>
             </a:r>
             <a:r>
-              <a:rPr kumimoji="1" lang="en-US" altLang="ko-KR" sz="1200" dirty="0"/>
+              <a:rPr kumimoji="1" lang="en-US" altLang="ko-KR" sz="1200" dirty="0">
+                <a:latin typeface="Arial Unicode MS" panose="020B0604020202020204" pitchFamily="34" charset="-128"/>
+                <a:ea typeface="Arial Unicode MS" panose="020B0604020202020204" pitchFamily="34" charset="-128"/>
+              </a:rPr>
               <a:t>– Data structure that organizes information from your documents that makes retrieval faster, more efficient or better performance </a:t>
             </a:r>
             <a:endParaRPr kumimoji="1" lang="ko-KR" altLang="en-US" sz="1200" dirty="0">
               <a:solidFill>
                 <a:srgbClr val="FF0000"/>
               </a:solidFill>
+              <a:latin typeface="Arial Unicode MS" panose="020B0604020202020204" pitchFamily="34" charset="-128"/>
+              <a:ea typeface="Arial Unicode MS" panose="020B0604020202020204" pitchFamily="34" charset="-128"/>
             </a:endParaRPr>
           </a:p>
         </p:txBody>
@@ -4838,17 +6747,24 @@
                 <a:solidFill>
                   <a:srgbClr val="C00000"/>
                 </a:solidFill>
+                <a:latin typeface="Arial Unicode MS" panose="020B0604020202020204" pitchFamily="34" charset="-128"/>
+                <a:ea typeface="Arial Unicode MS" panose="020B0604020202020204" pitchFamily="34" charset="-128"/>
               </a:rPr>
               <a:t>Knowledge Base </a:t>
             </a:r>
             <a:r>
-              <a:rPr kumimoji="1" lang="en-US" altLang="ko-KR" sz="1200" dirty="0"/>
+              <a:rPr kumimoji="1" lang="en-US" altLang="ko-KR" sz="1200" dirty="0">
+                <a:latin typeface="Arial Unicode MS" panose="020B0604020202020204" pitchFamily="34" charset="-128"/>
+                <a:ea typeface="Arial Unicode MS" panose="020B0604020202020204" pitchFamily="34" charset="-128"/>
+              </a:rPr>
               <a:t>– A structured repository that contains indexed documents from which the retrieval process extracts documents from. This is often the combination of a vector store and document store</a:t>
             </a:r>
             <a:endParaRPr kumimoji="1" lang="ko-KR" altLang="en-US" sz="1200" dirty="0">
               <a:solidFill>
                 <a:srgbClr val="FF0000"/>
               </a:solidFill>
+              <a:latin typeface="Arial Unicode MS" panose="020B0604020202020204" pitchFamily="34" charset="-128"/>
+              <a:ea typeface="Arial Unicode MS" panose="020B0604020202020204" pitchFamily="34" charset="-128"/>
             </a:endParaRPr>
           </a:p>
         </p:txBody>
@@ -4886,17 +6802,24 @@
                 <a:solidFill>
                   <a:srgbClr val="C00000"/>
                 </a:solidFill>
+                <a:latin typeface="Arial Unicode MS" panose="020B0604020202020204" pitchFamily="34" charset="-128"/>
+                <a:ea typeface="Arial Unicode MS" panose="020B0604020202020204" pitchFamily="34" charset="-128"/>
               </a:rPr>
               <a:t>Retrieval Method </a:t>
             </a:r>
             <a:r>
-              <a:rPr kumimoji="1" lang="en-US" altLang="ko-KR" sz="1200" dirty="0"/>
+              <a:rPr kumimoji="1" lang="en-US" altLang="ko-KR" sz="1200" dirty="0">
+                <a:latin typeface="Arial Unicode MS" panose="020B0604020202020204" pitchFamily="34" charset="-128"/>
+                <a:ea typeface="Arial Unicode MS" panose="020B0604020202020204" pitchFamily="34" charset="-128"/>
+              </a:rPr>
               <a:t>– The technique or algorithm used to search for and extract the most relevant documents from the knowledge base in response to a query</a:t>
             </a:r>
             <a:endParaRPr kumimoji="1" lang="ko-KR" altLang="en-US" sz="1200" dirty="0">
               <a:solidFill>
                 <a:srgbClr val="FF0000"/>
               </a:solidFill>
+              <a:latin typeface="Arial Unicode MS" panose="020B0604020202020204" pitchFamily="34" charset="-128"/>
+              <a:ea typeface="Arial Unicode MS" panose="020B0604020202020204" pitchFamily="34" charset="-128"/>
             </a:endParaRPr>
           </a:p>
         </p:txBody>
@@ -4934,17 +6857,24 @@
                 <a:solidFill>
                   <a:srgbClr val="C00000"/>
                 </a:solidFill>
+                <a:latin typeface="Arial Unicode MS" panose="020B0604020202020204" pitchFamily="34" charset="-128"/>
+                <a:ea typeface="Arial Unicode MS" panose="020B0604020202020204" pitchFamily="34" charset="-128"/>
               </a:rPr>
               <a:t>Relevant Docs </a:t>
             </a:r>
             <a:r>
-              <a:rPr kumimoji="1" lang="en-US" altLang="ko-KR" sz="1200" dirty="0"/>
+              <a:rPr kumimoji="1" lang="en-US" altLang="ko-KR" sz="1200" dirty="0">
+                <a:latin typeface="Arial Unicode MS" panose="020B0604020202020204" pitchFamily="34" charset="-128"/>
+                <a:ea typeface="Arial Unicode MS" panose="020B0604020202020204" pitchFamily="34" charset="-128"/>
+              </a:rPr>
               <a:t>– The subset of documents that the retrieval method determines to be most useful in addressing the query</a:t>
             </a:r>
             <a:endParaRPr kumimoji="1" lang="ko-KR" altLang="en-US" sz="1200" dirty="0">
               <a:solidFill>
                 <a:srgbClr val="FF0000"/>
               </a:solidFill>
+              <a:latin typeface="Arial Unicode MS" panose="020B0604020202020204" pitchFamily="34" charset="-128"/>
+              <a:ea typeface="Arial Unicode MS" panose="020B0604020202020204" pitchFamily="34" charset="-128"/>
             </a:endParaRPr>
           </a:p>
         </p:txBody>
@@ -4982,17 +6912,24 @@
                 <a:solidFill>
                   <a:srgbClr val="C00000"/>
                 </a:solidFill>
+                <a:latin typeface="Arial Unicode MS" panose="020B0604020202020204" pitchFamily="34" charset="-128"/>
+                <a:ea typeface="Arial Unicode MS" panose="020B0604020202020204" pitchFamily="34" charset="-128"/>
               </a:rPr>
               <a:t>Document Transform </a:t>
             </a:r>
             <a:r>
-              <a:rPr kumimoji="1" lang="en-US" altLang="ko-KR" sz="1200" dirty="0"/>
+              <a:rPr kumimoji="1" lang="en-US" altLang="ko-KR" sz="1200" dirty="0">
+                <a:latin typeface="Arial Unicode MS" panose="020B0604020202020204" pitchFamily="34" charset="-128"/>
+                <a:ea typeface="Arial Unicode MS" panose="020B0604020202020204" pitchFamily="34" charset="-128"/>
+              </a:rPr>
               <a:t>– The process of further refining or reformatting the relevant documents to make them more suitable for the language model. This could include summarization, compression (removing information) or other transformations</a:t>
             </a:r>
             <a:endParaRPr kumimoji="1" lang="ko-KR" altLang="en-US" sz="1200" dirty="0">
               <a:solidFill>
                 <a:srgbClr val="FF0000"/>
               </a:solidFill>
+              <a:latin typeface="Arial Unicode MS" panose="020B0604020202020204" pitchFamily="34" charset="-128"/>
+              <a:ea typeface="Arial Unicode MS" panose="020B0604020202020204" pitchFamily="34" charset="-128"/>
             </a:endParaRPr>
           </a:p>
         </p:txBody>
@@ -5030,17 +6967,24 @@
                 <a:solidFill>
                   <a:srgbClr val="C00000"/>
                 </a:solidFill>
+                <a:latin typeface="Arial Unicode MS" panose="020B0604020202020204" pitchFamily="34" charset="-128"/>
+                <a:ea typeface="Arial Unicode MS" panose="020B0604020202020204" pitchFamily="34" charset="-128"/>
               </a:rPr>
               <a:t>Context </a:t>
             </a:r>
             <a:r>
-              <a:rPr kumimoji="1" lang="en-US" altLang="ko-KR" sz="1200" dirty="0"/>
+              <a:rPr kumimoji="1" lang="en-US" altLang="ko-KR" sz="1200" dirty="0">
+                <a:latin typeface="Arial Unicode MS" panose="020B0604020202020204" pitchFamily="34" charset="-128"/>
+                <a:ea typeface="Arial Unicode MS" panose="020B0604020202020204" pitchFamily="34" charset="-128"/>
+              </a:rPr>
               <a:t>– The combined content derived from the transformed documents that provide the necessary background or information for the language model to generate its response</a:t>
             </a:r>
             <a:endParaRPr kumimoji="1" lang="ko-KR" altLang="en-US" sz="1200" dirty="0">
               <a:solidFill>
                 <a:srgbClr val="FF0000"/>
               </a:solidFill>
+              <a:latin typeface="Arial Unicode MS" panose="020B0604020202020204" pitchFamily="34" charset="-128"/>
+              <a:ea typeface="Arial Unicode MS" panose="020B0604020202020204" pitchFamily="34" charset="-128"/>
             </a:endParaRPr>
           </a:p>
         </p:txBody>
@@ -5078,17 +7022,24 @@
                 <a:solidFill>
                   <a:srgbClr val="C00000"/>
                 </a:solidFill>
+                <a:latin typeface="Arial Unicode MS" panose="020B0604020202020204" pitchFamily="34" charset="-128"/>
+                <a:ea typeface="Arial Unicode MS" panose="020B0604020202020204" pitchFamily="34" charset="-128"/>
               </a:rPr>
               <a:t>Large Language Model (LLM) </a:t>
             </a:r>
             <a:r>
-              <a:rPr kumimoji="1" lang="en-US" altLang="ko-KR" sz="1200" dirty="0"/>
+              <a:rPr kumimoji="1" lang="en-US" altLang="ko-KR" sz="1200" dirty="0">
+                <a:latin typeface="Arial Unicode MS" panose="020B0604020202020204" pitchFamily="34" charset="-128"/>
+                <a:ea typeface="Arial Unicode MS" panose="020B0604020202020204" pitchFamily="34" charset="-128"/>
+              </a:rPr>
               <a:t>– The machine learning model that will generate a response based on the context and prompt it’s given</a:t>
             </a:r>
             <a:endParaRPr kumimoji="1" lang="ko-KR" altLang="en-US" sz="1200" dirty="0">
               <a:solidFill>
                 <a:srgbClr val="FF0000"/>
               </a:solidFill>
+              <a:latin typeface="Arial Unicode MS" panose="020B0604020202020204" pitchFamily="34" charset="-128"/>
+              <a:ea typeface="Arial Unicode MS" panose="020B0604020202020204" pitchFamily="34" charset="-128"/>
             </a:endParaRPr>
           </a:p>
         </p:txBody>
@@ -5126,17 +7077,24 @@
                 <a:solidFill>
                   <a:srgbClr val="C00000"/>
                 </a:solidFill>
+                <a:latin typeface="Arial Unicode MS" panose="020B0604020202020204" pitchFamily="34" charset="-128"/>
+                <a:ea typeface="Arial Unicode MS" panose="020B0604020202020204" pitchFamily="34" charset="-128"/>
               </a:rPr>
               <a:t>Prompting Method </a:t>
             </a:r>
             <a:r>
-              <a:rPr kumimoji="1" lang="en-US" altLang="ko-KR" sz="1200" dirty="0"/>
+              <a:rPr kumimoji="1" lang="en-US" altLang="ko-KR" sz="1200" dirty="0">
+                <a:latin typeface="Arial Unicode MS" panose="020B0604020202020204" pitchFamily="34" charset="-128"/>
+                <a:ea typeface="Arial Unicode MS" panose="020B0604020202020204" pitchFamily="34" charset="-128"/>
+              </a:rPr>
               <a:t>– The technique or method used to present the context to the language model. This also includes chaining different prompts together</a:t>
             </a:r>
             <a:endParaRPr kumimoji="1" lang="ko-KR" altLang="en-US" sz="1200" dirty="0">
               <a:solidFill>
                 <a:srgbClr val="FF0000"/>
               </a:solidFill>
+              <a:latin typeface="Arial Unicode MS" panose="020B0604020202020204" pitchFamily="34" charset="-128"/>
+              <a:ea typeface="Arial Unicode MS" panose="020B0604020202020204" pitchFamily="34" charset="-128"/>
             </a:endParaRPr>
           </a:p>
         </p:txBody>
@@ -5174,17 +7132,24 @@
                 <a:solidFill>
                   <a:srgbClr val="C00000"/>
                 </a:solidFill>
+                <a:latin typeface="Arial Unicode MS" panose="020B0604020202020204" pitchFamily="34" charset="-128"/>
+                <a:ea typeface="Arial Unicode MS" panose="020B0604020202020204" pitchFamily="34" charset="-128"/>
               </a:rPr>
               <a:t>Response </a:t>
             </a:r>
             <a:r>
-              <a:rPr kumimoji="1" lang="en-US" altLang="ko-KR" sz="1200" dirty="0"/>
+              <a:rPr kumimoji="1" lang="en-US" altLang="ko-KR" sz="1200" dirty="0">
+                <a:latin typeface="Arial Unicode MS" panose="020B0604020202020204" pitchFamily="34" charset="-128"/>
+                <a:ea typeface="Arial Unicode MS" panose="020B0604020202020204" pitchFamily="34" charset="-128"/>
+              </a:rPr>
               <a:t>– The final answer or output generated by the language model based on the context and prompting method</a:t>
             </a:r>
             <a:endParaRPr kumimoji="1" lang="ko-KR" altLang="en-US" sz="1200" dirty="0">
               <a:solidFill>
                 <a:srgbClr val="FF0000"/>
               </a:solidFill>
+              <a:latin typeface="Arial Unicode MS" panose="020B0604020202020204" pitchFamily="34" charset="-128"/>
+              <a:ea typeface="Arial Unicode MS" panose="020B0604020202020204" pitchFamily="34" charset="-128"/>
             </a:endParaRPr>
           </a:p>
         </p:txBody>
@@ -5248,10 +7213,16 @@
           <a:lstStyle/>
           <a:p>
             <a:r>
-              <a:rPr kumimoji="1" lang="en-US" altLang="ko-KR" dirty="0"/>
+              <a:rPr kumimoji="1" lang="en-US" altLang="ko-KR" dirty="0">
+                <a:latin typeface="Arial Unicode MS" panose="020B0604020202020204" pitchFamily="34" charset="-128"/>
+                <a:ea typeface="Arial Unicode MS" panose="020B0604020202020204" pitchFamily="34" charset="-128"/>
+              </a:rPr>
               <a:t>Retrieval Inventory</a:t>
             </a:r>
-            <a:endParaRPr kumimoji="1" lang="ko-KR" altLang="en-US" dirty="0"/>
+            <a:endParaRPr kumimoji="1" lang="ko-KR" altLang="en-US" dirty="0">
+              <a:latin typeface="Arial Unicode MS" panose="020B0604020202020204" pitchFamily="34" charset="-128"/>
+              <a:ea typeface="Arial Unicode MS" panose="020B0604020202020204" pitchFamily="34" charset="-128"/>
+            </a:endParaRPr>
           </a:p>
         </p:txBody>
       </p:sp>
@@ -5284,10 +7255,16 @@
           <a:lstStyle/>
           <a:p>
             <a:r>
-              <a:rPr kumimoji="1" lang="en-US" altLang="ko-KR" dirty="0"/>
+              <a:rPr kumimoji="1" lang="en-US" altLang="ko-KR" dirty="0">
+                <a:latin typeface="Arial Unicode MS" panose="020B0604020202020204" pitchFamily="34" charset="-128"/>
+                <a:ea typeface="Arial Unicode MS" panose="020B0604020202020204" pitchFamily="34" charset="-128"/>
+              </a:rPr>
               <a:t>Full Stack Retrieval - Inventory</a:t>
             </a:r>
-            <a:endParaRPr kumimoji="1" lang="ko-KR" altLang="en-US" dirty="0"/>
+            <a:endParaRPr kumimoji="1" lang="ko-KR" altLang="en-US" dirty="0">
+              <a:latin typeface="Arial Unicode MS" panose="020B0604020202020204" pitchFamily="34" charset="-128"/>
+              <a:ea typeface="Arial Unicode MS" panose="020B0604020202020204" pitchFamily="34" charset="-128"/>
+            </a:endParaRPr>
           </a:p>
         </p:txBody>
       </p:sp>
@@ -5380,10 +7357,16 @@
           <a:lstStyle/>
           <a:p>
             <a:r>
-              <a:rPr kumimoji="1" lang="en-US" altLang="ko-KR" dirty="0"/>
+              <a:rPr kumimoji="1" lang="en-US" altLang="ko-KR" dirty="0">
+                <a:latin typeface="Arial Unicode MS" panose="020B0604020202020204" pitchFamily="34" charset="-128"/>
+                <a:ea typeface="Arial Unicode MS" panose="020B0604020202020204" pitchFamily="34" charset="-128"/>
+              </a:rPr>
               <a:t>Retrieval Inventory</a:t>
             </a:r>
-            <a:endParaRPr kumimoji="1" lang="ko-KR" altLang="en-US" dirty="0"/>
+            <a:endParaRPr kumimoji="1" lang="ko-KR" altLang="en-US" dirty="0">
+              <a:latin typeface="Arial Unicode MS" panose="020B0604020202020204" pitchFamily="34" charset="-128"/>
+              <a:ea typeface="Arial Unicode MS" panose="020B0604020202020204" pitchFamily="34" charset="-128"/>
+            </a:endParaRPr>
           </a:p>
         </p:txBody>
       </p:sp>
@@ -5425,11 +7408,16 @@
                 <a:solidFill>
                   <a:srgbClr val="C00000"/>
                 </a:solidFill>
+                <a:latin typeface="Arial Unicode MS" panose="020B0604020202020204" pitchFamily="34" charset="-128"/>
+                <a:ea typeface="Arial Unicode MS" panose="020B0604020202020204" pitchFamily="34" charset="-128"/>
               </a:rPr>
               <a:t>Query Transformation </a:t>
             </a:r>
             <a:r>
-              <a:rPr kumimoji="1" lang="en-US" altLang="ko-KR" sz="1200" dirty="0"/>
+              <a:rPr kumimoji="1" lang="en-US" altLang="ko-KR" sz="1200" dirty="0">
+                <a:latin typeface="Arial Unicode MS" panose="020B0604020202020204" pitchFamily="34" charset="-128"/>
+                <a:ea typeface="Arial Unicode MS" panose="020B0604020202020204" pitchFamily="34" charset="-128"/>
+              </a:rPr>
               <a:t>– Augment, structure, or enhance your input query</a:t>
             </a:r>
           </a:p>
@@ -5443,17 +7431,24 @@
                 <a:solidFill>
                   <a:srgbClr val="00B050"/>
                 </a:solidFill>
+                <a:latin typeface="Arial Unicode MS" panose="020B0604020202020204" pitchFamily="34" charset="-128"/>
+                <a:ea typeface="Arial Unicode MS" panose="020B0604020202020204" pitchFamily="34" charset="-128"/>
               </a:rPr>
               <a:t>Multi-Query </a:t>
             </a:r>
             <a:r>
-              <a:rPr kumimoji="1" lang="en-US" altLang="ko-KR" sz="1200" dirty="0"/>
+              <a:rPr kumimoji="1" lang="en-US" altLang="ko-KR" sz="1200" dirty="0">
+                <a:latin typeface="Arial Unicode MS" panose="020B0604020202020204" pitchFamily="34" charset="-128"/>
+                <a:ea typeface="Arial Unicode MS" panose="020B0604020202020204" pitchFamily="34" charset="-128"/>
+              </a:rPr>
               <a:t>– Generate additional questions/queries based on your original query to return more holistic documents</a:t>
             </a:r>
             <a:endParaRPr kumimoji="1" lang="ko-KR" altLang="en-US" sz="1200" dirty="0">
               <a:solidFill>
                 <a:srgbClr val="00B050"/>
               </a:solidFill>
+              <a:latin typeface="Arial Unicode MS" panose="020B0604020202020204" pitchFamily="34" charset="-128"/>
+              <a:ea typeface="Arial Unicode MS" panose="020B0604020202020204" pitchFamily="34" charset="-128"/>
             </a:endParaRPr>
           </a:p>
         </p:txBody>
@@ -5496,11 +7491,16 @@
                 <a:solidFill>
                   <a:srgbClr val="C00000"/>
                 </a:solidFill>
+                <a:latin typeface="Arial Unicode MS" panose="020B0604020202020204" pitchFamily="34" charset="-128"/>
+                <a:ea typeface="Arial Unicode MS" panose="020B0604020202020204" pitchFamily="34" charset="-128"/>
               </a:rPr>
               <a:t>Index </a:t>
             </a:r>
             <a:r>
-              <a:rPr kumimoji="1" lang="en-US" altLang="ko-KR" sz="1200" dirty="0"/>
+              <a:rPr kumimoji="1" lang="en-US" altLang="ko-KR" sz="1200" dirty="0">
+                <a:latin typeface="Arial Unicode MS" panose="020B0604020202020204" pitchFamily="34" charset="-128"/>
+                <a:ea typeface="Arial Unicode MS" panose="020B0604020202020204" pitchFamily="34" charset="-128"/>
+              </a:rPr>
               <a:t>– Adjust your data structures and associations</a:t>
             </a:r>
           </a:p>
@@ -5514,11 +7514,16 @@
                 <a:solidFill>
                   <a:srgbClr val="00B050"/>
                 </a:solidFill>
+                <a:latin typeface="Arial Unicode MS" panose="020B0604020202020204" pitchFamily="34" charset="-128"/>
+                <a:ea typeface="Arial Unicode MS" panose="020B0604020202020204" pitchFamily="34" charset="-128"/>
               </a:rPr>
               <a:t>Multi-Vector </a:t>
             </a:r>
             <a:r>
-              <a:rPr kumimoji="1" lang="en-US" altLang="ko-KR" sz="1200" dirty="0"/>
+              <a:rPr kumimoji="1" lang="en-US" altLang="ko-KR" sz="1200" dirty="0">
+                <a:latin typeface="Arial Unicode MS" panose="020B0604020202020204" pitchFamily="34" charset="-128"/>
+                <a:ea typeface="Arial Unicode MS" panose="020B0604020202020204" pitchFamily="34" charset="-128"/>
+              </a:rPr>
               <a:t>– In addition to you’re the normal embeddings of your documents it is sometimes helpful to have multiple alternative embeddings per document. These can include embeddings of summary, hypothetical questions, or any other custom text</a:t>
             </a:r>
           </a:p>
@@ -5532,17 +7537,24 @@
                 <a:solidFill>
                   <a:srgbClr val="00B050"/>
                 </a:solidFill>
+                <a:latin typeface="Arial Unicode MS" panose="020B0604020202020204" pitchFamily="34" charset="-128"/>
+                <a:ea typeface="Arial Unicode MS" panose="020B0604020202020204" pitchFamily="34" charset="-128"/>
               </a:rPr>
               <a:t>Parent Document Retriever </a:t>
             </a:r>
             <a:r>
-              <a:rPr kumimoji="1" lang="en-US" altLang="ko-KR" sz="1200" dirty="0"/>
+              <a:rPr kumimoji="1" lang="en-US" altLang="ko-KR" sz="1200" dirty="0">
+                <a:latin typeface="Arial Unicode MS" panose="020B0604020202020204" pitchFamily="34" charset="-128"/>
+                <a:ea typeface="Arial Unicode MS" panose="020B0604020202020204" pitchFamily="34" charset="-128"/>
+              </a:rPr>
               <a:t>– A version of multi-vector where large chunks are further split up into smaller(child) chunks</a:t>
             </a:r>
             <a:endParaRPr kumimoji="1" lang="ko-KR" altLang="en-US" sz="1200" dirty="0">
               <a:solidFill>
                 <a:srgbClr val="00B050"/>
               </a:solidFill>
+              <a:latin typeface="Arial Unicode MS" panose="020B0604020202020204" pitchFamily="34" charset="-128"/>
+              <a:ea typeface="Arial Unicode MS" panose="020B0604020202020204" pitchFamily="34" charset="-128"/>
             </a:endParaRPr>
           </a:p>
         </p:txBody>
@@ -5585,11 +7597,16 @@
                 <a:solidFill>
                   <a:srgbClr val="C00000"/>
                 </a:solidFill>
+                <a:latin typeface="Arial Unicode MS" panose="020B0604020202020204" pitchFamily="34" charset="-128"/>
+                <a:ea typeface="Arial Unicode MS" panose="020B0604020202020204" pitchFamily="34" charset="-128"/>
               </a:rPr>
               <a:t>Retrieval Methods </a:t>
             </a:r>
             <a:r>
-              <a:rPr kumimoji="1" lang="en-US" altLang="ko-KR" sz="1200" dirty="0"/>
+              <a:rPr kumimoji="1" lang="en-US" altLang="ko-KR" sz="1200" dirty="0">
+                <a:latin typeface="Arial Unicode MS" panose="020B0604020202020204" pitchFamily="34" charset="-128"/>
+                <a:ea typeface="Arial Unicode MS" panose="020B0604020202020204" pitchFamily="34" charset="-128"/>
+              </a:rPr>
               <a:t>– The method in which you pull documents out of your knowledge base</a:t>
             </a:r>
           </a:p>
@@ -5603,11 +7620,16 @@
                 <a:solidFill>
                   <a:srgbClr val="00B050"/>
                 </a:solidFill>
+                <a:latin typeface="Arial Unicode MS" panose="020B0604020202020204" pitchFamily="34" charset="-128"/>
+                <a:ea typeface="Arial Unicode MS" panose="020B0604020202020204" pitchFamily="34" charset="-128"/>
               </a:rPr>
               <a:t>Top-K Similarity Search </a:t>
             </a:r>
             <a:r>
-              <a:rPr kumimoji="1" lang="en-US" altLang="ko-KR" sz="1200" dirty="0"/>
+              <a:rPr kumimoji="1" lang="en-US" altLang="ko-KR" sz="1200" dirty="0">
+                <a:latin typeface="Arial Unicode MS" panose="020B0604020202020204" pitchFamily="34" charset="-128"/>
+                <a:ea typeface="Arial Unicode MS" panose="020B0604020202020204" pitchFamily="34" charset="-128"/>
+              </a:rPr>
               <a:t>– Select the top K similar documents that match your query from your vector store. </a:t>
             </a:r>
           </a:p>
@@ -5621,17 +7643,24 @@
                 <a:solidFill>
                   <a:srgbClr val="00B050"/>
                 </a:solidFill>
+                <a:latin typeface="Arial Unicode MS" panose="020B0604020202020204" pitchFamily="34" charset="-128"/>
+                <a:ea typeface="Arial Unicode MS" panose="020B0604020202020204" pitchFamily="34" charset="-128"/>
               </a:rPr>
               <a:t>Maximum Marginal Relevance (MMR) </a:t>
             </a:r>
             <a:r>
-              <a:rPr kumimoji="1" lang="en-US" altLang="ko-KR" sz="1200" dirty="0"/>
+              <a:rPr kumimoji="1" lang="en-US" altLang="ko-KR" sz="1200" dirty="0">
+                <a:latin typeface="Arial Unicode MS" panose="020B0604020202020204" pitchFamily="34" charset="-128"/>
+                <a:ea typeface="Arial Unicode MS" panose="020B0604020202020204" pitchFamily="34" charset="-128"/>
+              </a:rPr>
               <a:t>– Return similar but diverse documents. Great for when you’d like to remove redundancy in your context</a:t>
             </a:r>
             <a:endParaRPr kumimoji="1" lang="ko-KR" altLang="en-US" sz="1200" dirty="0">
               <a:solidFill>
                 <a:srgbClr val="00B050"/>
               </a:solidFill>
+              <a:latin typeface="Arial Unicode MS" panose="020B0604020202020204" pitchFamily="34" charset="-128"/>
+              <a:ea typeface="Arial Unicode MS" panose="020B0604020202020204" pitchFamily="34" charset="-128"/>
             </a:endParaRPr>
           </a:p>
         </p:txBody>
@@ -5651,7 +7680,7 @@
         <p:spPr>
           <a:xfrm>
             <a:off x="191594" y="3847905"/>
-            <a:ext cx="10909994" cy="738664"/>
+            <a:ext cx="10909994" cy="553998"/>
           </a:xfrm>
           <a:prstGeom prst="rect">
             <a:avLst/>
@@ -5674,11 +7703,16 @@
                 <a:solidFill>
                   <a:srgbClr val="C00000"/>
                 </a:solidFill>
+                <a:latin typeface="Arial Unicode MS" panose="020B0604020202020204" pitchFamily="34" charset="-128"/>
+                <a:ea typeface="Arial Unicode MS" panose="020B0604020202020204" pitchFamily="34" charset="-128"/>
               </a:rPr>
               <a:t>Document Transform </a:t>
             </a:r>
             <a:r>
-              <a:rPr kumimoji="1" lang="en-US" altLang="ko-KR" sz="1200" dirty="0"/>
+              <a:rPr kumimoji="1" lang="en-US" altLang="ko-KR" sz="1200" dirty="0">
+                <a:latin typeface="Arial Unicode MS" panose="020B0604020202020204" pitchFamily="34" charset="-128"/>
+                <a:ea typeface="Arial Unicode MS" panose="020B0604020202020204" pitchFamily="34" charset="-128"/>
+              </a:rPr>
               <a:t>– Transform your documents before using them as context with your LLM</a:t>
             </a:r>
           </a:p>
@@ -5692,25 +7726,38 @@
                 <a:solidFill>
                   <a:srgbClr val="00B050"/>
                 </a:solidFill>
+                <a:latin typeface="Arial Unicode MS" panose="020B0604020202020204" pitchFamily="34" charset="-128"/>
+                <a:ea typeface="Arial Unicode MS" panose="020B0604020202020204" pitchFamily="34" charset="-128"/>
               </a:rPr>
               <a:t>Contextual Compression </a:t>
             </a:r>
             <a:r>
-              <a:rPr kumimoji="1" lang="en-US" altLang="ko-KR" sz="1200" dirty="0"/>
+              <a:rPr kumimoji="1" lang="en-US" altLang="ko-KR" sz="1200" dirty="0">
+                <a:latin typeface="Arial Unicode MS" panose="020B0604020202020204" pitchFamily="34" charset="-128"/>
+                <a:ea typeface="Arial Unicode MS" panose="020B0604020202020204" pitchFamily="34" charset="-128"/>
+              </a:rPr>
               <a:t>– Extract contextually relevant information from your retrieved docs. Generally used to try and to increase </a:t>
             </a:r>
             <a:r>
-              <a:rPr kumimoji="1" lang="en-US" altLang="ko-KR" sz="1200" dirty="0" err="1"/>
+              <a:rPr kumimoji="1" lang="en-US" altLang="ko-KR" sz="1200" dirty="0" err="1">
+                <a:latin typeface="Arial Unicode MS" panose="020B0604020202020204" pitchFamily="34" charset="-128"/>
+                <a:ea typeface="Arial Unicode MS" panose="020B0604020202020204" pitchFamily="34" charset="-128"/>
+              </a:rPr>
               <a:t>signal:noise</a:t>
             </a:r>
             <a:r>
-              <a:rPr kumimoji="1" lang="en-US" altLang="ko-KR" sz="1200" dirty="0"/>
+              <a:rPr kumimoji="1" lang="en-US" altLang="ko-KR" sz="1200" dirty="0">
+                <a:latin typeface="Arial Unicode MS" panose="020B0604020202020204" pitchFamily="34" charset="-128"/>
+                <a:ea typeface="Arial Unicode MS" panose="020B0604020202020204" pitchFamily="34" charset="-128"/>
+              </a:rPr>
               <a:t> ratio</a:t>
             </a:r>
             <a:endParaRPr kumimoji="1" lang="ko-KR" altLang="en-US" sz="1200" dirty="0">
               <a:solidFill>
                 <a:srgbClr val="00B050"/>
               </a:solidFill>
+              <a:latin typeface="Arial Unicode MS" panose="020B0604020202020204" pitchFamily="34" charset="-128"/>
+              <a:ea typeface="Arial Unicode MS" panose="020B0604020202020204" pitchFamily="34" charset="-128"/>
             </a:endParaRPr>
           </a:p>
         </p:txBody>
@@ -5744,13 +7791,18 @@
           <a:lstStyle/>
           <a:p>
             <a:r>
-              <a:rPr kumimoji="1" lang="en-US" altLang="ko-KR" sz="1200" dirty="0"/>
+              <a:rPr kumimoji="1" lang="en-US" altLang="ko-KR" sz="1200" dirty="0">
+                <a:latin typeface="Arial Unicode MS" panose="020B0604020202020204" pitchFamily="34" charset="-128"/>
+                <a:ea typeface="Arial Unicode MS" panose="020B0604020202020204" pitchFamily="34" charset="-128"/>
+              </a:rPr>
               <a:t>Below is a list of various retrieval techniques and resources grouped by which part of the stack they influence</a:t>
             </a:r>
             <a:endParaRPr kumimoji="1" lang="ko-KR" altLang="en-US" sz="1200" dirty="0">
               <a:solidFill>
                 <a:srgbClr val="FF0000"/>
               </a:solidFill>
+              <a:latin typeface="Arial Unicode MS" panose="020B0604020202020204" pitchFamily="34" charset="-128"/>
+              <a:ea typeface="Arial Unicode MS" panose="020B0604020202020204" pitchFamily="34" charset="-128"/>
             </a:endParaRPr>
           </a:p>
         </p:txBody>
@@ -5861,10 +7913,16 @@
           <a:lstStyle/>
           <a:p>
             <a:r>
-              <a:rPr kumimoji="1" lang="en-US" altLang="ko-KR" dirty="0"/>
+              <a:rPr kumimoji="1" lang="en-US" altLang="ko-KR" dirty="0">
+                <a:latin typeface="Arial Unicode MS" panose="020B0604020202020204" pitchFamily="34" charset="-128"/>
+                <a:ea typeface="Arial Unicode MS" panose="020B0604020202020204" pitchFamily="34" charset="-128"/>
+              </a:rPr>
               <a:t>Query Transformation</a:t>
             </a:r>
-            <a:endParaRPr kumimoji="1" lang="ko-KR" altLang="en-US" dirty="0"/>
+            <a:endParaRPr kumimoji="1" lang="ko-KR" altLang="en-US" dirty="0">
+              <a:latin typeface="Arial Unicode MS" panose="020B0604020202020204" pitchFamily="34" charset="-128"/>
+              <a:ea typeface="Arial Unicode MS" panose="020B0604020202020204" pitchFamily="34" charset="-128"/>
+            </a:endParaRPr>
           </a:p>
         </p:txBody>
       </p:sp>
@@ -5883,7 +7941,7 @@
         <p:spPr>
           <a:xfrm>
             <a:off x="77274" y="541531"/>
-            <a:ext cx="1512337" cy="369332"/>
+            <a:ext cx="1377300" cy="369332"/>
           </a:xfrm>
           <a:prstGeom prst="rect">
             <a:avLst/>
@@ -5897,10 +7955,16 @@
           <a:lstStyle/>
           <a:p>
             <a:r>
-              <a:rPr kumimoji="1" lang="en-US" altLang="ko-KR" dirty="0"/>
+              <a:rPr kumimoji="1" lang="en-US" altLang="ko-KR" dirty="0">
+                <a:latin typeface="Arial Unicode MS" panose="020B0604020202020204" pitchFamily="34" charset="-128"/>
+                <a:ea typeface="Arial Unicode MS" panose="020B0604020202020204" pitchFamily="34" charset="-128"/>
+              </a:rPr>
               <a:t>Multi-Query</a:t>
             </a:r>
-            <a:endParaRPr kumimoji="1" lang="ko-KR" altLang="en-US" dirty="0"/>
+            <a:endParaRPr kumimoji="1" lang="ko-KR" altLang="en-US" dirty="0">
+              <a:latin typeface="Arial Unicode MS" panose="020B0604020202020204" pitchFamily="34" charset="-128"/>
+              <a:ea typeface="Arial Unicode MS" panose="020B0604020202020204" pitchFamily="34" charset="-128"/>
+            </a:endParaRPr>
           </a:p>
         </p:txBody>
       </p:sp>
@@ -5934,11 +7998,13 @@
           <a:p>
             <a:pPr algn="l"/>
             <a:r>
-              <a:rPr lang="en" altLang="ko-KR" sz="1200" i="0" dirty="0">
+              <a:rPr lang="en" altLang="ko-KR" sz="1200" dirty="0">
                 <a:solidFill>
                   <a:srgbClr val="00B050"/>
                 </a:solidFill>
                 <a:effectLst/>
+                <a:latin typeface="Arial Unicode MS" panose="020B0604020202020204" pitchFamily="34" charset="-128"/>
+                <a:ea typeface="Arial Unicode MS" panose="020B0604020202020204" pitchFamily="34" charset="-128"/>
               </a:rPr>
               <a:t>Why is this helpful?</a:t>
             </a:r>
@@ -5946,32 +8012,38 @@
           <a:p>
             <a:pPr algn="l"/>
             <a:r>
-              <a:rPr lang="en" altLang="ko-KR" sz="1200" b="0" i="0" dirty="0">
+              <a:rPr lang="en" altLang="ko-KR" sz="1200" dirty="0">
                 <a:solidFill>
                   <a:srgbClr val="1C1E21"/>
                 </a:solidFill>
                 <a:effectLst/>
+                <a:latin typeface="Arial Unicode MS" panose="020B0604020202020204" pitchFamily="34" charset="-128"/>
+                <a:ea typeface="Arial Unicode MS" panose="020B0604020202020204" pitchFamily="34" charset="-128"/>
               </a:rPr>
               <a:t>Generally builders will use Multi-Query for two main reasons: Enhance a suboptimal query &amp; Expand a results set</a:t>
             </a:r>
           </a:p>
           <a:p>
             <a:pPr algn="l"/>
-            <a:endParaRPr lang="en" altLang="ko-KR" sz="1200" b="0" i="0" dirty="0">
+            <a:endParaRPr lang="en" altLang="ko-KR" sz="1200" dirty="0">
               <a:solidFill>
                 <a:srgbClr val="1C1E21"/>
               </a:solidFill>
               <a:effectLst/>
-            </a:endParaRPr>
-          </a:p>
-          <a:p>
-            <a:pPr algn="l"/>
-            <a:r>
-              <a:rPr lang="en" altLang="ko-KR" sz="1200" i="0" dirty="0">
+              <a:latin typeface="Arial Unicode MS" panose="020B0604020202020204" pitchFamily="34" charset="-128"/>
+              <a:ea typeface="Arial Unicode MS" panose="020B0604020202020204" pitchFamily="34" charset="-128"/>
+            </a:endParaRPr>
+          </a:p>
+          <a:p>
+            <a:pPr algn="l"/>
+            <a:r>
+              <a:rPr lang="en" altLang="ko-KR" sz="1200" dirty="0">
                 <a:solidFill>
                   <a:srgbClr val="00B050"/>
                 </a:solidFill>
                 <a:effectLst/>
+                <a:latin typeface="Arial Unicode MS" panose="020B0604020202020204" pitchFamily="34" charset="-128"/>
+                <a:ea typeface="Arial Unicode MS" panose="020B0604020202020204" pitchFamily="34" charset="-128"/>
               </a:rPr>
               <a:t>Enhance a suboptimal query</a:t>
             </a:r>
@@ -5979,29 +8051,35 @@
           <a:p>
             <a:pPr algn="l"/>
             <a:r>
-              <a:rPr lang="en" altLang="ko-KR" sz="1200" b="0" i="0" dirty="0">
+              <a:rPr lang="en" altLang="ko-KR" sz="1200" dirty="0">
                 <a:solidFill>
                   <a:srgbClr val="1C1E21"/>
                 </a:solidFill>
                 <a:effectLst/>
+                <a:latin typeface="Arial Unicode MS" panose="020B0604020202020204" pitchFamily="34" charset="-128"/>
+                <a:ea typeface="Arial Unicode MS" panose="020B0604020202020204" pitchFamily="34" charset="-128"/>
               </a:rPr>
               <a:t>Users don't always give the best queries</a:t>
             </a:r>
             <a:r>
-              <a:rPr lang="ko-KR" altLang="en-US" sz="1200" b="0" i="0" dirty="0">
+              <a:rPr lang="ko-KR" altLang="en-US" sz="1200" dirty="0">
                 <a:solidFill>
                   <a:srgbClr val="1C1E21"/>
                 </a:solidFill>
                 <a:effectLst/>
+                <a:latin typeface="Arial Unicode MS" panose="020B0604020202020204" pitchFamily="34" charset="-128"/>
+                <a:ea typeface="Arial Unicode MS" panose="020B0604020202020204" pitchFamily="34" charset="-128"/>
               </a:rPr>
               <a:t> </a:t>
             </a:r>
             <a:r>
-              <a:rPr lang="en" altLang="ko-KR" sz="1200" b="0" i="0" dirty="0">
+              <a:rPr lang="en" altLang="ko-KR" sz="1200" dirty="0">
                 <a:solidFill>
                   <a:srgbClr val="1C1E21"/>
                 </a:solidFill>
                 <a:effectLst/>
+                <a:latin typeface="Arial Unicode MS" panose="020B0604020202020204" pitchFamily="34" charset="-128"/>
+                <a:ea typeface="Arial Unicode MS" panose="020B0604020202020204" pitchFamily="34" charset="-128"/>
               </a:rPr>
               <a:t>- They are just trying to user your product, not construct the perfect query.</a:t>
             </a:r>
@@ -6009,32 +8087,38 @@
           <a:p>
             <a:pPr algn="l"/>
             <a:r>
-              <a:rPr lang="en" altLang="ko-KR" sz="1200" b="0" i="0" dirty="0">
+              <a:rPr lang="en" altLang="ko-KR" sz="1200" dirty="0">
                 <a:solidFill>
                   <a:srgbClr val="1C1E21"/>
                 </a:solidFill>
                 <a:effectLst/>
+                <a:latin typeface="Arial Unicode MS" panose="020B0604020202020204" pitchFamily="34" charset="-128"/>
+                <a:ea typeface="Arial Unicode MS" panose="020B0604020202020204" pitchFamily="34" charset="-128"/>
               </a:rPr>
               <a:t>To help with this, we turn to the multi-query method to help us fill in any gaps to a users query.</a:t>
             </a:r>
           </a:p>
           <a:p>
             <a:pPr algn="l"/>
-            <a:endParaRPr lang="en" altLang="ko-KR" sz="1200" b="1" i="0" dirty="0">
+            <a:endParaRPr lang="en" altLang="ko-KR" sz="1200" dirty="0">
               <a:solidFill>
                 <a:srgbClr val="1C1E21"/>
               </a:solidFill>
               <a:effectLst/>
-            </a:endParaRPr>
-          </a:p>
-          <a:p>
-            <a:pPr algn="l"/>
-            <a:r>
-              <a:rPr lang="en" altLang="ko-KR" sz="1200" i="0" dirty="0">
+              <a:latin typeface="Arial Unicode MS" panose="020B0604020202020204" pitchFamily="34" charset="-128"/>
+              <a:ea typeface="Arial Unicode MS" panose="020B0604020202020204" pitchFamily="34" charset="-128"/>
+            </a:endParaRPr>
+          </a:p>
+          <a:p>
+            <a:pPr algn="l"/>
+            <a:r>
+              <a:rPr lang="en" altLang="ko-KR" sz="1200" dirty="0">
                 <a:solidFill>
                   <a:srgbClr val="00B050"/>
                 </a:solidFill>
                 <a:effectLst/>
+                <a:latin typeface="Arial Unicode MS" panose="020B0604020202020204" pitchFamily="34" charset="-128"/>
+                <a:ea typeface="Arial Unicode MS" panose="020B0604020202020204" pitchFamily="34" charset="-128"/>
               </a:rPr>
               <a:t>Expand a results set</a:t>
             </a:r>
@@ -6042,11 +8126,13 @@
           <a:p>
             <a:pPr algn="l"/>
             <a:r>
-              <a:rPr lang="en" altLang="ko-KR" sz="1200" b="0" i="0" dirty="0">
+              <a:rPr lang="en" altLang="ko-KR" sz="1200" dirty="0">
                 <a:solidFill>
                   <a:srgbClr val="1C1E21"/>
                 </a:solidFill>
                 <a:effectLst/>
+                <a:latin typeface="Arial Unicode MS" panose="020B0604020202020204" pitchFamily="34" charset="-128"/>
+                <a:ea typeface="Arial Unicode MS" panose="020B0604020202020204" pitchFamily="34" charset="-128"/>
               </a:rPr>
               <a:t>With multiple queries, you'll likely get more results back from your database. The aim of multi-query is to have an expanded results sets which might be able to answer questions better than docs from a single query.</a:t>
             </a:r>
@@ -6054,18 +8140,26 @@
           <a:p>
             <a:pPr algn="l"/>
             <a:r>
-              <a:rPr lang="en" altLang="ko-KR" sz="1200" b="0" i="0" dirty="0">
+              <a:rPr lang="en" altLang="ko-KR" sz="1200" dirty="0">
                 <a:solidFill>
                   <a:srgbClr val="1C1E21"/>
                 </a:solidFill>
                 <a:effectLst/>
+                <a:latin typeface="Arial Unicode MS" panose="020B0604020202020204" pitchFamily="34" charset="-128"/>
+                <a:ea typeface="Arial Unicode MS" panose="020B0604020202020204" pitchFamily="34" charset="-128"/>
               </a:rPr>
               <a:t>These results will be deduplicated (in case the same document comes back multiple times) and then used as context in your final prompt.</a:t>
             </a:r>
             <a:br>
-              <a:rPr lang="en" altLang="ko-KR" sz="1200" dirty="0"/>
+              <a:rPr lang="en" altLang="ko-KR" sz="1200" dirty="0">
+                <a:latin typeface="Arial Unicode MS" panose="020B0604020202020204" pitchFamily="34" charset="-128"/>
+                <a:ea typeface="Arial Unicode MS" panose="020B0604020202020204" pitchFamily="34" charset="-128"/>
+              </a:rPr>
             </a:br>
-            <a:endParaRPr kumimoji="1" lang="ko-KR" altLang="en-US" sz="1200" dirty="0"/>
+            <a:endParaRPr kumimoji="1" lang="ko-KR" altLang="en-US" sz="1200" dirty="0">
+              <a:latin typeface="Arial Unicode MS" panose="020B0604020202020204" pitchFamily="34" charset="-128"/>
+              <a:ea typeface="Arial Unicode MS" panose="020B0604020202020204" pitchFamily="34" charset="-128"/>
+            </a:endParaRPr>
           </a:p>
         </p:txBody>
       </p:sp>
@@ -6161,7 +8255,7 @@
         <p:spPr>
           <a:xfrm>
             <a:off x="77274" y="45076"/>
-            <a:ext cx="2629310" cy="369332"/>
+            <a:ext cx="2492990" cy="369332"/>
           </a:xfrm>
           <a:prstGeom prst="rect">
             <a:avLst/>
@@ -6175,10 +8269,16 @@
           <a:lstStyle/>
           <a:p>
             <a:r>
-              <a:rPr kumimoji="1" lang="en-US" altLang="ko-KR" dirty="0"/>
+              <a:rPr kumimoji="1" lang="en-US" altLang="ko-KR" dirty="0">
+                <a:latin typeface="Arial Unicode MS" panose="020B0604020202020204" pitchFamily="34" charset="-128"/>
+                <a:ea typeface="Arial Unicode MS" panose="020B0604020202020204" pitchFamily="34" charset="-128"/>
+              </a:rPr>
               <a:t>Indexing - Multi-Vector</a:t>
             </a:r>
-            <a:endParaRPr kumimoji="1" lang="ko-KR" altLang="en-US" dirty="0"/>
+            <a:endParaRPr kumimoji="1" lang="ko-KR" altLang="en-US" dirty="0">
+              <a:latin typeface="Arial Unicode MS" panose="020B0604020202020204" pitchFamily="34" charset="-128"/>
+              <a:ea typeface="Arial Unicode MS" panose="020B0604020202020204" pitchFamily="34" charset="-128"/>
+            </a:endParaRPr>
           </a:p>
         </p:txBody>
       </p:sp>
@@ -6212,116 +8312,112 @@
           <a:p>
             <a:pPr algn="l"/>
             <a:r>
-              <a:rPr lang="en" altLang="ko-KR" sz="1600" i="0" dirty="0">
+              <a:rPr lang="en" altLang="ko-KR" sz="1600" dirty="0">
                 <a:solidFill>
                   <a:srgbClr val="00B050"/>
                 </a:solidFill>
                 <a:effectLst/>
+                <a:latin typeface="Arial Unicode MS" panose="020B0604020202020204" pitchFamily="34" charset="-128"/>
+                <a:ea typeface="Arial Unicode MS" panose="020B0604020202020204" pitchFamily="34" charset="-128"/>
               </a:rPr>
               <a:t>Overview</a:t>
             </a:r>
           </a:p>
           <a:p>
             <a:pPr algn="l"/>
-            <a:endParaRPr lang="en" altLang="ko-KR" sz="1200" i="0" dirty="0">
+            <a:endParaRPr lang="en" altLang="ko-KR" sz="1200" dirty="0">
               <a:solidFill>
                 <a:srgbClr val="00B050"/>
               </a:solidFill>
               <a:effectLst/>
-            </a:endParaRPr>
-          </a:p>
-          <a:p>
-            <a:pPr algn="l"/>
-            <a:r>
-              <a:rPr lang="en" altLang="ko-KR" sz="1400" b="0" i="1" dirty="0">
+              <a:latin typeface="Arial Unicode MS" panose="020B0604020202020204" pitchFamily="34" charset="-128"/>
+              <a:ea typeface="Arial Unicode MS" panose="020B0604020202020204" pitchFamily="34" charset="-128"/>
+            </a:endParaRPr>
+          </a:p>
+          <a:p>
+            <a:pPr algn="l"/>
+            <a:r>
+              <a:rPr lang="en" altLang="ko-KR" sz="1400" dirty="0">
                 <a:solidFill>
                   <a:srgbClr val="1C1E21"/>
                 </a:solidFill>
                 <a:effectLst/>
                 <a:latin typeface="system-ui"/>
+                <a:ea typeface="Arial Unicode MS" panose="020B0604020202020204" pitchFamily="34" charset="-128"/>
               </a:rPr>
               <a:t>Multi-Vector is an advanced method of the Indexing stage of retrieval</a:t>
             </a:r>
           </a:p>
           <a:p>
             <a:pPr algn="l"/>
-            <a:endParaRPr lang="en" altLang="ko-KR" sz="1400" b="0" i="0" dirty="0">
+            <a:endParaRPr lang="en" altLang="ko-KR" sz="1400" dirty="0">
               <a:solidFill>
                 <a:srgbClr val="1C1E21"/>
               </a:solidFill>
               <a:effectLst/>
               <a:latin typeface="system-ui"/>
-            </a:endParaRPr>
-          </a:p>
-          <a:p>
-            <a:pPr algn="l"/>
-            <a:r>
-              <a:rPr lang="en" altLang="ko-KR" sz="1400" b="0" i="0" dirty="0">
+              <a:ea typeface="Arial Unicode MS" panose="020B0604020202020204" pitchFamily="34" charset="-128"/>
+            </a:endParaRPr>
+          </a:p>
+          <a:p>
+            <a:pPr algn="l"/>
+            <a:r>
+              <a:rPr lang="en" altLang="ko-KR" sz="1400" dirty="0">
                 <a:solidFill>
                   <a:srgbClr val="1C1E21"/>
                 </a:solidFill>
                 <a:effectLst/>
                 <a:latin typeface="system-ui"/>
-              </a:rPr>
-              <a:t>Often times your raw, chunked, documents may </a:t>
-            </a:r>
-            <a:r>
-              <a:rPr lang="en" altLang="ko-KR" sz="1400" b="0" i="1" dirty="0">
+                <a:ea typeface="Arial Unicode MS" panose="020B0604020202020204" pitchFamily="34" charset="-128"/>
+              </a:rPr>
+              <a:t>Often times your raw, chunked, documents may not be the optimal text to get your embeddings from. It could be the case that an alternative text derived from your original documents would be better. This could include summaries, hypothetical questions, extractions, or child documents.</a:t>
+            </a:r>
+          </a:p>
+          <a:p>
+            <a:pPr algn="l"/>
+            <a:r>
+              <a:rPr lang="en" altLang="ko-KR" sz="1400" dirty="0">
                 <a:solidFill>
                   <a:srgbClr val="1C1E21"/>
                 </a:solidFill>
                 <a:effectLst/>
                 <a:latin typeface="system-ui"/>
-              </a:rPr>
-              <a:t>not</a:t>
-            </a:r>
-            <a:r>
-              <a:rPr lang="en" altLang="ko-KR" sz="1400" b="0" i="0" dirty="0">
-                <a:solidFill>
-                  <a:srgbClr val="1C1E21"/>
+                <a:ea typeface="Arial Unicode MS" panose="020B0604020202020204" pitchFamily="34" charset="-128"/>
+              </a:rPr>
+              <a:t>The goal of multi-vector retrieval is to have additional embeddings in your retrieval process which might more closely match your anticipated queries.</a:t>
+            </a:r>
+            <a:br>
+              <a:rPr lang="en" altLang="ko-KR" sz="1200" dirty="0">
+                <a:latin typeface="Arial Unicode MS" panose="020B0604020202020204" pitchFamily="34" charset="-128"/>
+                <a:ea typeface="Arial Unicode MS" panose="020B0604020202020204" pitchFamily="34" charset="-128"/>
+              </a:rPr>
+            </a:br>
+            <a:endParaRPr lang="en" altLang="ko-KR" sz="1200" dirty="0">
+              <a:latin typeface="Arial Unicode MS" panose="020B0604020202020204" pitchFamily="34" charset="-128"/>
+              <a:ea typeface="Arial Unicode MS" panose="020B0604020202020204" pitchFamily="34" charset="-128"/>
+            </a:endParaRPr>
+          </a:p>
+          <a:p>
+            <a:pPr algn="l"/>
+            <a:r>
+              <a:rPr lang="en" altLang="ko-KR" sz="1200" dirty="0">
+                <a:solidFill>
+                  <a:srgbClr val="00B050"/>
                 </a:solidFill>
                 <a:effectLst/>
                 <a:latin typeface="system-ui"/>
-              </a:rPr>
-              <a:t> be the optimal text to get your embeddings from. It could be the case that an alternative text derived from your original documents would be better. This could include summaries, hypothetical questions, extractions, or child documents.</a:t>
-            </a:r>
-          </a:p>
-          <a:p>
-            <a:pPr algn="l"/>
-            <a:r>
-              <a:rPr lang="en" altLang="ko-KR" sz="1400" b="0" i="0" dirty="0">
-                <a:solidFill>
-                  <a:srgbClr val="1C1E21"/>
+                <a:ea typeface="Arial Unicode MS" panose="020B0604020202020204" pitchFamily="34" charset="-128"/>
+              </a:rPr>
+              <a:t>Why is this helpful?</a:t>
+            </a:r>
+            <a:r>
+              <a:rPr lang="en" altLang="ko-KR" sz="1200" dirty="0">
+                <a:solidFill>
+                  <a:srgbClr val="00B050"/>
                 </a:solidFill>
                 <a:effectLst/>
                 <a:latin typeface="system-ui"/>
-              </a:rPr>
-              <a:t>The goal of multi-vector retrieval is to have additional embeddings in your retrieval process which might more closely match your anticipated queries.</a:t>
-            </a:r>
-            <a:br>
-              <a:rPr lang="en" altLang="ko-KR" sz="1200" dirty="0"/>
-            </a:br>
-            <a:endParaRPr lang="en" altLang="ko-KR" sz="1200" dirty="0"/>
-          </a:p>
-          <a:p>
-            <a:pPr algn="l"/>
-            <a:r>
-              <a:rPr lang="en" altLang="ko-KR" sz="1200" i="0" dirty="0">
-                <a:solidFill>
-                  <a:srgbClr val="00B050"/>
-                </a:solidFill>
-                <a:effectLst/>
-                <a:latin typeface="system-ui"/>
-              </a:rPr>
-              <a:t>Why is this helpful?</a:t>
-            </a:r>
-            <a:r>
-              <a:rPr lang="en" altLang="ko-KR" sz="1200" i="0" dirty="0">
-                <a:solidFill>
-                  <a:srgbClr val="00B050"/>
-                </a:solidFill>
-                <a:effectLst/>
-                <a:latin typeface="system-ui"/>
+                <a:ea typeface="Arial Unicode MS" panose="020B0604020202020204" pitchFamily="34" charset="-128"/>
                 <a:hlinkClick r:id="rId4" tooltip="Direct link to Why is this helpful?">
                   <a:extLst>
                     <a:ext uri="{A12FA001-AC4F-418D-AE19-62706E023703}">
@@ -6332,27 +8428,32 @@
               </a:rPr>
               <a:t>​</a:t>
             </a:r>
-            <a:endParaRPr lang="en" altLang="ko-KR" sz="1200" i="0" dirty="0">
+            <a:endParaRPr lang="en" altLang="ko-KR" sz="1200" dirty="0">
               <a:solidFill>
                 <a:srgbClr val="00B050"/>
               </a:solidFill>
               <a:effectLst/>
               <a:latin typeface="system-ui"/>
-            </a:endParaRPr>
-          </a:p>
-          <a:p>
-            <a:pPr algn="l"/>
-            <a:r>
-              <a:rPr lang="en" altLang="ko-KR" sz="1200" b="0" i="0" dirty="0">
+              <a:ea typeface="Arial Unicode MS" panose="020B0604020202020204" pitchFamily="34" charset="-128"/>
+            </a:endParaRPr>
+          </a:p>
+          <a:p>
+            <a:pPr algn="l"/>
+            <a:r>
+              <a:rPr lang="en" altLang="ko-KR" sz="1200" dirty="0">
                 <a:solidFill>
                   <a:srgbClr val="1C1E21"/>
                 </a:solidFill>
                 <a:effectLst/>
                 <a:latin typeface="system-ui"/>
+                <a:ea typeface="Arial Unicode MS" panose="020B0604020202020204" pitchFamily="34" charset="-128"/>
               </a:rPr>
               <a:t>This is helpful when having a more processed or derived form of your original documents would better suit your search process. Think of this like a pre-processing step on your documents that aims to be more attuned to your search needs.</a:t>
             </a:r>
-            <a:endParaRPr kumimoji="1" lang="ko-KR" altLang="en-US" sz="1200" dirty="0"/>
+            <a:endParaRPr kumimoji="1" lang="ko-KR" altLang="en-US" sz="1200" dirty="0">
+              <a:latin typeface="Arial Unicode MS" panose="020B0604020202020204" pitchFamily="34" charset="-128"/>
+              <a:ea typeface="Arial Unicode MS" panose="020B0604020202020204" pitchFamily="34" charset="-128"/>
+            </a:endParaRPr>
           </a:p>
         </p:txBody>
       </p:sp>
@@ -6415,10 +8516,16 @@
           <a:lstStyle/>
           <a:p>
             <a:r>
-              <a:rPr kumimoji="1" lang="en-US" altLang="ko-KR" dirty="0"/>
+              <a:rPr kumimoji="1" lang="en-US" altLang="ko-KR" dirty="0">
+                <a:latin typeface="Arial Unicode MS" panose="020B0604020202020204" pitchFamily="34" charset="-128"/>
+                <a:ea typeface="Arial Unicode MS" panose="020B0604020202020204" pitchFamily="34" charset="-128"/>
+              </a:rPr>
               <a:t>Indexing - Parent Document Retriever</a:t>
             </a:r>
-            <a:endParaRPr kumimoji="1" lang="ko-KR" altLang="en-US" dirty="0"/>
+            <a:endParaRPr kumimoji="1" lang="ko-KR" altLang="en-US" dirty="0">
+              <a:latin typeface="Arial Unicode MS" panose="020B0604020202020204" pitchFamily="34" charset="-128"/>
+              <a:ea typeface="Arial Unicode MS" panose="020B0604020202020204" pitchFamily="34" charset="-128"/>
+            </a:endParaRPr>
           </a:p>
         </p:txBody>
       </p:sp>
@@ -6499,102 +8606,91 @@
           <a:p>
             <a:pPr algn="l"/>
             <a:r>
-              <a:rPr lang="en" altLang="ko-KR" sz="1600" i="0" dirty="0">
+              <a:rPr lang="en" altLang="ko-KR" sz="1600" dirty="0">
                 <a:solidFill>
                   <a:srgbClr val="00B050"/>
                 </a:solidFill>
                 <a:effectLst/>
+                <a:latin typeface="Arial Unicode MS" panose="020B0604020202020204" pitchFamily="34" charset="-128"/>
+                <a:ea typeface="Arial Unicode MS" panose="020B0604020202020204" pitchFamily="34" charset="-128"/>
               </a:rPr>
               <a:t>Overview</a:t>
             </a:r>
           </a:p>
           <a:p>
             <a:pPr algn="l"/>
-            <a:endParaRPr lang="en" altLang="ko-KR" sz="1200" i="0" dirty="0">
+            <a:endParaRPr lang="en" altLang="ko-KR" sz="1200" dirty="0">
               <a:solidFill>
                 <a:srgbClr val="00B050"/>
               </a:solidFill>
               <a:effectLst/>
-            </a:endParaRPr>
-          </a:p>
-          <a:p>
-            <a:pPr algn="l"/>
-            <a:r>
-              <a:rPr lang="en" altLang="ko-KR" sz="1400" b="0" i="1" dirty="0">
+              <a:latin typeface="Arial Unicode MS" panose="020B0604020202020204" pitchFamily="34" charset="-128"/>
+              <a:ea typeface="Arial Unicode MS" panose="020B0604020202020204" pitchFamily="34" charset="-128"/>
+            </a:endParaRPr>
+          </a:p>
+          <a:p>
+            <a:pPr algn="l"/>
+            <a:r>
+              <a:rPr lang="en" altLang="ko-KR" sz="1400" dirty="0">
                 <a:solidFill>
                   <a:srgbClr val="1C1E21"/>
                 </a:solidFill>
                 <a:effectLst/>
                 <a:latin typeface="system-ui"/>
+                <a:ea typeface="Arial Unicode MS" panose="020B0604020202020204" pitchFamily="34" charset="-128"/>
               </a:rPr>
               <a:t>The Parent Document retriever is a type of Multi-Vector, an advanced indexing and retrieval technique.</a:t>
             </a:r>
           </a:p>
           <a:p>
             <a:pPr algn="l"/>
-            <a:endParaRPr lang="en" altLang="ko-KR" sz="1400" b="0" i="0" dirty="0">
+            <a:endParaRPr lang="en" altLang="ko-KR" sz="1400" dirty="0">
               <a:solidFill>
                 <a:srgbClr val="1C1E21"/>
               </a:solidFill>
               <a:effectLst/>
               <a:latin typeface="system-ui"/>
-            </a:endParaRPr>
-          </a:p>
-          <a:p>
-            <a:pPr algn="l"/>
-            <a:r>
-              <a:rPr lang="en" altLang="ko-KR" sz="1400" b="0" i="0" dirty="0">
+              <a:ea typeface="Arial Unicode MS" panose="020B0604020202020204" pitchFamily="34" charset="-128"/>
+            </a:endParaRPr>
+          </a:p>
+          <a:p>
+            <a:pPr algn="l"/>
+            <a:r>
+              <a:rPr lang="en" altLang="ko-KR" sz="1400" dirty="0">
                 <a:solidFill>
                   <a:srgbClr val="1C1E21"/>
                 </a:solidFill>
                 <a:effectLst/>
                 <a:latin typeface="system-ui"/>
-              </a:rPr>
-              <a:t>The Parent document retriever is a form of Multi-Vector retrieval, a class of retrieval methods by which the builder embeds </a:t>
-            </a:r>
-            <a:r>
-              <a:rPr lang="en" altLang="ko-KR" sz="1400" b="0" i="1" dirty="0">
+                <a:ea typeface="Arial Unicode MS" panose="020B0604020202020204" pitchFamily="34" charset="-128"/>
+              </a:rPr>
+              <a:t>The Parent document retriever is a form of Multi-Vector retrieval, a class of retrieval methods by which the builder embeds alternative representations of their original documents. These alternative embeddings will be then used in the similarity process to compare with the query the user or application gives.</a:t>
+            </a:r>
+          </a:p>
+          <a:p>
+            <a:pPr algn="l"/>
+            <a:r>
+              <a:rPr lang="en" altLang="ko-KR" sz="1400" dirty="0">
                 <a:solidFill>
                   <a:srgbClr val="1C1E21"/>
                 </a:solidFill>
                 <a:effectLst/>
                 <a:latin typeface="system-ui"/>
-              </a:rPr>
-              <a:t>alternative</a:t>
-            </a:r>
-            <a:r>
-              <a:rPr lang="en" altLang="ko-KR" sz="1400" b="0" i="0" dirty="0">
+                <a:ea typeface="Arial Unicode MS" panose="020B0604020202020204" pitchFamily="34" charset="-128"/>
+              </a:rPr>
+              <a:t>In the case of the parent document retriever, the original large chunks will be further split into 'child' chunks.</a:t>
+            </a:r>
+          </a:p>
+          <a:p>
+            <a:pPr algn="l"/>
+            <a:r>
+              <a:rPr lang="en" altLang="ko-KR" sz="1400" dirty="0">
                 <a:solidFill>
                   <a:srgbClr val="1C1E21"/>
                 </a:solidFill>
                 <a:effectLst/>
                 <a:latin typeface="system-ui"/>
-              </a:rPr>
-              <a:t> representations of their original documents. These alternative embeddings will be then used in the similarity process to compare with the query the user or application gives.</a:t>
-            </a:r>
-          </a:p>
-          <a:p>
-            <a:pPr algn="l"/>
-            <a:r>
-              <a:rPr lang="en" altLang="ko-KR" sz="1400" b="0" i="0" dirty="0">
-                <a:solidFill>
-                  <a:srgbClr val="1C1E21"/>
-                </a:solidFill>
-                <a:effectLst/>
-                <a:latin typeface="system-ui"/>
-              </a:rPr>
-              <a:t>In the case of the parent document retriever, the original large chunks will be further split into 'child' chunks.</a:t>
-            </a:r>
-          </a:p>
-          <a:p>
-            <a:pPr algn="l"/>
-            <a:r>
-              <a:rPr lang="en" altLang="ko-KR" sz="1400" b="0" i="0" dirty="0">
-                <a:solidFill>
-                  <a:srgbClr val="1C1E21"/>
-                </a:solidFill>
-                <a:effectLst/>
-                <a:latin typeface="system-ui"/>
+                <a:ea typeface="Arial Unicode MS" panose="020B0604020202020204" pitchFamily="34" charset="-128"/>
               </a:rPr>
               <a:t>Instead of returning the child chunks as context, the Parent Document Retriever will return the parents documents (red boxes below) of those child docs (blue boxes below).</a:t>
             </a:r>

--- a/langchain/rag_playground.pptx
+++ b/langchain/rag_playground.pptx
@@ -5,7 +5,7 @@
     <p:sldMasterId id="2147483648" r:id="rId1"/>
   </p:sldMasterIdLst>
   <p:notesMasterIdLst>
-    <p:notesMasterId r:id="rId19"/>
+    <p:notesMasterId r:id="rId20"/>
   </p:notesMasterIdLst>
   <p:sldIdLst>
     <p:sldId id="256" r:id="rId2"/>
@@ -23,8 +23,9 @@
     <p:sldId id="274" r:id="rId14"/>
     <p:sldId id="276" r:id="rId15"/>
     <p:sldId id="277" r:id="rId16"/>
-    <p:sldId id="278" r:id="rId17"/>
-    <p:sldId id="275" r:id="rId18"/>
+    <p:sldId id="275" r:id="rId17"/>
+    <p:sldId id="278" r:id="rId18"/>
+    <p:sldId id="279" r:id="rId19"/>
   </p:sldIdLst>
   <p:sldSz cx="12192000" cy="6858000"/>
   <p:notesSz cx="6858000" cy="9144000"/>
@@ -5199,6 +5200,810 @@
         <p:spPr>
           <a:xfrm>
             <a:off x="77274" y="45076"/>
+            <a:ext cx="4095993" cy="369332"/>
+          </a:xfrm>
+          <a:prstGeom prst="rect">
+            <a:avLst/>
+          </a:prstGeom>
+          <a:noFill/>
+        </p:spPr>
+        <p:txBody>
+          <a:bodyPr wrap="none" rtlCol="0">
+            <a:spAutoFit/>
+          </a:bodyPr>
+          <a:lstStyle/>
+          <a:p>
+            <a:r>
+              <a:rPr kumimoji="1" lang="en-US" altLang="ko-KR" dirty="0" err="1">
+                <a:latin typeface="Arial Unicode MS" panose="020B0604020202020204" pitchFamily="34" charset="-128"/>
+                <a:ea typeface="Arial Unicode MS" panose="020B0604020202020204" pitchFamily="34" charset="-128"/>
+              </a:rPr>
+              <a:t>LangGraph</a:t>
+            </a:r>
+            <a:r>
+              <a:rPr kumimoji="1" lang="en-US" altLang="ko-KR" dirty="0">
+                <a:latin typeface="Arial Unicode MS" panose="020B0604020202020204" pitchFamily="34" charset="-128"/>
+                <a:ea typeface="Arial Unicode MS" panose="020B0604020202020204" pitchFamily="34" charset="-128"/>
+              </a:rPr>
+              <a:t> – Real World Applications</a:t>
+            </a:r>
+            <a:endParaRPr kumimoji="1" lang="ko-KR" altLang="en-US" dirty="0">
+              <a:latin typeface="Arial Unicode MS" panose="020B0604020202020204" pitchFamily="34" charset="-128"/>
+              <a:ea typeface="Arial Unicode MS" panose="020B0604020202020204" pitchFamily="34" charset="-128"/>
+            </a:endParaRPr>
+          </a:p>
+        </p:txBody>
+      </p:sp>
+      <p:sp>
+        <p:nvSpPr>
+          <p:cNvPr id="4" name="TextBox 3">
+            <a:extLst>
+              <a:ext uri="{FF2B5EF4-FFF2-40B4-BE49-F238E27FC236}">
+                <a16:creationId xmlns:a16="http://schemas.microsoft.com/office/drawing/2014/main" id="{48863633-3E48-E881-C086-1A02DE2E1F5E}"/>
+              </a:ext>
+            </a:extLst>
+          </p:cNvPr>
+          <p:cNvSpPr txBox="1"/>
+          <p:nvPr/>
+        </p:nvSpPr>
+        <p:spPr>
+          <a:xfrm>
+            <a:off x="143163" y="582067"/>
+            <a:ext cx="11776364" cy="5816977"/>
+          </a:xfrm>
+          <a:prstGeom prst="rect">
+            <a:avLst/>
+          </a:prstGeom>
+          <a:noFill/>
+        </p:spPr>
+        <p:txBody>
+          <a:bodyPr wrap="square">
+            <a:spAutoFit/>
+          </a:bodyPr>
+          <a:lstStyle/>
+          <a:p>
+            <a:pPr algn="l" rtl="0"/>
+            <a:r>
+              <a:rPr lang="en" altLang="ko-KR" sz="1600" b="1" i="0" dirty="0">
+                <a:solidFill>
+                  <a:srgbClr val="00B050"/>
+                </a:solidFill>
+                <a:effectLst/>
+                <a:highlight>
+                  <a:srgbClr val="FFFFFF"/>
+                </a:highlight>
+                <a:latin typeface="Arial Unicode MS" panose="020B0604020202020204" pitchFamily="34" charset="-128"/>
+                <a:ea typeface="Arial Unicode MS" panose="020B0604020202020204" pitchFamily="34" charset="-128"/>
+                <a:cs typeface="Arial Unicode MS" panose="020B0604020202020204" pitchFamily="34" charset="-128"/>
+              </a:rPr>
+              <a:t>Chatbots</a:t>
+            </a:r>
+          </a:p>
+          <a:p>
+            <a:pPr algn="l" rtl="0"/>
+            <a:r>
+              <a:rPr lang="en" altLang="ko-KR" sz="1200" b="0" i="0" u="none" strike="noStrike" dirty="0">
+                <a:solidFill>
+                  <a:srgbClr val="05192D"/>
+                </a:solidFill>
+                <a:effectLst/>
+                <a:highlight>
+                  <a:srgbClr val="FFFFFF"/>
+                </a:highlight>
+                <a:latin typeface="Arial Unicode MS" panose="020B0604020202020204" pitchFamily="34" charset="-128"/>
+                <a:ea typeface="Arial Unicode MS" panose="020B0604020202020204" pitchFamily="34" charset="-128"/>
+                <a:cs typeface="Arial Unicode MS" panose="020B0604020202020204" pitchFamily="34" charset="-128"/>
+              </a:rPr>
+              <a:t>By leveraging multiple LLM agents, these chatbots can process natural language queries, provide accurate responses, and seamlessly switch between different conversation topics. The ability to manage state and coordinate interactions ensures that the chatbot maintains context and delivers a coherent user experience.</a:t>
+            </a:r>
+            <a:endParaRPr lang="en" altLang="ko-KR" sz="1200" b="0" i="0" dirty="0">
+              <a:solidFill>
+                <a:srgbClr val="05192D"/>
+              </a:solidFill>
+              <a:effectLst/>
+              <a:highlight>
+                <a:srgbClr val="FFFFFF"/>
+              </a:highlight>
+              <a:latin typeface="Arial Unicode MS" panose="020B0604020202020204" pitchFamily="34" charset="-128"/>
+              <a:ea typeface="Arial Unicode MS" panose="020B0604020202020204" pitchFamily="34" charset="-128"/>
+              <a:cs typeface="Arial Unicode MS" panose="020B0604020202020204" pitchFamily="34" charset="-128"/>
+            </a:endParaRPr>
+          </a:p>
+          <a:p>
+            <a:pPr algn="l" rtl="0"/>
+            <a:endParaRPr lang="en" altLang="ko-KR" sz="1200" b="1" i="0" dirty="0">
+              <a:solidFill>
+                <a:srgbClr val="05192D"/>
+              </a:solidFill>
+              <a:effectLst/>
+              <a:highlight>
+                <a:srgbClr val="FFFFFF"/>
+              </a:highlight>
+              <a:latin typeface="Arial Unicode MS" panose="020B0604020202020204" pitchFamily="34" charset="-128"/>
+              <a:ea typeface="Arial Unicode MS" panose="020B0604020202020204" pitchFamily="34" charset="-128"/>
+              <a:cs typeface="Arial Unicode MS" panose="020B0604020202020204" pitchFamily="34" charset="-128"/>
+            </a:endParaRPr>
+          </a:p>
+          <a:p>
+            <a:pPr algn="l" rtl="0"/>
+            <a:r>
+              <a:rPr lang="en" altLang="ko-KR" sz="1600" b="1" i="0" dirty="0">
+                <a:solidFill>
+                  <a:srgbClr val="00B050"/>
+                </a:solidFill>
+                <a:effectLst/>
+                <a:highlight>
+                  <a:srgbClr val="FFFFFF"/>
+                </a:highlight>
+                <a:latin typeface="Arial Unicode MS" panose="020B0604020202020204" pitchFamily="34" charset="-128"/>
+                <a:ea typeface="Arial Unicode MS" panose="020B0604020202020204" pitchFamily="34" charset="-128"/>
+                <a:cs typeface="Arial Unicode MS" panose="020B0604020202020204" pitchFamily="34" charset="-128"/>
+              </a:rPr>
+              <a:t>Autonomous agents</a:t>
+            </a:r>
+          </a:p>
+          <a:p>
+            <a:pPr algn="l" rtl="0"/>
+            <a:r>
+              <a:rPr lang="en" altLang="ko-KR" sz="1200" b="0" i="0" u="none" strike="noStrike" dirty="0">
+                <a:solidFill>
+                  <a:srgbClr val="05192D"/>
+                </a:solidFill>
+                <a:effectLst/>
+                <a:highlight>
+                  <a:srgbClr val="FFFFFF"/>
+                </a:highlight>
+                <a:latin typeface="Arial Unicode MS" panose="020B0604020202020204" pitchFamily="34" charset="-128"/>
+                <a:ea typeface="Arial Unicode MS" panose="020B0604020202020204" pitchFamily="34" charset="-128"/>
+                <a:cs typeface="Arial Unicode MS" panose="020B0604020202020204" pitchFamily="34" charset="-128"/>
+              </a:rPr>
+              <a:t>For applications requiring autonomous decision-making, </a:t>
+            </a:r>
+            <a:r>
+              <a:rPr lang="en" altLang="ko-KR" sz="1200" b="0" i="0" u="none" strike="noStrike" dirty="0" err="1">
+                <a:solidFill>
+                  <a:srgbClr val="05192D"/>
+                </a:solidFill>
+                <a:effectLst/>
+                <a:highlight>
+                  <a:srgbClr val="FFFFFF"/>
+                </a:highlight>
+                <a:latin typeface="Arial Unicode MS" panose="020B0604020202020204" pitchFamily="34" charset="-128"/>
+                <a:ea typeface="Arial Unicode MS" panose="020B0604020202020204" pitchFamily="34" charset="-128"/>
+                <a:cs typeface="Arial Unicode MS" panose="020B0604020202020204" pitchFamily="34" charset="-128"/>
+              </a:rPr>
+              <a:t>LangGraph</a:t>
+            </a:r>
+            <a:r>
+              <a:rPr lang="en" altLang="ko-KR" sz="1200" b="0" i="0" u="none" strike="noStrike" dirty="0">
+                <a:solidFill>
+                  <a:srgbClr val="05192D"/>
+                </a:solidFill>
+                <a:effectLst/>
+                <a:highlight>
+                  <a:srgbClr val="FFFFFF"/>
+                </a:highlight>
+                <a:latin typeface="Arial Unicode MS" panose="020B0604020202020204" pitchFamily="34" charset="-128"/>
+                <a:ea typeface="Arial Unicode MS" panose="020B0604020202020204" pitchFamily="34" charset="-128"/>
+                <a:cs typeface="Arial Unicode MS" panose="020B0604020202020204" pitchFamily="34" charset="-128"/>
+              </a:rPr>
+              <a:t> enables the creation of agents that can perform tasks independently based on user inputs and predefined </a:t>
+            </a:r>
+            <a:r>
+              <a:rPr lang="en" altLang="ko-KR" sz="1200" b="0" i="0" u="none" strike="noStrike">
+                <a:solidFill>
+                  <a:srgbClr val="05192D"/>
+                </a:solidFill>
+                <a:effectLst/>
+                <a:highlight>
+                  <a:srgbClr val="FFFFFF"/>
+                </a:highlight>
+                <a:latin typeface="Arial Unicode MS" panose="020B0604020202020204" pitchFamily="34" charset="-128"/>
+                <a:ea typeface="Arial Unicode MS" panose="020B0604020202020204" pitchFamily="34" charset="-128"/>
+                <a:cs typeface="Arial Unicode MS" panose="020B0604020202020204" pitchFamily="34" charset="-128"/>
+              </a:rPr>
+              <a:t>logic. </a:t>
+            </a:r>
+          </a:p>
+          <a:p>
+            <a:pPr algn="l" rtl="0"/>
+            <a:r>
+              <a:rPr lang="en" altLang="ko-KR" sz="1200" b="0" i="0" u="none" strike="noStrike">
+                <a:solidFill>
+                  <a:srgbClr val="05192D"/>
+                </a:solidFill>
+                <a:effectLst/>
+                <a:highlight>
+                  <a:srgbClr val="FFFFFF"/>
+                </a:highlight>
+                <a:latin typeface="Arial Unicode MS" panose="020B0604020202020204" pitchFamily="34" charset="-128"/>
+                <a:ea typeface="Arial Unicode MS" panose="020B0604020202020204" pitchFamily="34" charset="-128"/>
+                <a:cs typeface="Arial Unicode MS" panose="020B0604020202020204" pitchFamily="34" charset="-128"/>
+              </a:rPr>
+              <a:t>These </a:t>
+            </a:r>
+            <a:r>
+              <a:rPr lang="en" altLang="ko-KR" sz="1200" b="0" i="0" u="none" strike="noStrike" dirty="0">
+                <a:solidFill>
+                  <a:srgbClr val="05192D"/>
+                </a:solidFill>
+                <a:effectLst/>
+                <a:highlight>
+                  <a:srgbClr val="FFFFFF"/>
+                </a:highlight>
+                <a:latin typeface="Arial Unicode MS" panose="020B0604020202020204" pitchFamily="34" charset="-128"/>
+                <a:ea typeface="Arial Unicode MS" panose="020B0604020202020204" pitchFamily="34" charset="-128"/>
+                <a:cs typeface="Arial Unicode MS" panose="020B0604020202020204" pitchFamily="34" charset="-128"/>
+              </a:rPr>
+              <a:t>agents can execute complex workflows, interact with other systems, and adapt to new information dynamically. </a:t>
+            </a:r>
+            <a:r>
+              <a:rPr lang="en" altLang="ko-KR" sz="1200" b="0" i="0" u="none" strike="noStrike" dirty="0" err="1">
+                <a:solidFill>
+                  <a:srgbClr val="05192D"/>
+                </a:solidFill>
+                <a:effectLst/>
+                <a:highlight>
+                  <a:srgbClr val="FFFFFF"/>
+                </a:highlight>
+                <a:latin typeface="Arial Unicode MS" panose="020B0604020202020204" pitchFamily="34" charset="-128"/>
+                <a:ea typeface="Arial Unicode MS" panose="020B0604020202020204" pitchFamily="34" charset="-128"/>
+                <a:cs typeface="Arial Unicode MS" panose="020B0604020202020204" pitchFamily="34" charset="-128"/>
+              </a:rPr>
+              <a:t>LangGraph's</a:t>
+            </a:r>
+            <a:r>
+              <a:rPr lang="en" altLang="ko-KR" sz="1200" b="0" i="0" u="none" strike="noStrike" dirty="0">
+                <a:solidFill>
+                  <a:srgbClr val="05192D"/>
+                </a:solidFill>
+                <a:effectLst/>
+                <a:highlight>
+                  <a:srgbClr val="FFFFFF"/>
+                </a:highlight>
+                <a:latin typeface="Arial Unicode MS" panose="020B0604020202020204" pitchFamily="34" charset="-128"/>
+                <a:ea typeface="Arial Unicode MS" panose="020B0604020202020204" pitchFamily="34" charset="-128"/>
+                <a:cs typeface="Arial Unicode MS" panose="020B0604020202020204" pitchFamily="34" charset="-128"/>
+              </a:rPr>
+              <a:t> structured framework ensures that each agent operates efficiently and effectively, making it suitable for tasks like automated customer support, data processing, and system monitoring.</a:t>
+            </a:r>
+            <a:endParaRPr lang="en" altLang="ko-KR" sz="1200" b="0" i="0" dirty="0">
+              <a:solidFill>
+                <a:srgbClr val="05192D"/>
+              </a:solidFill>
+              <a:effectLst/>
+              <a:highlight>
+                <a:srgbClr val="FFFFFF"/>
+              </a:highlight>
+              <a:latin typeface="Arial Unicode MS" panose="020B0604020202020204" pitchFamily="34" charset="-128"/>
+              <a:ea typeface="Arial Unicode MS" panose="020B0604020202020204" pitchFamily="34" charset="-128"/>
+              <a:cs typeface="Arial Unicode MS" panose="020B0604020202020204" pitchFamily="34" charset="-128"/>
+            </a:endParaRPr>
+          </a:p>
+          <a:p>
+            <a:pPr algn="l" rtl="0"/>
+            <a:endParaRPr lang="en" altLang="ko-KR" sz="1200" b="1" i="0" dirty="0">
+              <a:solidFill>
+                <a:srgbClr val="05192D"/>
+              </a:solidFill>
+              <a:effectLst/>
+              <a:highlight>
+                <a:srgbClr val="FFFFFF"/>
+              </a:highlight>
+              <a:latin typeface="Arial Unicode MS" panose="020B0604020202020204" pitchFamily="34" charset="-128"/>
+              <a:ea typeface="Arial Unicode MS" panose="020B0604020202020204" pitchFamily="34" charset="-128"/>
+              <a:cs typeface="Arial Unicode MS" panose="020B0604020202020204" pitchFamily="34" charset="-128"/>
+            </a:endParaRPr>
+          </a:p>
+          <a:p>
+            <a:pPr algn="l" rtl="0"/>
+            <a:r>
+              <a:rPr lang="en" altLang="ko-KR" sz="1600" b="1" i="0" dirty="0">
+                <a:solidFill>
+                  <a:srgbClr val="00B050"/>
+                </a:solidFill>
+                <a:effectLst/>
+                <a:highlight>
+                  <a:srgbClr val="FFFFFF"/>
+                </a:highlight>
+                <a:latin typeface="Arial Unicode MS" panose="020B0604020202020204" pitchFamily="34" charset="-128"/>
+                <a:ea typeface="Arial Unicode MS" panose="020B0604020202020204" pitchFamily="34" charset="-128"/>
+                <a:cs typeface="Arial Unicode MS" panose="020B0604020202020204" pitchFamily="34" charset="-128"/>
+              </a:rPr>
+              <a:t>Multi-Agent systems</a:t>
+            </a:r>
+          </a:p>
+          <a:p>
+            <a:pPr algn="l" rtl="0"/>
+            <a:r>
+              <a:rPr lang="en" altLang="ko-KR" sz="1200" b="0" i="0" u="none" strike="noStrike" dirty="0" err="1">
+                <a:solidFill>
+                  <a:srgbClr val="05192D"/>
+                </a:solidFill>
+                <a:effectLst/>
+                <a:highlight>
+                  <a:srgbClr val="FFFFFF"/>
+                </a:highlight>
+                <a:latin typeface="Arial Unicode MS" panose="020B0604020202020204" pitchFamily="34" charset="-128"/>
+                <a:ea typeface="Arial Unicode MS" panose="020B0604020202020204" pitchFamily="34" charset="-128"/>
+                <a:cs typeface="Arial Unicode MS" panose="020B0604020202020204" pitchFamily="34" charset="-128"/>
+              </a:rPr>
+              <a:t>LangGraph</a:t>
+            </a:r>
+            <a:r>
+              <a:rPr lang="en" altLang="ko-KR" sz="1200" b="0" i="0" u="none" strike="noStrike" dirty="0">
+                <a:solidFill>
+                  <a:srgbClr val="05192D"/>
+                </a:solidFill>
+                <a:effectLst/>
+                <a:highlight>
+                  <a:srgbClr val="FFFFFF"/>
+                </a:highlight>
+                <a:latin typeface="Arial Unicode MS" panose="020B0604020202020204" pitchFamily="34" charset="-128"/>
+                <a:ea typeface="Arial Unicode MS" panose="020B0604020202020204" pitchFamily="34" charset="-128"/>
+                <a:cs typeface="Arial Unicode MS" panose="020B0604020202020204" pitchFamily="34" charset="-128"/>
+              </a:rPr>
+              <a:t> excels in building applications where multiple agents collaborate to achieve a common goal. For example, different agents can manage inventory, process orders, and coordinate deliveries in a supply chain management system. </a:t>
+            </a:r>
+            <a:r>
+              <a:rPr lang="en" altLang="ko-KR" sz="1200" b="0" i="0" u="none" strike="noStrike" dirty="0" err="1">
+                <a:solidFill>
+                  <a:srgbClr val="05192D"/>
+                </a:solidFill>
+                <a:effectLst/>
+                <a:highlight>
+                  <a:srgbClr val="FFFFFF"/>
+                </a:highlight>
+                <a:latin typeface="Arial Unicode MS" panose="020B0604020202020204" pitchFamily="34" charset="-128"/>
+                <a:ea typeface="Arial Unicode MS" panose="020B0604020202020204" pitchFamily="34" charset="-128"/>
+                <a:cs typeface="Arial Unicode MS" panose="020B0604020202020204" pitchFamily="34" charset="-128"/>
+              </a:rPr>
+              <a:t>LangGraph's</a:t>
+            </a:r>
+            <a:r>
+              <a:rPr lang="en" altLang="ko-KR" sz="1200" b="0" i="0" u="none" strike="noStrike" dirty="0">
+                <a:solidFill>
+                  <a:srgbClr val="05192D"/>
+                </a:solidFill>
+                <a:effectLst/>
+                <a:highlight>
+                  <a:srgbClr val="FFFFFF"/>
+                </a:highlight>
+                <a:latin typeface="Arial Unicode MS" panose="020B0604020202020204" pitchFamily="34" charset="-128"/>
+                <a:ea typeface="Arial Unicode MS" panose="020B0604020202020204" pitchFamily="34" charset="-128"/>
+                <a:cs typeface="Arial Unicode MS" panose="020B0604020202020204" pitchFamily="34" charset="-128"/>
+              </a:rPr>
+              <a:t> coordination capabilities ensure that each agent communicates effectively, sharing information and making decisions in a synchronized manner. This leads to more efficient operations and better overall system performance.</a:t>
+            </a:r>
+            <a:endParaRPr lang="en" altLang="ko-KR" sz="1200" b="0" i="0" dirty="0">
+              <a:solidFill>
+                <a:srgbClr val="05192D"/>
+              </a:solidFill>
+              <a:effectLst/>
+              <a:highlight>
+                <a:srgbClr val="FFFFFF"/>
+              </a:highlight>
+              <a:latin typeface="Arial Unicode MS" panose="020B0604020202020204" pitchFamily="34" charset="-128"/>
+              <a:ea typeface="Arial Unicode MS" panose="020B0604020202020204" pitchFamily="34" charset="-128"/>
+              <a:cs typeface="Arial Unicode MS" panose="020B0604020202020204" pitchFamily="34" charset="-128"/>
+            </a:endParaRPr>
+          </a:p>
+          <a:p>
+            <a:pPr algn="l" rtl="0"/>
+            <a:endParaRPr lang="en" altLang="ko-KR" sz="1200" b="1" i="0" dirty="0">
+              <a:solidFill>
+                <a:srgbClr val="05192D"/>
+              </a:solidFill>
+              <a:effectLst/>
+              <a:highlight>
+                <a:srgbClr val="FFFFFF"/>
+              </a:highlight>
+              <a:latin typeface="Arial Unicode MS" panose="020B0604020202020204" pitchFamily="34" charset="-128"/>
+              <a:ea typeface="Arial Unicode MS" panose="020B0604020202020204" pitchFamily="34" charset="-128"/>
+              <a:cs typeface="Arial Unicode MS" panose="020B0604020202020204" pitchFamily="34" charset="-128"/>
+            </a:endParaRPr>
+          </a:p>
+          <a:p>
+            <a:pPr algn="l" rtl="0"/>
+            <a:r>
+              <a:rPr lang="en" altLang="ko-KR" sz="1600" b="1" i="0" dirty="0">
+                <a:solidFill>
+                  <a:srgbClr val="00B050"/>
+                </a:solidFill>
+                <a:effectLst/>
+                <a:highlight>
+                  <a:srgbClr val="FFFFFF"/>
+                </a:highlight>
+                <a:latin typeface="Arial Unicode MS" panose="020B0604020202020204" pitchFamily="34" charset="-128"/>
+                <a:ea typeface="Arial Unicode MS" panose="020B0604020202020204" pitchFamily="34" charset="-128"/>
+                <a:cs typeface="Arial Unicode MS" panose="020B0604020202020204" pitchFamily="34" charset="-128"/>
+              </a:rPr>
+              <a:t>Workflow automation tools</a:t>
+            </a:r>
+          </a:p>
+          <a:p>
+            <a:pPr algn="l" rtl="0"/>
+            <a:r>
+              <a:rPr lang="en" altLang="ko-KR" sz="1200" b="0" i="0" u="none" strike="noStrike" dirty="0">
+                <a:solidFill>
+                  <a:srgbClr val="05192D"/>
+                </a:solidFill>
+                <a:effectLst/>
+                <a:highlight>
+                  <a:srgbClr val="FFFFFF"/>
+                </a:highlight>
+                <a:latin typeface="Arial Unicode MS" panose="020B0604020202020204" pitchFamily="34" charset="-128"/>
+                <a:ea typeface="Arial Unicode MS" panose="020B0604020202020204" pitchFamily="34" charset="-128"/>
+                <a:cs typeface="Arial Unicode MS" panose="020B0604020202020204" pitchFamily="34" charset="-128"/>
+              </a:rPr>
+              <a:t>With </a:t>
+            </a:r>
+            <a:r>
+              <a:rPr lang="en" altLang="ko-KR" sz="1200" b="0" i="0" u="none" strike="noStrike" dirty="0" err="1">
+                <a:solidFill>
+                  <a:srgbClr val="05192D"/>
+                </a:solidFill>
+                <a:effectLst/>
+                <a:highlight>
+                  <a:srgbClr val="FFFFFF"/>
+                </a:highlight>
+                <a:latin typeface="Arial Unicode MS" panose="020B0604020202020204" pitchFamily="34" charset="-128"/>
+                <a:ea typeface="Arial Unicode MS" panose="020B0604020202020204" pitchFamily="34" charset="-128"/>
+                <a:cs typeface="Arial Unicode MS" panose="020B0604020202020204" pitchFamily="34" charset="-128"/>
+              </a:rPr>
+              <a:t>LangGraph</a:t>
+            </a:r>
+            <a:r>
+              <a:rPr lang="en" altLang="ko-KR" sz="1200" b="0" i="0" u="none" strike="noStrike" dirty="0">
+                <a:solidFill>
+                  <a:srgbClr val="05192D"/>
+                </a:solidFill>
+                <a:effectLst/>
+                <a:highlight>
+                  <a:srgbClr val="FFFFFF"/>
+                </a:highlight>
+                <a:latin typeface="Arial Unicode MS" panose="020B0604020202020204" pitchFamily="34" charset="-128"/>
+                <a:ea typeface="Arial Unicode MS" panose="020B0604020202020204" pitchFamily="34" charset="-128"/>
+                <a:cs typeface="Arial Unicode MS" panose="020B0604020202020204" pitchFamily="34" charset="-128"/>
+              </a:rPr>
+              <a:t>, automating business processes and workflows becomes straightforward. Intelligent agents can be designed to handle tasks such as document processing, approval workflows, and data analysis. By defining clear workflows and leveraging </a:t>
+            </a:r>
+            <a:r>
+              <a:rPr lang="en" altLang="ko-KR" sz="1200" b="0" i="0" u="none" strike="noStrike" dirty="0" err="1">
+                <a:solidFill>
+                  <a:srgbClr val="05192D"/>
+                </a:solidFill>
+                <a:effectLst/>
+                <a:highlight>
+                  <a:srgbClr val="FFFFFF"/>
+                </a:highlight>
+                <a:latin typeface="Arial Unicode MS" panose="020B0604020202020204" pitchFamily="34" charset="-128"/>
+                <a:ea typeface="Arial Unicode MS" panose="020B0604020202020204" pitchFamily="34" charset="-128"/>
+                <a:cs typeface="Arial Unicode MS" panose="020B0604020202020204" pitchFamily="34" charset="-128"/>
+              </a:rPr>
+              <a:t>LangGraph's</a:t>
+            </a:r>
+            <a:r>
+              <a:rPr lang="en" altLang="ko-KR" sz="1200" b="0" i="0" u="none" strike="noStrike" dirty="0">
+                <a:solidFill>
+                  <a:srgbClr val="05192D"/>
+                </a:solidFill>
+                <a:effectLst/>
+                <a:highlight>
+                  <a:srgbClr val="FFFFFF"/>
+                </a:highlight>
+                <a:latin typeface="Arial Unicode MS" panose="020B0604020202020204" pitchFamily="34" charset="-128"/>
+                <a:ea typeface="Arial Unicode MS" panose="020B0604020202020204" pitchFamily="34" charset="-128"/>
+                <a:cs typeface="Arial Unicode MS" panose="020B0604020202020204" pitchFamily="34" charset="-128"/>
+              </a:rPr>
+              <a:t> state management, these tools can execute complex sequences of actions without human intervention, reducing errors and increasing productivity.</a:t>
+            </a:r>
+            <a:endParaRPr lang="en" altLang="ko-KR" sz="1200" b="0" i="0" dirty="0">
+              <a:solidFill>
+                <a:srgbClr val="05192D"/>
+              </a:solidFill>
+              <a:effectLst/>
+              <a:highlight>
+                <a:srgbClr val="FFFFFF"/>
+              </a:highlight>
+              <a:latin typeface="Arial Unicode MS" panose="020B0604020202020204" pitchFamily="34" charset="-128"/>
+              <a:ea typeface="Arial Unicode MS" panose="020B0604020202020204" pitchFamily="34" charset="-128"/>
+              <a:cs typeface="Arial Unicode MS" panose="020B0604020202020204" pitchFamily="34" charset="-128"/>
+            </a:endParaRPr>
+          </a:p>
+          <a:p>
+            <a:pPr algn="l" rtl="0"/>
+            <a:endParaRPr lang="en" altLang="ko-KR" sz="1200" b="1" i="0" dirty="0">
+              <a:solidFill>
+                <a:srgbClr val="05192D"/>
+              </a:solidFill>
+              <a:effectLst/>
+              <a:highlight>
+                <a:srgbClr val="FFFFFF"/>
+              </a:highlight>
+              <a:latin typeface="Arial Unicode MS" panose="020B0604020202020204" pitchFamily="34" charset="-128"/>
+              <a:ea typeface="Arial Unicode MS" panose="020B0604020202020204" pitchFamily="34" charset="-128"/>
+              <a:cs typeface="Arial Unicode MS" panose="020B0604020202020204" pitchFamily="34" charset="-128"/>
+            </a:endParaRPr>
+          </a:p>
+          <a:p>
+            <a:pPr algn="l" rtl="0"/>
+            <a:r>
+              <a:rPr lang="en" altLang="ko-KR" sz="1600" b="1" i="0" dirty="0">
+                <a:solidFill>
+                  <a:srgbClr val="00B050"/>
+                </a:solidFill>
+                <a:effectLst/>
+                <a:highlight>
+                  <a:srgbClr val="FFFFFF"/>
+                </a:highlight>
+                <a:latin typeface="Arial Unicode MS" panose="020B0604020202020204" pitchFamily="34" charset="-128"/>
+                <a:ea typeface="Arial Unicode MS" panose="020B0604020202020204" pitchFamily="34" charset="-128"/>
+                <a:cs typeface="Arial Unicode MS" panose="020B0604020202020204" pitchFamily="34" charset="-128"/>
+              </a:rPr>
+              <a:t>Recommendation systems</a:t>
+            </a:r>
+          </a:p>
+          <a:p>
+            <a:pPr algn="l" rtl="0"/>
+            <a:r>
+              <a:rPr lang="en" altLang="ko-KR" sz="1200" b="0" i="0" u="none" strike="noStrike" dirty="0">
+                <a:solidFill>
+                  <a:srgbClr val="05192D"/>
+                </a:solidFill>
+                <a:effectLst/>
+                <a:highlight>
+                  <a:srgbClr val="FFFFFF"/>
+                </a:highlight>
+                <a:latin typeface="Arial Unicode MS" panose="020B0604020202020204" pitchFamily="34" charset="-128"/>
+                <a:ea typeface="Arial Unicode MS" panose="020B0604020202020204" pitchFamily="34" charset="-128"/>
+                <a:cs typeface="Arial Unicode MS" panose="020B0604020202020204" pitchFamily="34" charset="-128"/>
+              </a:rPr>
+              <a:t>Personalized recommendation systems can greatly benefit from </a:t>
+            </a:r>
+            <a:r>
+              <a:rPr lang="en" altLang="ko-KR" sz="1200" b="0" i="0" u="none" strike="noStrike" dirty="0" err="1">
+                <a:solidFill>
+                  <a:srgbClr val="05192D"/>
+                </a:solidFill>
+                <a:effectLst/>
+                <a:highlight>
+                  <a:srgbClr val="FFFFFF"/>
+                </a:highlight>
+                <a:latin typeface="Arial Unicode MS" panose="020B0604020202020204" pitchFamily="34" charset="-128"/>
+                <a:ea typeface="Arial Unicode MS" panose="020B0604020202020204" pitchFamily="34" charset="-128"/>
+                <a:cs typeface="Arial Unicode MS" panose="020B0604020202020204" pitchFamily="34" charset="-128"/>
+              </a:rPr>
+              <a:t>LangGraph's</a:t>
+            </a:r>
+            <a:r>
+              <a:rPr lang="en" altLang="ko-KR" sz="1200" b="0" i="0" u="none" strike="noStrike" dirty="0">
+                <a:solidFill>
+                  <a:srgbClr val="05192D"/>
+                </a:solidFill>
+                <a:effectLst/>
+                <a:highlight>
+                  <a:srgbClr val="FFFFFF"/>
+                </a:highlight>
+                <a:latin typeface="Arial Unicode MS" panose="020B0604020202020204" pitchFamily="34" charset="-128"/>
+                <a:ea typeface="Arial Unicode MS" panose="020B0604020202020204" pitchFamily="34" charset="-128"/>
+                <a:cs typeface="Arial Unicode MS" panose="020B0604020202020204" pitchFamily="34" charset="-128"/>
+              </a:rPr>
+              <a:t> capabilities. By employing multiple agents to analyze user behavior, preferences, and contextual data, these systems can deliver tailored suggestions for products, content, or services. </a:t>
+            </a:r>
+            <a:r>
+              <a:rPr lang="en" altLang="ko-KR" sz="1200" b="0" i="0" u="none" strike="noStrike" dirty="0" err="1">
+                <a:solidFill>
+                  <a:srgbClr val="05192D"/>
+                </a:solidFill>
+                <a:effectLst/>
+                <a:highlight>
+                  <a:srgbClr val="FFFFFF"/>
+                </a:highlight>
+                <a:latin typeface="Arial Unicode MS" panose="020B0604020202020204" pitchFamily="34" charset="-128"/>
+                <a:ea typeface="Arial Unicode MS" panose="020B0604020202020204" pitchFamily="34" charset="-128"/>
+                <a:cs typeface="Arial Unicode MS" panose="020B0604020202020204" pitchFamily="34" charset="-128"/>
+              </a:rPr>
+              <a:t>LangGraph's</a:t>
+            </a:r>
+            <a:r>
+              <a:rPr lang="en" altLang="ko-KR" sz="1200" b="0" i="0" u="none" strike="noStrike" dirty="0">
+                <a:solidFill>
+                  <a:srgbClr val="05192D"/>
+                </a:solidFill>
+                <a:effectLst/>
+                <a:highlight>
+                  <a:srgbClr val="FFFFFF"/>
+                </a:highlight>
+                <a:latin typeface="Arial Unicode MS" panose="020B0604020202020204" pitchFamily="34" charset="-128"/>
+                <a:ea typeface="Arial Unicode MS" panose="020B0604020202020204" pitchFamily="34" charset="-128"/>
+                <a:cs typeface="Arial Unicode MS" panose="020B0604020202020204" pitchFamily="34" charset="-128"/>
+              </a:rPr>
+              <a:t> flexibility allows for integrating various data sources and algorithms, enhancing the accuracy and relevance of recommendations.</a:t>
+            </a:r>
+            <a:endParaRPr lang="en" altLang="ko-KR" sz="1200" b="0" i="0" dirty="0">
+              <a:solidFill>
+                <a:srgbClr val="05192D"/>
+              </a:solidFill>
+              <a:effectLst/>
+              <a:highlight>
+                <a:srgbClr val="FFFFFF"/>
+              </a:highlight>
+              <a:latin typeface="Arial Unicode MS" panose="020B0604020202020204" pitchFamily="34" charset="-128"/>
+              <a:ea typeface="Arial Unicode MS" panose="020B0604020202020204" pitchFamily="34" charset="-128"/>
+              <a:cs typeface="Arial Unicode MS" panose="020B0604020202020204" pitchFamily="34" charset="-128"/>
+            </a:endParaRPr>
+          </a:p>
+          <a:p>
+            <a:pPr algn="l" rtl="0"/>
+            <a:endParaRPr lang="en" altLang="ko-KR" sz="1200" b="1" i="0" dirty="0">
+              <a:solidFill>
+                <a:srgbClr val="05192D"/>
+              </a:solidFill>
+              <a:effectLst/>
+              <a:highlight>
+                <a:srgbClr val="FFFFFF"/>
+              </a:highlight>
+              <a:latin typeface="Arial Unicode MS" panose="020B0604020202020204" pitchFamily="34" charset="-128"/>
+              <a:ea typeface="Arial Unicode MS" panose="020B0604020202020204" pitchFamily="34" charset="-128"/>
+              <a:cs typeface="Arial Unicode MS" panose="020B0604020202020204" pitchFamily="34" charset="-128"/>
+            </a:endParaRPr>
+          </a:p>
+          <a:p>
+            <a:pPr algn="l" rtl="0"/>
+            <a:r>
+              <a:rPr lang="en" altLang="ko-KR" sz="1600" b="1" i="0" dirty="0">
+                <a:solidFill>
+                  <a:srgbClr val="00B050"/>
+                </a:solidFill>
+                <a:effectLst/>
+                <a:highlight>
+                  <a:srgbClr val="FFFFFF"/>
+                </a:highlight>
+                <a:latin typeface="Arial Unicode MS" panose="020B0604020202020204" pitchFamily="34" charset="-128"/>
+                <a:ea typeface="Arial Unicode MS" panose="020B0604020202020204" pitchFamily="34" charset="-128"/>
+                <a:cs typeface="Arial Unicode MS" panose="020B0604020202020204" pitchFamily="34" charset="-128"/>
+              </a:rPr>
+              <a:t>Personalized learning environments</a:t>
+            </a:r>
+          </a:p>
+          <a:p>
+            <a:pPr algn="l" rtl="0"/>
+            <a:r>
+              <a:rPr lang="en" altLang="ko-KR" sz="1200" b="0" i="0" u="none" strike="noStrike" dirty="0">
+                <a:solidFill>
+                  <a:srgbClr val="05192D"/>
+                </a:solidFill>
+                <a:effectLst/>
+                <a:highlight>
+                  <a:srgbClr val="FFFFFF"/>
+                </a:highlight>
+                <a:latin typeface="Arial Unicode MS" panose="020B0604020202020204" pitchFamily="34" charset="-128"/>
+                <a:ea typeface="Arial Unicode MS" panose="020B0604020202020204" pitchFamily="34" charset="-128"/>
+                <a:cs typeface="Arial Unicode MS" panose="020B0604020202020204" pitchFamily="34" charset="-128"/>
+              </a:rPr>
+              <a:t>In educational platforms, </a:t>
+            </a:r>
+            <a:r>
+              <a:rPr lang="en" altLang="ko-KR" sz="1200" b="0" i="0" u="none" strike="noStrike" dirty="0" err="1">
+                <a:solidFill>
+                  <a:srgbClr val="05192D"/>
+                </a:solidFill>
+                <a:effectLst/>
+                <a:highlight>
+                  <a:srgbClr val="FFFFFF"/>
+                </a:highlight>
+                <a:latin typeface="Arial Unicode MS" panose="020B0604020202020204" pitchFamily="34" charset="-128"/>
+                <a:ea typeface="Arial Unicode MS" panose="020B0604020202020204" pitchFamily="34" charset="-128"/>
+                <a:cs typeface="Arial Unicode MS" panose="020B0604020202020204" pitchFamily="34" charset="-128"/>
+              </a:rPr>
+              <a:t>LangGraph</a:t>
+            </a:r>
+            <a:r>
+              <a:rPr lang="en" altLang="ko-KR" sz="1200" b="0" i="0" u="none" strike="noStrike" dirty="0">
+                <a:solidFill>
+                  <a:srgbClr val="05192D"/>
+                </a:solidFill>
+                <a:effectLst/>
+                <a:highlight>
+                  <a:srgbClr val="FFFFFF"/>
+                </a:highlight>
+                <a:latin typeface="Arial Unicode MS" panose="020B0604020202020204" pitchFamily="34" charset="-128"/>
+                <a:ea typeface="Arial Unicode MS" panose="020B0604020202020204" pitchFamily="34" charset="-128"/>
+                <a:cs typeface="Arial Unicode MS" panose="020B0604020202020204" pitchFamily="34" charset="-128"/>
+              </a:rPr>
+              <a:t> can be used to create adaptive learning environments that cater to individual learning styles and needs. Multiple agents can assess a student's progress, provide customized exercises, and offer real-time feedback. The stateful nature of </a:t>
+            </a:r>
+            <a:r>
+              <a:rPr lang="en" altLang="ko-KR" sz="1200" b="0" i="0" u="none" strike="noStrike" dirty="0" err="1">
+                <a:solidFill>
+                  <a:srgbClr val="05192D"/>
+                </a:solidFill>
+                <a:effectLst/>
+                <a:highlight>
+                  <a:srgbClr val="FFFFFF"/>
+                </a:highlight>
+                <a:latin typeface="Arial Unicode MS" panose="020B0604020202020204" pitchFamily="34" charset="-128"/>
+                <a:ea typeface="Arial Unicode MS" panose="020B0604020202020204" pitchFamily="34" charset="-128"/>
+                <a:cs typeface="Arial Unicode MS" panose="020B0604020202020204" pitchFamily="34" charset="-128"/>
+              </a:rPr>
+              <a:t>LangGraph</a:t>
+            </a:r>
+            <a:r>
+              <a:rPr lang="en" altLang="ko-KR" sz="1200" b="0" i="0" u="none" strike="noStrike" dirty="0">
+                <a:solidFill>
+                  <a:srgbClr val="05192D"/>
+                </a:solidFill>
+                <a:effectLst/>
+                <a:highlight>
+                  <a:srgbClr val="FFFFFF"/>
+                </a:highlight>
+                <a:latin typeface="Arial Unicode MS" panose="020B0604020202020204" pitchFamily="34" charset="-128"/>
+                <a:ea typeface="Arial Unicode MS" panose="020B0604020202020204" pitchFamily="34" charset="-128"/>
+                <a:cs typeface="Arial Unicode MS" panose="020B0604020202020204" pitchFamily="34" charset="-128"/>
+              </a:rPr>
+              <a:t> ensures that the system retains information about each learner's performance and preferences, enabling a more personalized and effective educational experience.</a:t>
+            </a:r>
+            <a:endParaRPr lang="en" altLang="ko-KR" sz="1200" b="0" i="0" dirty="0">
+              <a:solidFill>
+                <a:srgbClr val="05192D"/>
+              </a:solidFill>
+              <a:effectLst/>
+              <a:highlight>
+                <a:srgbClr val="FFFFFF"/>
+              </a:highlight>
+              <a:latin typeface="Arial Unicode MS" panose="020B0604020202020204" pitchFamily="34" charset="-128"/>
+              <a:ea typeface="Arial Unicode MS" panose="020B0604020202020204" pitchFamily="34" charset="-128"/>
+              <a:cs typeface="Arial Unicode MS" panose="020B0604020202020204" pitchFamily="34" charset="-128"/>
+            </a:endParaRPr>
+          </a:p>
+        </p:txBody>
+      </p:sp>
+    </p:spTree>
+    <p:extLst>
+      <p:ext uri="{BB962C8B-B14F-4D97-AF65-F5344CB8AC3E}">
+        <p14:creationId xmlns:p14="http://schemas.microsoft.com/office/powerpoint/2010/main" val="3333217876"/>
+      </p:ext>
+    </p:extLst>
+  </p:cSld>
+  <p:clrMapOvr>
+    <a:masterClrMapping/>
+  </p:clrMapOvr>
+</p:sld>
+</file>
+
+<file path=ppt/slides/slide17.xml><?xml version="1.0" encoding="utf-8"?>
+<p:sld xmlns:a="http://schemas.openxmlformats.org/drawingml/2006/main" xmlns:r="http://schemas.openxmlformats.org/officeDocument/2006/relationships" xmlns:p="http://schemas.openxmlformats.org/presentationml/2006/main">
+  <p:cSld>
+    <p:spTree>
+      <p:nvGrpSpPr>
+        <p:cNvPr id="1" name=""/>
+        <p:cNvGrpSpPr/>
+        <p:nvPr/>
+      </p:nvGrpSpPr>
+      <p:grpSpPr>
+        <a:xfrm>
+          <a:off x="0" y="0"/>
+          <a:ext cx="0" cy="0"/>
+          <a:chOff x="0" y="0"/>
+          <a:chExt cx="0" cy="0"/>
+        </a:xfrm>
+      </p:grpSpPr>
+      <p:sp>
+        <p:nvSpPr>
+          <p:cNvPr id="2" name="TextBox 1">
+            <a:extLst>
+              <a:ext uri="{FF2B5EF4-FFF2-40B4-BE49-F238E27FC236}">
+                <a16:creationId xmlns:a16="http://schemas.microsoft.com/office/drawing/2014/main" id="{9F22DA87-8F0D-2AD1-A03B-1581126C7FAF}"/>
+              </a:ext>
+            </a:extLst>
+          </p:cNvPr>
+          <p:cNvSpPr txBox="1"/>
+          <p:nvPr/>
+        </p:nvSpPr>
+        <p:spPr>
+          <a:xfrm>
+            <a:off x="77274" y="45076"/>
             <a:ext cx="966931" cy="369332"/>
           </a:xfrm>
           <a:prstGeom prst="rect">
@@ -5485,7 +6290,7 @@
 </p:sld>
 </file>
 
-<file path=ppt/slides/slide17.xml><?xml version="1.0" encoding="utf-8"?>
+<file path=ppt/slides/slide18.xml><?xml version="1.0" encoding="utf-8"?>
 <p:sld xmlns:a="http://schemas.openxmlformats.org/drawingml/2006/main" xmlns:r="http://schemas.openxmlformats.org/officeDocument/2006/relationships" xmlns:p="http://schemas.openxmlformats.org/presentationml/2006/main">
   <p:cSld>
     <p:spTree>
@@ -5547,7 +6352,7 @@
     </p:spTree>
     <p:extLst>
       <p:ext uri="{BB962C8B-B14F-4D97-AF65-F5344CB8AC3E}">
-        <p14:creationId xmlns:p14="http://schemas.microsoft.com/office/powerpoint/2010/main" val="3333217876"/>
+        <p14:creationId xmlns:p14="http://schemas.microsoft.com/office/powerpoint/2010/main" val="2424630563"/>
       </p:ext>
     </p:extLst>
   </p:cSld>
